--- a/CS-6223/hw/Grad_Project/Final Documents/PrivKV Differential Privacy for Key Value Structured Data.pptx
+++ b/CS-6223/hw/Grad_Project/Final Documents/PrivKV Differential Privacy for Key Value Structured Data.pptx
@@ -114,6 +114,11 @@
       </a:defRPr>
     </a:lvl9pPr>
   </p:defaultTextStyle>
+  <p:extLst>
+    <p:ext uri="{EFAFB233-063F-42B5-8137-9DF3F51BA10A}">
+      <p15:sldGuideLst xmlns:p15="http://schemas.microsoft.com/office/powerpoint/2012/main"/>
+    </p:ext>
+  </p:extLst>
 </p:presentation>
 </file>
 
@@ -4268,6 +4273,22 @@
             </a:r>
           </a:p>
           <a:p>
+            <a:r>
+              <a:rPr lang="en-US" dirty="0" err="1"/>
+              <a:t>PrivKV</a:t>
+            </a:r>
+            <a:r>
+              <a:rPr lang="en-US" dirty="0"/>
+              <a:t> goals</a:t>
+            </a:r>
+          </a:p>
+          <a:p>
+            <a:r>
+              <a:rPr lang="en-US" dirty="0"/>
+              <a:t>Basic Concepts</a:t>
+            </a:r>
+          </a:p>
+          <a:p>
             <a:endParaRPr lang="en-US" dirty="0"/>
           </a:p>
         </p:txBody>
@@ -4542,14 +4563,8 @@
           <a:p>
             <a:r>
               <a:rPr lang="en-US" dirty="0"/>
-              <a:t>Most algorithms use separate algorithms for each type of numerical, categorical, or set-valued data. </a:t>
-            </a:r>
-          </a:p>
-          <a:p>
-            <a:pPr marL="0" indent="0">
-              <a:buNone/>
-            </a:pPr>
-            <a:endParaRPr lang="en-US" dirty="0"/>
+              <a:t>Most algorithms use separate algorithms for each type of numerical, categorical, or set-valued data.</a:t>
+            </a:r>
           </a:p>
           <a:p>
             <a:pPr marL="0" indent="0">
@@ -4599,8 +4614,8 @@
           </a:p>
         </p:txBody>
       </p:sp>
-      <mc:AlternateContent xmlns:mc="http://schemas.openxmlformats.org/markup-compatibility/2006">
-        <mc:Choice xmlns:a14="http://schemas.microsoft.com/office/drawing/2010/main" Requires="a14">
+      <mc:AlternateContent xmlns:mc="http://schemas.openxmlformats.org/markup-compatibility/2006" xmlns:a14="http://schemas.microsoft.com/office/drawing/2010/main">
+        <mc:Choice Requires="a14">
           <p:sp>
             <p:nvSpPr>
               <p:cNvPr id="5" name="TextBox 4">
@@ -4629,6 +4644,7 @@
               </a:bodyPr>
               <a:lstStyle/>
               <a:p>
+                <a:pPr/>
                 <a14:m>
                   <m:oMathPara xmlns:m="http://schemas.openxmlformats.org/officeDocument/2006/math">
                     <m:oMathParaPr>
@@ -4749,7 +4765,7 @@
             </p:txBody>
           </p:sp>
         </mc:Choice>
-        <mc:Fallback>
+        <mc:Fallback xmlns="">
           <p:sp>
             <p:nvSpPr>
               <p:cNvPr id="5" name="TextBox 4">
@@ -4794,8 +4810,8 @@
           </p:sp>
         </mc:Fallback>
       </mc:AlternateContent>
-      <mc:AlternateContent xmlns:mc="http://schemas.openxmlformats.org/markup-compatibility/2006">
-        <mc:Choice xmlns:a14="http://schemas.microsoft.com/office/drawing/2010/main" Requires="a14">
+      <mc:AlternateContent xmlns:mc="http://schemas.openxmlformats.org/markup-compatibility/2006" xmlns:a14="http://schemas.microsoft.com/office/drawing/2010/main">
+        <mc:Choice Requires="a14">
           <p:sp>
             <p:nvSpPr>
               <p:cNvPr id="4" name="TextBox 3">
@@ -4896,7 +4912,7 @@
             </p:txBody>
           </p:sp>
         </mc:Choice>
-        <mc:Fallback>
+        <mc:Fallback xmlns="">
           <p:sp>
             <p:nvSpPr>
               <p:cNvPr id="4" name="TextBox 3">
@@ -4992,7 +5008,14 @@
           <a:bodyPr/>
           <a:lstStyle/>
           <a:p>
-            <a:endParaRPr lang="en-US"/>
+            <a:r>
+              <a:rPr lang="en-US" dirty="0" err="1"/>
+              <a:t>PrivKV</a:t>
+            </a:r>
+            <a:r>
+              <a:rPr lang="en-US" dirty="0"/>
+              <a:t> goals</a:t>
+            </a:r>
           </a:p>
         </p:txBody>
       </p:sp>
@@ -5014,10 +5037,171 @@
         </p:nvSpPr>
         <p:spPr/>
         <p:txBody>
-          <a:bodyPr/>
+          <a:bodyPr>
+            <a:normAutofit/>
+          </a:bodyPr>
           <a:lstStyle/>
           <a:p>
-            <a:endParaRPr lang="en-US"/>
+            <a:r>
+              <a:rPr lang="en-US" sz="2400" dirty="0"/>
+              <a:t>Provide a “privacy-preserving key-value data collection for frequency and mean estimation in local setting” with an </a:t>
+            </a:r>
+            <a:r>
+              <a:rPr lang="en-US" sz="2400" i="1" dirty="0"/>
+              <a:t>un</a:t>
+            </a:r>
+            <a:r>
+              <a:rPr lang="en-US" sz="2400" dirty="0"/>
+              <a:t>trusted data collector/maintainer/publisher.</a:t>
+            </a:r>
+          </a:p>
+          <a:p>
+            <a:r>
+              <a:rPr lang="en-US" sz="2400" dirty="0"/>
+              <a:t>Use a </a:t>
+            </a:r>
+            <a:r>
+              <a:rPr lang="en-US" sz="2400" i="1" dirty="0"/>
+              <a:t>lot </a:t>
+            </a:r>
+            <a:r>
+              <a:rPr lang="en-US" sz="2400" dirty="0"/>
+              <a:t>of prior research to provide a new protocol.</a:t>
+            </a:r>
+          </a:p>
+          <a:p>
+            <a:pPr lvl="1"/>
+            <a:r>
+              <a:rPr lang="en-US" sz="1400" dirty="0"/>
+              <a:t>[5] R. </a:t>
+            </a:r>
+            <a:r>
+              <a:rPr lang="en-US" sz="1400" dirty="0" err="1"/>
+              <a:t>Bassily</a:t>
+            </a:r>
+            <a:r>
+              <a:rPr lang="en-US" sz="1400" dirty="0"/>
+              <a:t> and A. Smith. Local, private, efficient protocols for succinct histograms. In STOC, pages 127–135. ACM, 2015.</a:t>
+            </a:r>
+          </a:p>
+          <a:p>
+            <a:pPr lvl="1"/>
+            <a:r>
+              <a:rPr lang="en-US" sz="1400" dirty="0"/>
+              <a:t>[6] R. </a:t>
+            </a:r>
+            <a:r>
+              <a:rPr lang="en-US" sz="1400" dirty="0" err="1"/>
+              <a:t>Bassily</a:t>
+            </a:r>
+            <a:r>
+              <a:rPr lang="en-US" sz="1400" dirty="0"/>
+              <a:t>, U. Stemmer, A. G. </a:t>
+            </a:r>
+            <a:r>
+              <a:rPr lang="en-US" sz="1400" dirty="0" err="1"/>
+              <a:t>Thakurta</a:t>
+            </a:r>
+            <a:r>
+              <a:rPr lang="en-US" sz="1400" dirty="0"/>
+              <a:t>, et al. Practical locally private heavy hitters. In NIPS, pages 2285–2293, 2017.</a:t>
+            </a:r>
+          </a:p>
+          <a:p>
+            <a:pPr lvl="1"/>
+            <a:r>
+              <a:rPr lang="en-US" sz="1400" dirty="0"/>
+              <a:t>[31] T. T. </a:t>
+            </a:r>
+            <a:r>
+              <a:rPr lang="en-US" sz="1400" dirty="0" err="1"/>
+              <a:t>Nguyˆen</a:t>
+            </a:r>
+            <a:r>
+              <a:rPr lang="en-US" sz="1400" dirty="0"/>
+              <a:t>, X. Xiao, Y. Yang, S. C. Hui, H. Shin, and J. Shin. Collecting and analyzing data from smart device users with local differential privacy. arXiv:1606.05053, 2016</a:t>
+            </a:r>
+          </a:p>
+          <a:p>
+            <a:pPr lvl="1"/>
+            <a:r>
+              <a:rPr lang="en-US" sz="1400" dirty="0"/>
+              <a:t>[41] Y. Wang, X. Wu, and D. Hu. Using randomized response for differential privacy preserving data collection. In EDBT/ICDT Workshops, 2016</a:t>
+            </a:r>
+          </a:p>
+          <a:p>
+            <a:pPr lvl="1"/>
+            <a:r>
+              <a:rPr lang="en-US" sz="1400" dirty="0"/>
+              <a:t>[42] S. L. Warner. Randomized response: A survey technique for eliminating evasive answer bias. Journal of the American Statistical Association ,60(309):63–69, 1965</a:t>
+            </a:r>
+          </a:p>
+          <a:p>
+            <a:pPr lvl="1"/>
+            <a:r>
+              <a:rPr lang="en-US" sz="1400" dirty="0"/>
+              <a:t>…and many more</a:t>
+            </a:r>
+          </a:p>
+          <a:p>
+            <a:r>
+              <a:rPr lang="en-US" sz="2400" dirty="0"/>
+              <a:t>Also provide options for iterative optimization (</a:t>
+            </a:r>
+            <a:r>
+              <a:rPr lang="en-US" sz="2400" dirty="0" err="1"/>
+              <a:t>PrivKVM</a:t>
+            </a:r>
+            <a:r>
+              <a:rPr lang="en-US" sz="2400" dirty="0"/>
+              <a:t>) and for iterative cost analysis (</a:t>
+            </a:r>
+            <a:r>
+              <a:rPr lang="en-US" sz="2400" dirty="0" err="1"/>
+              <a:t>PrivKVM</a:t>
+            </a:r>
+            <a:r>
+              <a:rPr lang="en-US" sz="2400" baseline="30000" dirty="0"/>
+              <a:t>+</a:t>
+            </a:r>
+            <a:r>
+              <a:rPr lang="en-US" sz="2400" dirty="0"/>
+              <a:t>)</a:t>
+            </a:r>
+            <a:endParaRPr lang="en-US" sz="1400" dirty="0"/>
+          </a:p>
+          <a:p>
+            <a:pPr marL="0" indent="0">
+              <a:buNone/>
+            </a:pPr>
+            <a:endParaRPr lang="en-US" sz="1800" dirty="0"/>
+          </a:p>
+          <a:p>
+            <a:pPr lvl="1"/>
+            <a:endParaRPr lang="en-US" sz="1400" dirty="0"/>
+          </a:p>
+          <a:p>
+            <a:pPr lvl="1"/>
+            <a:endParaRPr lang="en-US" sz="1400" dirty="0"/>
+          </a:p>
+          <a:p>
+            <a:pPr lvl="1"/>
+            <a:endParaRPr lang="en-US" sz="1400" dirty="0"/>
+          </a:p>
+          <a:p>
+            <a:pPr lvl="1"/>
+            <a:endParaRPr lang="en-US" sz="1400" dirty="0"/>
+          </a:p>
+          <a:p>
+            <a:pPr lvl="1"/>
+            <a:endParaRPr lang="en-US" sz="1400" dirty="0"/>
+          </a:p>
+          <a:p>
+            <a:pPr lvl="1"/>
+            <a:endParaRPr lang="en-US" dirty="0"/>
+          </a:p>
+          <a:p>
+            <a:endParaRPr lang="en-US" dirty="0"/>
           </a:p>
         </p:txBody>
       </p:sp>

--- a/CS-6223/hw/Grad_Project/Final Documents/PrivKV Differential Privacy for Key Value Structured Data.pptx
+++ b/CS-6223/hw/Grad_Project/Final Documents/PrivKV Differential Privacy for Key Value Structured Data.pptx
@@ -5,10 +5,10 @@
     <p:sldMasterId id="2147483696" r:id="rId1"/>
   </p:sldMasterIdLst>
   <p:notesMasterIdLst>
-    <p:notesMasterId r:id="rId7"/>
+    <p:notesMasterId r:id="rId11"/>
   </p:notesMasterIdLst>
   <p:handoutMasterIdLst>
-    <p:handoutMasterId r:id="rId8"/>
+    <p:handoutMasterId r:id="rId12"/>
   </p:handoutMasterIdLst>
   <p:sldIdLst>
     <p:sldId id="256" r:id="rId2"/>
@@ -16,6 +16,10 @@
     <p:sldId id="258" r:id="rId4"/>
     <p:sldId id="259" r:id="rId5"/>
     <p:sldId id="260" r:id="rId6"/>
+    <p:sldId id="261" r:id="rId7"/>
+    <p:sldId id="262" r:id="rId8"/>
+    <p:sldId id="263" r:id="rId9"/>
+    <p:sldId id="264" r:id="rId10"/>
   </p:sldIdLst>
   <p:sldSz cx="12192000" cy="6858000"/>
   <p:notesSz cx="6858000" cy="9144000"/>
@@ -216,7 +220,7 @@
           <a:p>
             <a:fld id="{55A702A2-0293-4DD2-A5D0-0806E495B0CA}" type="datetimeFigureOut">
               <a:rPr lang="en-US" smtClean="0"/>
-              <a:t>11/15/2018</a:t>
+              <a:t>11/16/2018</a:t>
             </a:fld>
             <a:endParaRPr lang="en-US"/>
           </a:p>
@@ -394,7 +398,7 @@
           <a:p>
             <a:fld id="{D22C654D-04F9-4482-BE2C-C5182A860B06}" type="datetimeFigureOut">
               <a:rPr lang="en-US" smtClean="0"/>
-              <a:t>11/15/2018</a:t>
+              <a:t>11/16/2018</a:t>
             </a:fld>
             <a:endParaRPr lang="en-US"/>
           </a:p>
@@ -936,7 +940,7 @@
           <a:p>
             <a:fld id="{69A9BE38-773C-48B5-BC1D-045D898531B3}" type="datetime1">
               <a:rPr lang="en-US" smtClean="0"/>
-              <a:t>11/15/2018</a:t>
+              <a:t>11/16/2018</a:t>
             </a:fld>
             <a:endParaRPr lang="en-US"/>
           </a:p>
@@ -1134,7 +1138,7 @@
           <a:p>
             <a:fld id="{185B4BD7-CF1B-473A-B6A3-11BB0C6567C2}" type="datetime1">
               <a:rPr lang="en-US" smtClean="0"/>
-              <a:t>11/15/2018</a:t>
+              <a:t>11/16/2018</a:t>
             </a:fld>
             <a:endParaRPr lang="en-US"/>
           </a:p>
@@ -1342,7 +1346,7 @@
           <a:p>
             <a:fld id="{286D2894-6718-4E20-8F2D-3CCD61F8E669}" type="datetime1">
               <a:rPr lang="en-US" smtClean="0"/>
-              <a:t>11/15/2018</a:t>
+              <a:t>11/16/2018</a:t>
             </a:fld>
             <a:endParaRPr lang="en-US" dirty="0"/>
           </a:p>
@@ -1577,7 +1581,7 @@
           <a:p>
             <a:fld id="{448BD83F-FFE9-4299-98B4-61F46144EB70}" type="datetime1">
               <a:rPr lang="en-US" smtClean="0"/>
-              <a:t>11/15/2018</a:t>
+              <a:t>11/16/2018</a:t>
             </a:fld>
             <a:endParaRPr lang="en-US"/>
           </a:p>
@@ -1873,7 +1877,7 @@
           <a:p>
             <a:fld id="{EA9DAA4B-1450-4774-97A4-B88638E16613}" type="datetime1">
               <a:rPr lang="en-US" smtClean="0"/>
-              <a:t>11/15/2018</a:t>
+              <a:t>11/16/2018</a:t>
             </a:fld>
             <a:endParaRPr lang="en-US" dirty="0"/>
           </a:p>
@@ -2160,7 +2164,7 @@
           <a:p>
             <a:fld id="{C7B4E5FE-3717-456E-94AF-8A177C4455CC}" type="datetime1">
               <a:rPr lang="en-US" smtClean="0"/>
-              <a:t>11/15/2018</a:t>
+              <a:t>11/16/2018</a:t>
             </a:fld>
             <a:endParaRPr lang="en-US" dirty="0"/>
           </a:p>
@@ -2587,7 +2591,7 @@
           <a:p>
             <a:fld id="{E0E57C35-A9D2-45F8-8C00-45FE6F749437}" type="datetime1">
               <a:rPr lang="en-US" smtClean="0"/>
-              <a:t>11/15/2018</a:t>
+              <a:t>11/16/2018</a:t>
             </a:fld>
             <a:endParaRPr lang="en-US"/>
           </a:p>
@@ -2728,7 +2732,7 @@
           <a:p>
             <a:fld id="{B8B5268D-8E11-46D6-AC65-D1EE25497A5A}" type="datetime1">
               <a:rPr lang="en-US" smtClean="0"/>
-              <a:t>11/15/2018</a:t>
+              <a:t>11/16/2018</a:t>
             </a:fld>
             <a:endParaRPr lang="en-US"/>
           </a:p>
@@ -2848,7 +2852,7 @@
           <a:p>
             <a:fld id="{9CDD4C95-4CEB-4426-862B-56866AE26054}" type="datetime1">
               <a:rPr lang="en-US" smtClean="0"/>
-              <a:t>11/15/2018</a:t>
+              <a:t>11/16/2018</a:t>
             </a:fld>
             <a:endParaRPr lang="en-US" dirty="0"/>
           </a:p>
@@ -3174,7 +3178,7 @@
           <a:p>
             <a:fld id="{6DF0AB15-6371-4114-B6F1-9F2D535AC633}" type="datetime1">
               <a:rPr lang="en-US" smtClean="0"/>
-              <a:t>11/15/2018</a:t>
+              <a:t>11/16/2018</a:t>
             </a:fld>
             <a:endParaRPr lang="en-US"/>
           </a:p>
@@ -3462,7 +3466,7 @@
           <a:p>
             <a:fld id="{36DECB35-346B-462D-8462-D2D246E8B9E0}" type="datetime1">
               <a:rPr lang="en-US" smtClean="0"/>
-              <a:t>11/15/2018</a:t>
+              <a:t>11/16/2018</a:t>
             </a:fld>
             <a:endParaRPr lang="en-US"/>
           </a:p>
@@ -3703,7 +3707,7 @@
           <a:p>
             <a:fld id="{5A594B01-F70C-4C7F-8D01-81FB6DE62B01}" type="datetime1">
               <a:rPr lang="en-US" smtClean="0"/>
-              <a:t>11/15/2018</a:t>
+              <a:t>11/16/2018</a:t>
             </a:fld>
             <a:endParaRPr lang="en-US"/>
           </a:p>
@@ -5234,6 +5238,2036 @@
     <p:extLst>
       <p:ext uri="{BB962C8B-B14F-4D97-AF65-F5344CB8AC3E}">
         <p14:creationId xmlns:p14="http://schemas.microsoft.com/office/powerpoint/2010/main" val="3395174716"/>
+      </p:ext>
+    </p:extLst>
+  </p:cSld>
+  <p:clrMapOvr>
+    <a:masterClrMapping/>
+  </p:clrMapOvr>
+</p:sld>
+</file>
+
+<file path=ppt/slides/slide6.xml><?xml version="1.0" encoding="utf-8"?>
+<p:sld xmlns:a="http://schemas.openxmlformats.org/drawingml/2006/main" xmlns:r="http://schemas.openxmlformats.org/officeDocument/2006/relationships" xmlns:p="http://schemas.openxmlformats.org/presentationml/2006/main">
+  <p:cSld>
+    <p:spTree>
+      <p:nvGrpSpPr>
+        <p:cNvPr id="1" name=""/>
+        <p:cNvGrpSpPr/>
+        <p:nvPr/>
+      </p:nvGrpSpPr>
+      <p:grpSpPr>
+        <a:xfrm>
+          <a:off x="0" y="0"/>
+          <a:ext cx="0" cy="0"/>
+          <a:chOff x="0" y="0"/>
+          <a:chExt cx="0" cy="0"/>
+        </a:xfrm>
+      </p:grpSpPr>
+      <p:sp>
+        <p:nvSpPr>
+          <p:cNvPr id="2" name="Title 1">
+            <a:extLst>
+              <a:ext uri="{FF2B5EF4-FFF2-40B4-BE49-F238E27FC236}">
+                <a16:creationId xmlns:a16="http://schemas.microsoft.com/office/drawing/2014/main" id="{21EC0D4B-681C-4417-9255-25DEA287D59F}"/>
+              </a:ext>
+            </a:extLst>
+          </p:cNvPr>
+          <p:cNvSpPr>
+            <a:spLocks noGrp="1"/>
+          </p:cNvSpPr>
+          <p:nvPr>
+            <p:ph type="title"/>
+          </p:nvPr>
+        </p:nvSpPr>
+        <p:spPr/>
+        <p:txBody>
+          <a:bodyPr/>
+          <a:lstStyle/>
+          <a:p>
+            <a:r>
+              <a:rPr lang="en-US" dirty="0"/>
+              <a:t>Basic Concepts</a:t>
+            </a:r>
+          </a:p>
+        </p:txBody>
+      </p:sp>
+      <mc:AlternateContent xmlns:mc="http://schemas.openxmlformats.org/markup-compatibility/2006">
+        <mc:Choice xmlns:a14="http://schemas.microsoft.com/office/drawing/2010/main" Requires="a14">
+          <p:sp>
+            <p:nvSpPr>
+              <p:cNvPr id="3" name="Content Placeholder 2">
+                <a:extLst>
+                  <a:ext uri="{FF2B5EF4-FFF2-40B4-BE49-F238E27FC236}">
+                    <a16:creationId xmlns:a16="http://schemas.microsoft.com/office/drawing/2014/main" id="{2F6D02F8-1D35-40B2-819C-A950060F872C}"/>
+                  </a:ext>
+                </a:extLst>
+              </p:cNvPr>
+              <p:cNvSpPr>
+                <a:spLocks noGrp="1"/>
+              </p:cNvSpPr>
+              <p:nvPr>
+                <p:ph idx="1"/>
+              </p:nvPr>
+            </p:nvSpPr>
+            <p:spPr/>
+            <p:txBody>
+              <a:bodyPr>
+                <a:normAutofit/>
+              </a:bodyPr>
+              <a:lstStyle/>
+              <a:p>
+                <a14:m>
+                  <m:oMath xmlns:m="http://schemas.openxmlformats.org/officeDocument/2006/math">
+                    <m:r>
+                      <a:rPr lang="en-US" sz="2400" i="1" smtClean="0">
+                        <a:latin typeface="Cambria Math" panose="02040503050406030204" pitchFamily="18" charset="0"/>
+                        <a:ea typeface="Cambria Math" panose="02040503050406030204" pitchFamily="18" charset="0"/>
+                      </a:rPr>
+                      <m:t>𝜀</m:t>
+                    </m:r>
+                  </m:oMath>
+                </a14:m>
+                <a:r>
+                  <a:rPr lang="en-US" sz="2400" dirty="0"/>
+                  <a:t>-local differential privacy:</a:t>
+                </a:r>
+              </a:p>
+              <a:p>
+                <a:pPr lvl="1"/>
+                <a:r>
+                  <a:rPr lang="en-US" sz="2000" dirty="0"/>
+                  <a:t>A randomized algorithm </a:t>
+                </a:r>
+                <a14:m>
+                  <m:oMath xmlns:m="http://schemas.openxmlformats.org/officeDocument/2006/math">
+                    <m:r>
+                      <a:rPr lang="en-US" sz="2000" i="1">
+                        <a:latin typeface="Cambria Math" panose="02040503050406030204" pitchFamily="18" charset="0"/>
+                      </a:rPr>
+                      <m:t>𝑀</m:t>
+                    </m:r>
+                    <m:r>
+                      <a:rPr lang="en-US" sz="2000" i="1">
+                        <a:latin typeface="Cambria Math" panose="02040503050406030204" pitchFamily="18" charset="0"/>
+                      </a:rPr>
+                      <m:t> </m:t>
+                    </m:r>
+                  </m:oMath>
+                </a14:m>
+                <a:r>
+                  <a:rPr lang="en-US" sz="2000" dirty="0"/>
+                  <a:t>satisfies </a:t>
+                </a:r>
+                <a14:m>
+                  <m:oMath xmlns:m="http://schemas.openxmlformats.org/officeDocument/2006/math">
+                    <m:r>
+                      <a:rPr lang="en-US" sz="2000" i="1">
+                        <a:latin typeface="Cambria Math" panose="02040503050406030204" pitchFamily="18" charset="0"/>
+                        <a:ea typeface="Cambria Math" panose="02040503050406030204" pitchFamily="18" charset="0"/>
+                      </a:rPr>
+                      <m:t>𝜖</m:t>
+                    </m:r>
+                  </m:oMath>
+                </a14:m>
+                <a:r>
+                  <a:rPr lang="en-US" sz="2000" dirty="0"/>
+                  <a:t>-local differential privacy, if and only if for any two input tuples </a:t>
+                </a:r>
+                <a14:m>
+                  <m:oMath xmlns:m="http://schemas.openxmlformats.org/officeDocument/2006/math">
+                    <m:r>
+                      <a:rPr lang="en-US" sz="2000" i="1" smtClean="0">
+                        <a:latin typeface="Cambria Math" panose="02040503050406030204" pitchFamily="18" charset="0"/>
+                      </a:rPr>
+                      <m:t>𝑡</m:t>
+                    </m:r>
+                    <m:r>
+                      <a:rPr lang="en-US" sz="2000" b="0" i="0" smtClean="0">
+                        <a:latin typeface="Cambria Math" panose="02040503050406030204" pitchFamily="18" charset="0"/>
+                      </a:rPr>
+                      <m:t>, </m:t>
+                    </m:r>
+                    <m:sSup>
+                      <m:sSupPr>
+                        <m:ctrlPr>
+                          <a:rPr lang="en-US" sz="2000" b="0" i="1" smtClean="0">
+                            <a:latin typeface="Cambria Math" panose="02040503050406030204" pitchFamily="18" charset="0"/>
+                          </a:rPr>
+                        </m:ctrlPr>
+                      </m:sSupPr>
+                      <m:e>
+                        <m:r>
+                          <a:rPr lang="en-US" sz="2000" b="0" i="1" smtClean="0">
+                            <a:latin typeface="Cambria Math" panose="02040503050406030204" pitchFamily="18" charset="0"/>
+                          </a:rPr>
+                          <m:t>𝑡</m:t>
+                        </m:r>
+                      </m:e>
+                      <m:sup>
+                        <m:r>
+                          <a:rPr lang="en-US" sz="2000" b="0" i="1" smtClean="0">
+                            <a:latin typeface="Cambria Math" panose="02040503050406030204" pitchFamily="18" charset="0"/>
+                          </a:rPr>
+                          <m:t>′ </m:t>
+                        </m:r>
+                      </m:sup>
+                    </m:sSup>
+                    <m:r>
+                      <a:rPr lang="en-US" sz="2000" b="0" i="1" smtClean="0">
+                        <a:latin typeface="Cambria Math" panose="02040503050406030204" pitchFamily="18" charset="0"/>
+                        <a:ea typeface="Cambria Math" panose="02040503050406030204" pitchFamily="18" charset="0"/>
+                      </a:rPr>
+                      <m:t>∈</m:t>
+                    </m:r>
+                    <m:r>
+                      <a:rPr lang="en-US" sz="2000" b="0" i="1" smtClean="0">
+                        <a:latin typeface="Cambria Math" panose="02040503050406030204" pitchFamily="18" charset="0"/>
+                        <a:ea typeface="Cambria Math" panose="02040503050406030204" pitchFamily="18" charset="0"/>
+                      </a:rPr>
+                      <m:t>𝐷</m:t>
+                    </m:r>
+                  </m:oMath>
+                </a14:m>
+                <a:r>
+                  <a:rPr lang="en-US" sz="2000" dirty="0"/>
+                  <a:t> and for any output </a:t>
+                </a:r>
+                <a14:m>
+                  <m:oMath xmlns:m="http://schemas.openxmlformats.org/officeDocument/2006/math">
+                    <m:sSup>
+                      <m:sSupPr>
+                        <m:ctrlPr>
+                          <a:rPr lang="en-US" sz="2000" i="1">
+                            <a:latin typeface="Cambria Math" panose="02040503050406030204" pitchFamily="18" charset="0"/>
+                          </a:rPr>
+                        </m:ctrlPr>
+                      </m:sSupPr>
+                      <m:e>
+                        <m:r>
+                          <a:rPr lang="en-US" sz="2000" i="1">
+                            <a:latin typeface="Cambria Math" panose="02040503050406030204" pitchFamily="18" charset="0"/>
+                          </a:rPr>
+                          <m:t>𝑡</m:t>
+                        </m:r>
+                      </m:e>
+                      <m:sup>
+                        <m:r>
+                          <a:rPr lang="en-US" sz="2000" i="1">
+                            <a:latin typeface="Cambria Math" panose="02040503050406030204" pitchFamily="18" charset="0"/>
+                          </a:rPr>
+                          <m:t>∗</m:t>
+                        </m:r>
+                      </m:sup>
+                    </m:sSup>
+                  </m:oMath>
+                </a14:m>
+                <a:r>
+                  <a:rPr lang="en-US" sz="2000" dirty="0"/>
+                  <a:t> the following inequality always holds.</a:t>
+                </a:r>
+              </a:p>
+              <a:p>
+                <a:pPr lvl="1"/>
+                <a:endParaRPr lang="en-US" sz="2000" dirty="0"/>
+              </a:p>
+              <a:p>
+                <a:pPr lvl="1"/>
+                <a:endParaRPr lang="en-US" sz="2000" dirty="0"/>
+              </a:p>
+              <a:p>
+                <a:pPr lvl="1"/>
+                <a:r>
+                  <a:rPr lang="en-US" sz="2000" dirty="0"/>
+                  <a:t>Data collector cannot see output </a:t>
+                </a:r>
+                <a14:m>
+                  <m:oMath xmlns:m="http://schemas.openxmlformats.org/officeDocument/2006/math">
+                    <m:sSup>
+                      <m:sSupPr>
+                        <m:ctrlPr>
+                          <a:rPr lang="en-US" sz="2000" i="1">
+                            <a:latin typeface="Cambria Math" panose="02040503050406030204" pitchFamily="18" charset="0"/>
+                          </a:rPr>
+                        </m:ctrlPr>
+                      </m:sSupPr>
+                      <m:e>
+                        <m:r>
+                          <a:rPr lang="en-US" sz="2000" i="1">
+                            <a:latin typeface="Cambria Math" panose="02040503050406030204" pitchFamily="18" charset="0"/>
+                          </a:rPr>
+                          <m:t>𝑡</m:t>
+                        </m:r>
+                      </m:e>
+                      <m:sup>
+                        <m:r>
+                          <a:rPr lang="en-US" sz="2000" i="1">
+                            <a:latin typeface="Cambria Math" panose="02040503050406030204" pitchFamily="18" charset="0"/>
+                          </a:rPr>
+                          <m:t>∗</m:t>
+                        </m:r>
+                      </m:sup>
+                    </m:sSup>
+                  </m:oMath>
+                </a14:m>
+                <a:r>
+                  <a:rPr lang="en-US" sz="2000" dirty="0"/>
+                  <a:t> to infer whether it is </a:t>
+                </a:r>
+                <a14:m>
+                  <m:oMath xmlns:m="http://schemas.openxmlformats.org/officeDocument/2006/math">
+                    <m:r>
+                      <a:rPr lang="en-US" sz="2000" i="1">
+                        <a:latin typeface="Cambria Math" panose="02040503050406030204" pitchFamily="18" charset="0"/>
+                      </a:rPr>
+                      <m:t>𝑡</m:t>
+                    </m:r>
+                  </m:oMath>
+                </a14:m>
+                <a:r>
+                  <a:rPr lang="en-US" sz="2000" dirty="0"/>
+                  <a:t> or </a:t>
+                </a:r>
+                <a14:m>
+                  <m:oMath xmlns:m="http://schemas.openxmlformats.org/officeDocument/2006/math">
+                    <m:sSup>
+                      <m:sSupPr>
+                        <m:ctrlPr>
+                          <a:rPr lang="en-US" sz="2000" i="1" smtClean="0">
+                            <a:latin typeface="Cambria Math" panose="02040503050406030204" pitchFamily="18" charset="0"/>
+                          </a:rPr>
+                        </m:ctrlPr>
+                      </m:sSupPr>
+                      <m:e>
+                        <m:r>
+                          <a:rPr lang="en-US" sz="2000" i="1">
+                            <a:latin typeface="Cambria Math" panose="02040503050406030204" pitchFamily="18" charset="0"/>
+                          </a:rPr>
+                          <m:t>𝑡</m:t>
+                        </m:r>
+                      </m:e>
+                      <m:sup>
+                        <m:r>
+                          <a:rPr lang="en-US" sz="2000" i="1">
+                            <a:latin typeface="Cambria Math" panose="02040503050406030204" pitchFamily="18" charset="0"/>
+                          </a:rPr>
+                          <m:t>′ </m:t>
+                        </m:r>
+                      </m:sup>
+                    </m:sSup>
+                  </m:oMath>
+                </a14:m>
+                <a:r>
+                  <a:rPr lang="en-US" sz="2000" dirty="0"/>
+                  <a:t>; “</a:t>
+                </a:r>
+                <a:r>
+                  <a:rPr lang="en-US" sz="2000" i="1" dirty="0"/>
+                  <a:t>which is different from the centralized differential privacy defined on two neighboring datasets that only differ in one record.</a:t>
+                </a:r>
+                <a:r>
+                  <a:rPr lang="en-US" sz="2000" dirty="0"/>
+                  <a:t>”</a:t>
+                </a:r>
+              </a:p>
+              <a:p>
+                <a:r>
+                  <a:rPr lang="en-US" sz="2400" dirty="0"/>
+                  <a:t>Sequential Composition:</a:t>
+                </a:r>
+              </a:p>
+              <a:p>
+                <a:pPr lvl="1"/>
+                <a:r>
+                  <a:rPr lang="en-US" sz="2000" dirty="0"/>
+                  <a:t>Given </a:t>
+                </a:r>
+                <a14:m>
+                  <m:oMath xmlns:m="http://schemas.openxmlformats.org/officeDocument/2006/math">
+                    <m:r>
+                      <a:rPr lang="en-US" sz="2000" b="0" i="1" smtClean="0">
+                        <a:latin typeface="Cambria Math" panose="02040503050406030204" pitchFamily="18" charset="0"/>
+                      </a:rPr>
+                      <m:t>𝑐</m:t>
+                    </m:r>
+                  </m:oMath>
+                </a14:m>
+                <a:r>
+                  <a:rPr lang="en-US" sz="2000" dirty="0"/>
+                  <a:t> randomized algorithms </a:t>
+                </a:r>
+                <a14:m>
+                  <m:oMath xmlns:m="http://schemas.openxmlformats.org/officeDocument/2006/math">
+                    <m:sSub>
+                      <m:sSubPr>
+                        <m:ctrlPr>
+                          <a:rPr lang="en-US" sz="2000" i="1" smtClean="0">
+                            <a:latin typeface="Cambria Math" panose="02040503050406030204" pitchFamily="18" charset="0"/>
+                          </a:rPr>
+                        </m:ctrlPr>
+                      </m:sSubPr>
+                      <m:e>
+                        <m:r>
+                          <a:rPr lang="en-US" sz="2000" b="0" i="1" smtClean="0">
+                            <a:latin typeface="Cambria Math" panose="02040503050406030204" pitchFamily="18" charset="0"/>
+                          </a:rPr>
+                          <m:t>𝑀</m:t>
+                        </m:r>
+                      </m:e>
+                      <m:sub>
+                        <m:r>
+                          <a:rPr lang="en-US" sz="2000" b="0" i="1" smtClean="0">
+                            <a:latin typeface="Cambria Math" panose="02040503050406030204" pitchFamily="18" charset="0"/>
+                          </a:rPr>
+                          <m:t>𝑖</m:t>
+                        </m:r>
+                      </m:sub>
+                    </m:sSub>
+                    <m:r>
+                      <a:rPr lang="en-US" sz="2000" b="0" i="1" smtClean="0">
+                        <a:latin typeface="Cambria Math" panose="02040503050406030204" pitchFamily="18" charset="0"/>
+                      </a:rPr>
+                      <m:t> (1≤</m:t>
+                    </m:r>
+                    <m:r>
+                      <a:rPr lang="en-US" sz="2000" b="0" i="1" smtClean="0">
+                        <a:latin typeface="Cambria Math" panose="02040503050406030204" pitchFamily="18" charset="0"/>
+                      </a:rPr>
+                      <m:t>𝑖</m:t>
+                    </m:r>
+                    <m:r>
+                      <a:rPr lang="en-US" sz="2000" b="0" i="1" smtClean="0">
+                        <a:latin typeface="Cambria Math" panose="02040503050406030204" pitchFamily="18" charset="0"/>
+                      </a:rPr>
+                      <m:t>≤</m:t>
+                    </m:r>
+                    <m:r>
+                      <a:rPr lang="en-US" sz="2000" b="0" i="1" smtClean="0">
+                        <a:latin typeface="Cambria Math" panose="02040503050406030204" pitchFamily="18" charset="0"/>
+                      </a:rPr>
+                      <m:t>𝑐</m:t>
+                    </m:r>
+                    <m:r>
+                      <a:rPr lang="en-US" sz="2000" b="0" i="1" smtClean="0">
+                        <a:latin typeface="Cambria Math" panose="02040503050406030204" pitchFamily="18" charset="0"/>
+                      </a:rPr>
+                      <m:t>)</m:t>
+                    </m:r>
+                  </m:oMath>
+                </a14:m>
+                <a:r>
+                  <a:rPr lang="en-US" sz="2000" dirty="0"/>
+                  <a:t>, each providing </a:t>
+                </a:r>
+                <a14:m>
+                  <m:oMath xmlns:m="http://schemas.openxmlformats.org/officeDocument/2006/math">
+                    <m:sSub>
+                      <m:sSubPr>
+                        <m:ctrlPr>
+                          <a:rPr lang="en-US" sz="2000" i="1" smtClean="0">
+                            <a:latin typeface="Cambria Math" panose="02040503050406030204" pitchFamily="18" charset="0"/>
+                          </a:rPr>
+                        </m:ctrlPr>
+                      </m:sSubPr>
+                      <m:e>
+                        <m:r>
+                          <a:rPr lang="en-US" sz="2000" i="1" smtClean="0">
+                            <a:latin typeface="Cambria Math" panose="02040503050406030204" pitchFamily="18" charset="0"/>
+                            <a:ea typeface="Cambria Math" panose="02040503050406030204" pitchFamily="18" charset="0"/>
+                          </a:rPr>
+                          <m:t>𝜀</m:t>
+                        </m:r>
+                      </m:e>
+                      <m:sub>
+                        <m:r>
+                          <a:rPr lang="en-US" sz="2000" b="0" i="1" smtClean="0">
+                            <a:latin typeface="Cambria Math" panose="02040503050406030204" pitchFamily="18" charset="0"/>
+                          </a:rPr>
+                          <m:t>𝑖</m:t>
+                        </m:r>
+                      </m:sub>
+                    </m:sSub>
+                  </m:oMath>
+                </a14:m>
+                <a:r>
+                  <a:rPr lang="en-US" sz="2000" dirty="0"/>
+                  <a:t>–local differential privacy. Then the sequence of algorithms </a:t>
+                </a:r>
+                <a14:m>
+                  <m:oMath xmlns:m="http://schemas.openxmlformats.org/officeDocument/2006/math">
+                    <m:sSub>
+                      <m:sSubPr>
+                        <m:ctrlPr>
+                          <a:rPr lang="en-US" sz="2000" i="1">
+                            <a:latin typeface="Cambria Math" panose="02040503050406030204" pitchFamily="18" charset="0"/>
+                          </a:rPr>
+                        </m:ctrlPr>
+                      </m:sSubPr>
+                      <m:e>
+                        <m:r>
+                          <a:rPr lang="en-US" sz="2000" i="1">
+                            <a:latin typeface="Cambria Math" panose="02040503050406030204" pitchFamily="18" charset="0"/>
+                          </a:rPr>
+                          <m:t>𝑀</m:t>
+                        </m:r>
+                      </m:e>
+                      <m:sub>
+                        <m:r>
+                          <a:rPr lang="en-US" sz="2000" i="1">
+                            <a:latin typeface="Cambria Math" panose="02040503050406030204" pitchFamily="18" charset="0"/>
+                          </a:rPr>
+                          <m:t>𝑖</m:t>
+                        </m:r>
+                      </m:sub>
+                    </m:sSub>
+                    <m:r>
+                      <a:rPr lang="en-US" sz="2000" i="1">
+                        <a:latin typeface="Cambria Math" panose="02040503050406030204" pitchFamily="18" charset="0"/>
+                      </a:rPr>
+                      <m:t> (1≤</m:t>
+                    </m:r>
+                    <m:r>
+                      <a:rPr lang="en-US" sz="2000" i="1">
+                        <a:latin typeface="Cambria Math" panose="02040503050406030204" pitchFamily="18" charset="0"/>
+                      </a:rPr>
+                      <m:t>𝑖</m:t>
+                    </m:r>
+                    <m:r>
+                      <a:rPr lang="en-US" sz="2000" i="1">
+                        <a:latin typeface="Cambria Math" panose="02040503050406030204" pitchFamily="18" charset="0"/>
+                      </a:rPr>
+                      <m:t>≤</m:t>
+                    </m:r>
+                    <m:r>
+                      <a:rPr lang="en-US" sz="2000" i="1">
+                        <a:latin typeface="Cambria Math" panose="02040503050406030204" pitchFamily="18" charset="0"/>
+                      </a:rPr>
+                      <m:t>𝑐</m:t>
+                    </m:r>
+                    <m:r>
+                      <a:rPr lang="en-US" sz="2000" i="1">
+                        <a:latin typeface="Cambria Math" panose="02040503050406030204" pitchFamily="18" charset="0"/>
+                      </a:rPr>
+                      <m:t>)</m:t>
+                    </m:r>
+                  </m:oMath>
+                </a14:m>
+                <a:r>
+                  <a:rPr lang="en-US" sz="2000" dirty="0"/>
+                  <a:t> collectively provides </a:t>
+                </a:r>
+                <a14:m>
+                  <m:oMath xmlns:m="http://schemas.openxmlformats.org/officeDocument/2006/math">
+                    <m:r>
+                      <a:rPr lang="en-US" sz="2000" b="0" i="0" smtClean="0">
+                        <a:latin typeface="Cambria Math" panose="02040503050406030204" pitchFamily="18" charset="0"/>
+                      </a:rPr>
+                      <m:t>(</m:t>
+                    </m:r>
+                    <m:nary>
+                      <m:naryPr>
+                        <m:chr m:val="∑"/>
+                        <m:subHide m:val="on"/>
+                        <m:supHide m:val="on"/>
+                        <m:ctrlPr>
+                          <a:rPr lang="en-US" sz="2000" i="1" smtClean="0">
+                            <a:latin typeface="Cambria Math" panose="02040503050406030204" pitchFamily="18" charset="0"/>
+                          </a:rPr>
+                        </m:ctrlPr>
+                      </m:naryPr>
+                      <m:sub/>
+                      <m:sup/>
+                      <m:e>
+                        <m:sSub>
+                          <m:sSubPr>
+                            <m:ctrlPr>
+                              <a:rPr lang="en-US" sz="2000" i="1">
+                                <a:latin typeface="Cambria Math" panose="02040503050406030204" pitchFamily="18" charset="0"/>
+                              </a:rPr>
+                            </m:ctrlPr>
+                          </m:sSubPr>
+                          <m:e>
+                            <m:r>
+                              <a:rPr lang="en-US" sz="2000" i="1">
+                                <a:latin typeface="Cambria Math" panose="02040503050406030204" pitchFamily="18" charset="0"/>
+                                <a:ea typeface="Cambria Math" panose="02040503050406030204" pitchFamily="18" charset="0"/>
+                              </a:rPr>
+                              <m:t>𝜀</m:t>
+                            </m:r>
+                          </m:e>
+                          <m:sub>
+                            <m:r>
+                              <a:rPr lang="en-US" sz="2000" i="1">
+                                <a:latin typeface="Cambria Math" panose="02040503050406030204" pitchFamily="18" charset="0"/>
+                              </a:rPr>
+                              <m:t>𝑖</m:t>
+                            </m:r>
+                          </m:sub>
+                        </m:sSub>
+                        <m:r>
+                          <a:rPr lang="en-US" sz="2000" b="0" i="1" smtClean="0">
+                            <a:latin typeface="Cambria Math" panose="02040503050406030204" pitchFamily="18" charset="0"/>
+                          </a:rPr>
+                          <m:t>)</m:t>
+                        </m:r>
+                      </m:e>
+                    </m:nary>
+                  </m:oMath>
+                </a14:m>
+                <a:r>
+                  <a:rPr lang="en-US" sz="2000" dirty="0"/>
+                  <a:t>–local differential privacy.</a:t>
+                </a:r>
+              </a:p>
+              <a:p>
+                <a:endParaRPr lang="en-US" sz="2400" dirty="0"/>
+              </a:p>
+              <a:p>
+                <a:pPr lvl="1"/>
+                <a:endParaRPr lang="en-US" sz="2000" dirty="0"/>
+              </a:p>
+              <a:p>
+                <a:pPr lvl="1"/>
+                <a:endParaRPr lang="en-US" sz="2000" dirty="0"/>
+              </a:p>
+              <a:p>
+                <a:endParaRPr lang="en-US" sz="2400" dirty="0"/>
+              </a:p>
+            </p:txBody>
+          </p:sp>
+        </mc:Choice>
+        <mc:Fallback>
+          <p:sp>
+            <p:nvSpPr>
+              <p:cNvPr id="3" name="Content Placeholder 2">
+                <a:extLst>
+                  <a:ext uri="{FF2B5EF4-FFF2-40B4-BE49-F238E27FC236}">
+                    <a16:creationId xmlns:a16="http://schemas.microsoft.com/office/drawing/2014/main" id="{2F6D02F8-1D35-40B2-819C-A950060F872C}"/>
+                  </a:ext>
+                </a:extLst>
+              </p:cNvPr>
+              <p:cNvSpPr>
+                <a:spLocks noGrp="1" noRot="1" noChangeAspect="1" noMove="1" noResize="1" noEditPoints="1" noAdjustHandles="1" noChangeArrowheads="1" noChangeShapeType="1" noTextEdit="1"/>
+              </p:cNvSpPr>
+              <p:nvPr>
+                <p:ph idx="1"/>
+              </p:nvPr>
+            </p:nvSpPr>
+            <p:spPr>
+              <a:blipFill>
+                <a:blip r:embed="rId2"/>
+                <a:stretch>
+                  <a:fillRect l="-812" t="-1961" r="-928" b="-1261"/>
+                </a:stretch>
+              </a:blipFill>
+            </p:spPr>
+            <p:txBody>
+              <a:bodyPr/>
+              <a:lstStyle/>
+              <a:p>
+                <a:r>
+                  <a:rPr lang="en-US">
+                    <a:noFill/>
+                  </a:rPr>
+                  <a:t> </a:t>
+                </a:r>
+              </a:p>
+            </p:txBody>
+          </p:sp>
+        </mc:Fallback>
+      </mc:AlternateContent>
+      <p:sp>
+        <p:nvSpPr>
+          <p:cNvPr id="4" name="Footer Placeholder 3">
+            <a:extLst>
+              <a:ext uri="{FF2B5EF4-FFF2-40B4-BE49-F238E27FC236}">
+                <a16:creationId xmlns:a16="http://schemas.microsoft.com/office/drawing/2014/main" id="{42BA36CA-0593-4062-9A0E-BFD80194A010}"/>
+              </a:ext>
+            </a:extLst>
+          </p:cNvPr>
+          <p:cNvSpPr>
+            <a:spLocks noGrp="1"/>
+          </p:cNvSpPr>
+          <p:nvPr>
+            <p:ph type="ftr" sz="quarter" idx="11"/>
+          </p:nvPr>
+        </p:nvSpPr>
+        <p:spPr/>
+        <p:txBody>
+          <a:bodyPr/>
+          <a:lstStyle/>
+          <a:p>
+            <a:endParaRPr lang="en-US" dirty="0"/>
+          </a:p>
+        </p:txBody>
+      </p:sp>
+      <mc:AlternateContent xmlns:mc="http://schemas.openxmlformats.org/markup-compatibility/2006">
+        <mc:Choice xmlns:a14="http://schemas.microsoft.com/office/drawing/2010/main" Requires="a14">
+          <p:sp>
+            <p:nvSpPr>
+              <p:cNvPr id="7" name="TextBox 6">
+                <a:extLst>
+                  <a:ext uri="{FF2B5EF4-FFF2-40B4-BE49-F238E27FC236}">
+                    <a16:creationId xmlns:a16="http://schemas.microsoft.com/office/drawing/2014/main" id="{C8F80DE2-B0DC-4CB3-976C-853124564AB3}"/>
+                  </a:ext>
+                </a:extLst>
+              </p:cNvPr>
+              <p:cNvSpPr txBox="1"/>
+              <p:nvPr/>
+            </p:nvSpPr>
+            <p:spPr>
+              <a:xfrm>
+                <a:off x="2873406" y="2949607"/>
+                <a:ext cx="6445188" cy="369332"/>
+              </a:xfrm>
+              <a:prstGeom prst="rect">
+                <a:avLst/>
+              </a:prstGeom>
+              <a:noFill/>
+            </p:spPr>
+            <p:txBody>
+              <a:bodyPr wrap="square" lIns="0" tIns="0" rIns="0" bIns="0" rtlCol="0">
+                <a:spAutoFit/>
+              </a:bodyPr>
+              <a:lstStyle/>
+              <a:p>
+                <a:pPr lvl="1"/>
+                <a14:m>
+                  <m:oMathPara xmlns:m="http://schemas.openxmlformats.org/officeDocument/2006/math">
+                    <m:oMathParaPr>
+                      <m:jc m:val="centerGroup"/>
+                    </m:oMathParaPr>
+                    <m:oMath xmlns:m="http://schemas.openxmlformats.org/officeDocument/2006/math">
+                      <m:func>
+                        <m:funcPr>
+                          <m:ctrlPr>
+                            <a:rPr lang="en-US" sz="2400" i="1">
+                              <a:latin typeface="Cambria Math" panose="02040503050406030204" pitchFamily="18" charset="0"/>
+                            </a:rPr>
+                          </m:ctrlPr>
+                        </m:funcPr>
+                        <m:fName>
+                          <m:r>
+                            <m:rPr>
+                              <m:sty m:val="p"/>
+                            </m:rPr>
+                            <a:rPr lang="en-US" sz="2400">
+                              <a:latin typeface="Cambria Math" panose="02040503050406030204" pitchFamily="18" charset="0"/>
+                            </a:rPr>
+                            <m:t>Pr</m:t>
+                          </m:r>
+                        </m:fName>
+                        <m:e>
+                          <m:d>
+                            <m:dPr>
+                              <m:begChr m:val="["/>
+                              <m:endChr m:val="]"/>
+                              <m:ctrlPr>
+                                <a:rPr lang="en-US" sz="2400" i="1">
+                                  <a:latin typeface="Cambria Math" panose="02040503050406030204" pitchFamily="18" charset="0"/>
+                                </a:rPr>
+                              </m:ctrlPr>
+                            </m:dPr>
+                            <m:e>
+                              <m:r>
+                                <a:rPr lang="en-US" sz="2400" i="1">
+                                  <a:latin typeface="Cambria Math" panose="02040503050406030204" pitchFamily="18" charset="0"/>
+                                </a:rPr>
+                                <m:t>𝑀</m:t>
+                              </m:r>
+                              <m:d>
+                                <m:dPr>
+                                  <m:ctrlPr>
+                                    <a:rPr lang="en-US" sz="2400" i="1">
+                                      <a:latin typeface="Cambria Math" panose="02040503050406030204" pitchFamily="18" charset="0"/>
+                                    </a:rPr>
+                                  </m:ctrlPr>
+                                </m:dPr>
+                                <m:e>
+                                  <m:r>
+                                    <a:rPr lang="en-US" sz="2400" i="1">
+                                      <a:latin typeface="Cambria Math" panose="02040503050406030204" pitchFamily="18" charset="0"/>
+                                    </a:rPr>
+                                    <m:t>𝑡</m:t>
+                                  </m:r>
+                                </m:e>
+                              </m:d>
+                              <m:r>
+                                <a:rPr lang="en-US" sz="2400" i="1">
+                                  <a:latin typeface="Cambria Math" panose="02040503050406030204" pitchFamily="18" charset="0"/>
+                                </a:rPr>
+                                <m:t>=</m:t>
+                              </m:r>
+                              <m:sSup>
+                                <m:sSupPr>
+                                  <m:ctrlPr>
+                                    <a:rPr lang="en-US" sz="2400" i="1">
+                                      <a:latin typeface="Cambria Math" panose="02040503050406030204" pitchFamily="18" charset="0"/>
+                                    </a:rPr>
+                                  </m:ctrlPr>
+                                </m:sSupPr>
+                                <m:e>
+                                  <m:r>
+                                    <a:rPr lang="en-US" sz="2400" i="1">
+                                      <a:latin typeface="Cambria Math" panose="02040503050406030204" pitchFamily="18" charset="0"/>
+                                    </a:rPr>
+                                    <m:t>𝑡</m:t>
+                                  </m:r>
+                                </m:e>
+                                <m:sup>
+                                  <m:r>
+                                    <a:rPr lang="en-US" sz="2400" i="1">
+                                      <a:latin typeface="Cambria Math" panose="02040503050406030204" pitchFamily="18" charset="0"/>
+                                    </a:rPr>
+                                    <m:t>∗</m:t>
+                                  </m:r>
+                                </m:sup>
+                              </m:sSup>
+                            </m:e>
+                          </m:d>
+                        </m:e>
+                      </m:func>
+                      <m:r>
+                        <a:rPr lang="en-US" sz="2400" i="1">
+                          <a:latin typeface="Cambria Math" panose="02040503050406030204" pitchFamily="18" charset="0"/>
+                          <a:ea typeface="Cambria Math" panose="02040503050406030204" pitchFamily="18" charset="0"/>
+                        </a:rPr>
+                        <m:t>≤</m:t>
+                      </m:r>
+                      <m:sSup>
+                        <m:sSupPr>
+                          <m:ctrlPr>
+                            <a:rPr lang="en-US" sz="2400" i="1">
+                              <a:latin typeface="Cambria Math" panose="02040503050406030204" pitchFamily="18" charset="0"/>
+                              <a:ea typeface="Cambria Math" panose="02040503050406030204" pitchFamily="18" charset="0"/>
+                            </a:rPr>
+                          </m:ctrlPr>
+                        </m:sSupPr>
+                        <m:e>
+                          <m:r>
+                            <a:rPr lang="en-US" sz="2400" i="1">
+                              <a:latin typeface="Cambria Math" panose="02040503050406030204" pitchFamily="18" charset="0"/>
+                              <a:ea typeface="Cambria Math" panose="02040503050406030204" pitchFamily="18" charset="0"/>
+                            </a:rPr>
+                            <m:t>𝑒</m:t>
+                          </m:r>
+                        </m:e>
+                        <m:sup>
+                          <m:r>
+                            <a:rPr lang="en-US" sz="2400" i="1">
+                              <a:latin typeface="Cambria Math" panose="02040503050406030204" pitchFamily="18" charset="0"/>
+                              <a:ea typeface="Cambria Math" panose="02040503050406030204" pitchFamily="18" charset="0"/>
+                            </a:rPr>
+                            <m:t>𝜀</m:t>
+                          </m:r>
+                        </m:sup>
+                      </m:sSup>
+                      <m:r>
+                        <a:rPr lang="en-US" sz="2400" i="1">
+                          <a:latin typeface="Cambria Math" panose="02040503050406030204" pitchFamily="18" charset="0"/>
+                          <a:ea typeface="Cambria Math" panose="02040503050406030204" pitchFamily="18" charset="0"/>
+                        </a:rPr>
+                        <m:t>×</m:t>
+                      </m:r>
+                      <m:func>
+                        <m:funcPr>
+                          <m:ctrlPr>
+                            <a:rPr lang="en-US" sz="2400" i="1">
+                              <a:latin typeface="Cambria Math" panose="02040503050406030204" pitchFamily="18" charset="0"/>
+                            </a:rPr>
+                          </m:ctrlPr>
+                        </m:funcPr>
+                        <m:fName>
+                          <m:r>
+                            <m:rPr>
+                              <m:sty m:val="p"/>
+                            </m:rPr>
+                            <a:rPr lang="en-US" sz="2400">
+                              <a:latin typeface="Cambria Math" panose="02040503050406030204" pitchFamily="18" charset="0"/>
+                            </a:rPr>
+                            <m:t>Pr</m:t>
+                          </m:r>
+                        </m:fName>
+                        <m:e>
+                          <m:d>
+                            <m:dPr>
+                              <m:begChr m:val="["/>
+                              <m:endChr m:val="]"/>
+                              <m:ctrlPr>
+                                <a:rPr lang="en-US" sz="2400" i="1">
+                                  <a:latin typeface="Cambria Math" panose="02040503050406030204" pitchFamily="18" charset="0"/>
+                                </a:rPr>
+                              </m:ctrlPr>
+                            </m:dPr>
+                            <m:e>
+                              <m:r>
+                                <a:rPr lang="en-US" sz="2400" i="1">
+                                  <a:latin typeface="Cambria Math" panose="02040503050406030204" pitchFamily="18" charset="0"/>
+                                </a:rPr>
+                                <m:t>𝑀</m:t>
+                              </m:r>
+                              <m:d>
+                                <m:dPr>
+                                  <m:ctrlPr>
+                                    <a:rPr lang="en-US" sz="2400" i="1">
+                                      <a:latin typeface="Cambria Math" panose="02040503050406030204" pitchFamily="18" charset="0"/>
+                                    </a:rPr>
+                                  </m:ctrlPr>
+                                </m:dPr>
+                                <m:e>
+                                  <m:sSup>
+                                    <m:sSupPr>
+                                      <m:ctrlPr>
+                                        <a:rPr lang="en-US" sz="2400" i="1">
+                                          <a:latin typeface="Cambria Math" panose="02040503050406030204" pitchFamily="18" charset="0"/>
+                                        </a:rPr>
+                                      </m:ctrlPr>
+                                    </m:sSupPr>
+                                    <m:e>
+                                      <m:r>
+                                        <a:rPr lang="en-US" sz="2400" i="1">
+                                          <a:latin typeface="Cambria Math" panose="02040503050406030204" pitchFamily="18" charset="0"/>
+                                        </a:rPr>
+                                        <m:t>𝑡</m:t>
+                                      </m:r>
+                                    </m:e>
+                                    <m:sup>
+                                      <m:r>
+                                        <a:rPr lang="en-US" sz="2400" i="1">
+                                          <a:latin typeface="Cambria Math" panose="02040503050406030204" pitchFamily="18" charset="0"/>
+                                        </a:rPr>
+                                        <m:t>′</m:t>
+                                      </m:r>
+                                    </m:sup>
+                                  </m:sSup>
+                                </m:e>
+                              </m:d>
+                              <m:r>
+                                <a:rPr lang="en-US" sz="2400" i="1">
+                                  <a:latin typeface="Cambria Math" panose="02040503050406030204" pitchFamily="18" charset="0"/>
+                                </a:rPr>
+                                <m:t>=</m:t>
+                              </m:r>
+                              <m:sSup>
+                                <m:sSupPr>
+                                  <m:ctrlPr>
+                                    <a:rPr lang="en-US" sz="2400" i="1">
+                                      <a:latin typeface="Cambria Math" panose="02040503050406030204" pitchFamily="18" charset="0"/>
+                                    </a:rPr>
+                                  </m:ctrlPr>
+                                </m:sSupPr>
+                                <m:e>
+                                  <m:r>
+                                    <a:rPr lang="en-US" sz="2400" i="1">
+                                      <a:latin typeface="Cambria Math" panose="02040503050406030204" pitchFamily="18" charset="0"/>
+                                    </a:rPr>
+                                    <m:t>𝑡</m:t>
+                                  </m:r>
+                                </m:e>
+                                <m:sup>
+                                  <m:r>
+                                    <a:rPr lang="en-US" sz="2400" i="1">
+                                      <a:latin typeface="Cambria Math" panose="02040503050406030204" pitchFamily="18" charset="0"/>
+                                    </a:rPr>
+                                    <m:t>∗</m:t>
+                                  </m:r>
+                                </m:sup>
+                              </m:sSup>
+                            </m:e>
+                          </m:d>
+                        </m:e>
+                      </m:func>
+                    </m:oMath>
+                  </m:oMathPara>
+                </a14:m>
+                <a:endParaRPr lang="en-US" sz="2400" dirty="0"/>
+              </a:p>
+            </p:txBody>
+          </p:sp>
+        </mc:Choice>
+        <mc:Fallback>
+          <p:sp>
+            <p:nvSpPr>
+              <p:cNvPr id="7" name="TextBox 6">
+                <a:extLst>
+                  <a:ext uri="{FF2B5EF4-FFF2-40B4-BE49-F238E27FC236}">
+                    <a16:creationId xmlns:a16="http://schemas.microsoft.com/office/drawing/2014/main" id="{C8F80DE2-B0DC-4CB3-976C-853124564AB3}"/>
+                  </a:ext>
+                </a:extLst>
+              </p:cNvPr>
+              <p:cNvSpPr txBox="1">
+                <a:spLocks noRot="1" noChangeAspect="1" noMove="1" noResize="1" noEditPoints="1" noAdjustHandles="1" noChangeArrowheads="1" noChangeShapeType="1" noTextEdit="1"/>
+              </p:cNvSpPr>
+              <p:nvPr/>
+            </p:nvSpPr>
+            <p:spPr>
+              <a:xfrm>
+                <a:off x="2873406" y="2949607"/>
+                <a:ext cx="6445188" cy="369332"/>
+              </a:xfrm>
+              <a:prstGeom prst="rect">
+                <a:avLst/>
+              </a:prstGeom>
+              <a:blipFill>
+                <a:blip r:embed="rId3"/>
+                <a:stretch>
+                  <a:fillRect b="-11667"/>
+                </a:stretch>
+              </a:blipFill>
+            </p:spPr>
+            <p:txBody>
+              <a:bodyPr/>
+              <a:lstStyle/>
+              <a:p>
+                <a:r>
+                  <a:rPr lang="en-US">
+                    <a:noFill/>
+                  </a:rPr>
+                  <a:t> </a:t>
+                </a:r>
+              </a:p>
+            </p:txBody>
+          </p:sp>
+        </mc:Fallback>
+      </mc:AlternateContent>
+    </p:spTree>
+    <p:extLst>
+      <p:ext uri="{BB962C8B-B14F-4D97-AF65-F5344CB8AC3E}">
+        <p14:creationId xmlns:p14="http://schemas.microsoft.com/office/powerpoint/2010/main" val="2912414539"/>
+      </p:ext>
+    </p:extLst>
+  </p:cSld>
+  <p:clrMapOvr>
+    <a:masterClrMapping/>
+  </p:clrMapOvr>
+</p:sld>
+</file>
+
+<file path=ppt/slides/slide7.xml><?xml version="1.0" encoding="utf-8"?>
+<p:sld xmlns:a="http://schemas.openxmlformats.org/drawingml/2006/main" xmlns:r="http://schemas.openxmlformats.org/officeDocument/2006/relationships" xmlns:p="http://schemas.openxmlformats.org/presentationml/2006/main">
+  <p:cSld>
+    <p:spTree>
+      <p:nvGrpSpPr>
+        <p:cNvPr id="1" name=""/>
+        <p:cNvGrpSpPr/>
+        <p:nvPr/>
+      </p:nvGrpSpPr>
+      <p:grpSpPr>
+        <a:xfrm>
+          <a:off x="0" y="0"/>
+          <a:ext cx="0" cy="0"/>
+          <a:chOff x="0" y="0"/>
+          <a:chExt cx="0" cy="0"/>
+        </a:xfrm>
+      </p:grpSpPr>
+      <p:sp>
+        <p:nvSpPr>
+          <p:cNvPr id="2" name="Title 1">
+            <a:extLst>
+              <a:ext uri="{FF2B5EF4-FFF2-40B4-BE49-F238E27FC236}">
+                <a16:creationId xmlns:a16="http://schemas.microsoft.com/office/drawing/2014/main" id="{A0059520-92AD-4264-99B4-539A3D996B86}"/>
+              </a:ext>
+            </a:extLst>
+          </p:cNvPr>
+          <p:cNvSpPr>
+            <a:spLocks noGrp="1"/>
+          </p:cNvSpPr>
+          <p:nvPr>
+            <p:ph type="title"/>
+          </p:nvPr>
+        </p:nvSpPr>
+        <p:spPr/>
+        <p:txBody>
+          <a:bodyPr/>
+          <a:lstStyle/>
+          <a:p>
+            <a:r>
+              <a:rPr lang="en-US" dirty="0"/>
+              <a:t>Laplace</a:t>
+            </a:r>
+          </a:p>
+        </p:txBody>
+      </p:sp>
+      <p:sp>
+        <p:nvSpPr>
+          <p:cNvPr id="3" name="Content Placeholder 2">
+            <a:extLst>
+              <a:ext uri="{FF2B5EF4-FFF2-40B4-BE49-F238E27FC236}">
+                <a16:creationId xmlns:a16="http://schemas.microsoft.com/office/drawing/2014/main" id="{092AD882-6DBA-4F25-898E-EEB92A5C715A}"/>
+              </a:ext>
+            </a:extLst>
+          </p:cNvPr>
+          <p:cNvSpPr>
+            <a:spLocks noGrp="1"/>
+          </p:cNvSpPr>
+          <p:nvPr>
+            <p:ph idx="1"/>
+          </p:nvPr>
+        </p:nvSpPr>
+        <p:spPr/>
+        <p:txBody>
+          <a:bodyPr/>
+          <a:lstStyle/>
+          <a:p>
+            <a:endParaRPr lang="en-US"/>
+          </a:p>
+        </p:txBody>
+      </p:sp>
+      <p:sp>
+        <p:nvSpPr>
+          <p:cNvPr id="4" name="Footer Placeholder 3">
+            <a:extLst>
+              <a:ext uri="{FF2B5EF4-FFF2-40B4-BE49-F238E27FC236}">
+                <a16:creationId xmlns:a16="http://schemas.microsoft.com/office/drawing/2014/main" id="{A0973E88-198E-4AB1-8789-E474E0423061}"/>
+              </a:ext>
+            </a:extLst>
+          </p:cNvPr>
+          <p:cNvSpPr>
+            <a:spLocks noGrp="1"/>
+          </p:cNvSpPr>
+          <p:nvPr>
+            <p:ph type="ftr" sz="quarter" idx="11"/>
+          </p:nvPr>
+        </p:nvSpPr>
+        <p:spPr/>
+        <p:txBody>
+          <a:bodyPr/>
+          <a:lstStyle/>
+          <a:p>
+            <a:endParaRPr lang="en-US" dirty="0"/>
+          </a:p>
+        </p:txBody>
+      </p:sp>
+    </p:spTree>
+    <p:extLst>
+      <p:ext uri="{BB962C8B-B14F-4D97-AF65-F5344CB8AC3E}">
+        <p14:creationId xmlns:p14="http://schemas.microsoft.com/office/powerpoint/2010/main" val="2034542029"/>
+      </p:ext>
+    </p:extLst>
+  </p:cSld>
+  <p:clrMapOvr>
+    <a:masterClrMapping/>
+  </p:clrMapOvr>
+</p:sld>
+</file>
+
+<file path=ppt/slides/slide8.xml><?xml version="1.0" encoding="utf-8"?>
+<p:sld xmlns:a="http://schemas.openxmlformats.org/drawingml/2006/main" xmlns:r="http://schemas.openxmlformats.org/officeDocument/2006/relationships" xmlns:p="http://schemas.openxmlformats.org/presentationml/2006/main">
+  <p:cSld>
+    <p:spTree>
+      <p:nvGrpSpPr>
+        <p:cNvPr id="1" name=""/>
+        <p:cNvGrpSpPr/>
+        <p:nvPr/>
+      </p:nvGrpSpPr>
+      <p:grpSpPr>
+        <a:xfrm>
+          <a:off x="0" y="0"/>
+          <a:ext cx="0" cy="0"/>
+          <a:chOff x="0" y="0"/>
+          <a:chExt cx="0" cy="0"/>
+        </a:xfrm>
+      </p:grpSpPr>
+      <p:sp>
+        <p:nvSpPr>
+          <p:cNvPr id="2" name="Title 1">
+            <a:extLst>
+              <a:ext uri="{FF2B5EF4-FFF2-40B4-BE49-F238E27FC236}">
+                <a16:creationId xmlns:a16="http://schemas.microsoft.com/office/drawing/2014/main" id="{B9D272FE-1145-4A99-9E91-782DA6006C13}"/>
+              </a:ext>
+            </a:extLst>
+          </p:cNvPr>
+          <p:cNvSpPr>
+            <a:spLocks noGrp="1"/>
+          </p:cNvSpPr>
+          <p:nvPr>
+            <p:ph type="title"/>
+          </p:nvPr>
+        </p:nvSpPr>
+        <p:spPr/>
+        <p:txBody>
+          <a:bodyPr/>
+          <a:lstStyle/>
+          <a:p>
+            <a:r>
+              <a:rPr lang="en-US" dirty="0"/>
+              <a:t>Randomized Response</a:t>
+            </a:r>
+          </a:p>
+        </p:txBody>
+      </p:sp>
+      <mc:AlternateContent xmlns:mc="http://schemas.openxmlformats.org/markup-compatibility/2006">
+        <mc:Choice xmlns:a14="http://schemas.microsoft.com/office/drawing/2010/main" Requires="a14">
+          <p:sp>
+            <p:nvSpPr>
+              <p:cNvPr id="3" name="Content Placeholder 2">
+                <a:extLst>
+                  <a:ext uri="{FF2B5EF4-FFF2-40B4-BE49-F238E27FC236}">
+                    <a16:creationId xmlns:a16="http://schemas.microsoft.com/office/drawing/2014/main" id="{EEFBFFC1-02D2-443E-85EB-240A75D356C4}"/>
+                  </a:ext>
+                </a:extLst>
+              </p:cNvPr>
+              <p:cNvSpPr>
+                <a:spLocks noGrp="1"/>
+              </p:cNvSpPr>
+              <p:nvPr>
+                <p:ph idx="1"/>
+              </p:nvPr>
+            </p:nvSpPr>
+            <p:spPr>
+              <a:xfrm>
+                <a:off x="838200" y="1847848"/>
+                <a:ext cx="10515600" cy="4180089"/>
+              </a:xfrm>
+            </p:spPr>
+            <p:txBody>
+              <a:bodyPr>
+                <a:normAutofit/>
+              </a:bodyPr>
+              <a:lstStyle/>
+              <a:p>
+                <a:r>
+                  <a:rPr lang="en-US" sz="2400" dirty="0"/>
+                  <a:t> Ask answerer to answer a question truthfully based on probability such that the answerer can retain plausible deniability.  </a:t>
+                </a:r>
+              </a:p>
+              <a:p>
+                <a:r>
+                  <a:rPr lang="en-US" sz="2400" dirty="0"/>
+                  <a:t>Flip a coin, if tails then yes and if heads then answer yes/no truthfully.</a:t>
+                </a:r>
+              </a:p>
+              <a:p>
+                <a:r>
+                  <a:rPr lang="en-US" sz="2400" dirty="0"/>
+                  <a:t>Specifically, </a:t>
+                </a:r>
+                <a14:m>
+                  <m:oMath xmlns:m="http://schemas.openxmlformats.org/officeDocument/2006/math">
+                    <m:r>
+                      <a:rPr lang="en-US" sz="2400" b="0" i="1" smtClean="0">
+                        <a:latin typeface="Cambria Math" panose="02040503050406030204" pitchFamily="18" charset="0"/>
+                      </a:rPr>
+                      <m:t>𝐸𝑃</m:t>
+                    </m:r>
+                    <m:r>
+                      <a:rPr lang="en-US" sz="2400" b="0" i="1" smtClean="0">
+                        <a:latin typeface="Cambria Math" panose="02040503050406030204" pitchFamily="18" charset="0"/>
+                      </a:rPr>
+                      <m:t>= </m:t>
+                    </m:r>
+                    <m:f>
+                      <m:fPr>
+                        <m:ctrlPr>
+                          <a:rPr lang="en-US" sz="2400" b="0" i="1" smtClean="0">
+                            <a:latin typeface="Cambria Math" panose="02040503050406030204" pitchFamily="18" charset="0"/>
+                          </a:rPr>
+                        </m:ctrlPr>
+                      </m:fPr>
+                      <m:num>
+                        <m:r>
+                          <a:rPr lang="en-US" sz="2400" b="0" i="1" smtClean="0">
+                            <a:latin typeface="Cambria Math" panose="02040503050406030204" pitchFamily="18" charset="0"/>
+                          </a:rPr>
+                          <m:t>𝑌𝐴</m:t>
+                        </m:r>
+                        <m:r>
+                          <a:rPr lang="en-US" sz="2400" b="0" i="1" smtClean="0">
+                            <a:latin typeface="Cambria Math" panose="02040503050406030204" pitchFamily="18" charset="0"/>
+                          </a:rPr>
+                          <m:t>+</m:t>
+                        </m:r>
+                        <m:r>
+                          <a:rPr lang="en-US" sz="2400" b="0" i="1" smtClean="0">
+                            <a:latin typeface="Cambria Math" panose="02040503050406030204" pitchFamily="18" charset="0"/>
+                          </a:rPr>
+                          <m:t>𝑝</m:t>
+                        </m:r>
+                        <m:r>
+                          <a:rPr lang="en-US" sz="2400" b="0" i="1" smtClean="0">
+                            <a:latin typeface="Cambria Math" panose="02040503050406030204" pitchFamily="18" charset="0"/>
+                          </a:rPr>
+                          <m:t> −1 </m:t>
+                        </m:r>
+                      </m:num>
+                      <m:den>
+                        <m:r>
+                          <a:rPr lang="en-US" sz="2400" b="0" i="1" smtClean="0">
+                            <a:latin typeface="Cambria Math" panose="02040503050406030204" pitchFamily="18" charset="0"/>
+                          </a:rPr>
+                          <m:t>2</m:t>
+                        </m:r>
+                        <m:r>
+                          <a:rPr lang="en-US" sz="2400" b="0" i="1" smtClean="0">
+                            <a:latin typeface="Cambria Math" panose="02040503050406030204" pitchFamily="18" charset="0"/>
+                          </a:rPr>
+                          <m:t>𝑝</m:t>
+                        </m:r>
+                        <m:r>
+                          <a:rPr lang="en-US" sz="2400" b="0" i="1" smtClean="0">
+                            <a:latin typeface="Cambria Math" panose="02040503050406030204" pitchFamily="18" charset="0"/>
+                          </a:rPr>
+                          <m:t> −1 </m:t>
+                        </m:r>
+                      </m:den>
+                    </m:f>
+                  </m:oMath>
+                </a14:m>
+                <a:r>
+                  <a:rPr lang="en-US" sz="2400" dirty="0"/>
+                  <a:t> with </a:t>
+                </a:r>
+                <a:r>
+                  <a:rPr lang="en-US" sz="2400" i="1" dirty="0"/>
+                  <a:t>EP </a:t>
+                </a:r>
+                <a:r>
+                  <a:rPr lang="en-US" sz="2400" dirty="0"/>
+                  <a:t>as the true proportion of answers out of </a:t>
+                </a:r>
+                <a:r>
+                  <a:rPr lang="en-US" sz="2400" i="1" dirty="0"/>
+                  <a:t>YA </a:t>
+                </a:r>
+                <a:r>
+                  <a:rPr lang="en-US" sz="2400" dirty="0"/>
+                  <a:t>yes answers. (note that p can’t be ½)</a:t>
+                </a:r>
+              </a:p>
+              <a:p>
+                <a:r>
+                  <a:rPr lang="en-US" sz="2400" dirty="0"/>
+                  <a:t>Example:</a:t>
+                </a:r>
+              </a:p>
+            </p:txBody>
+          </p:sp>
+        </mc:Choice>
+        <mc:Fallback>
+          <p:sp>
+            <p:nvSpPr>
+              <p:cNvPr id="3" name="Content Placeholder 2">
+                <a:extLst>
+                  <a:ext uri="{FF2B5EF4-FFF2-40B4-BE49-F238E27FC236}">
+                    <a16:creationId xmlns:a16="http://schemas.microsoft.com/office/drawing/2014/main" id="{EEFBFFC1-02D2-443E-85EB-240A75D356C4}"/>
+                  </a:ext>
+                </a:extLst>
+              </p:cNvPr>
+              <p:cNvSpPr>
+                <a:spLocks noGrp="1" noRot="1" noChangeAspect="1" noMove="1" noResize="1" noEditPoints="1" noAdjustHandles="1" noChangeArrowheads="1" noChangeShapeType="1" noTextEdit="1"/>
+              </p:cNvSpPr>
+              <p:nvPr>
+                <p:ph idx="1"/>
+              </p:nvPr>
+            </p:nvSpPr>
+            <p:spPr>
+              <a:xfrm>
+                <a:off x="838200" y="1847848"/>
+                <a:ext cx="10515600" cy="4180089"/>
+              </a:xfrm>
+              <a:blipFill>
+                <a:blip r:embed="rId2"/>
+                <a:stretch>
+                  <a:fillRect l="-812" t="-2041"/>
+                </a:stretch>
+              </a:blipFill>
+            </p:spPr>
+            <p:txBody>
+              <a:bodyPr/>
+              <a:lstStyle/>
+              <a:p>
+                <a:r>
+                  <a:rPr lang="en-US">
+                    <a:noFill/>
+                  </a:rPr>
+                  <a:t> </a:t>
+                </a:r>
+              </a:p>
+            </p:txBody>
+          </p:sp>
+        </mc:Fallback>
+      </mc:AlternateContent>
+      <p:sp>
+        <p:nvSpPr>
+          <p:cNvPr id="4" name="Footer Placeholder 3">
+            <a:extLst>
+              <a:ext uri="{FF2B5EF4-FFF2-40B4-BE49-F238E27FC236}">
+                <a16:creationId xmlns:a16="http://schemas.microsoft.com/office/drawing/2014/main" id="{3494C52C-09A9-4A00-B983-A299EF0E0B25}"/>
+              </a:ext>
+            </a:extLst>
+          </p:cNvPr>
+          <p:cNvSpPr>
+            <a:spLocks noGrp="1"/>
+          </p:cNvSpPr>
+          <p:nvPr>
+            <p:ph type="ftr" sz="quarter" idx="11"/>
+          </p:nvPr>
+        </p:nvSpPr>
+        <p:spPr/>
+        <p:txBody>
+          <a:bodyPr/>
+          <a:lstStyle/>
+          <a:p>
+            <a:endParaRPr lang="en-US" dirty="0"/>
+          </a:p>
+        </p:txBody>
+      </p:sp>
+      <p:sp>
+        <p:nvSpPr>
+          <p:cNvPr id="17" name="TextBox 16">
+            <a:extLst>
+              <a:ext uri="{FF2B5EF4-FFF2-40B4-BE49-F238E27FC236}">
+                <a16:creationId xmlns:a16="http://schemas.microsoft.com/office/drawing/2014/main" id="{8A185B99-2BB0-4154-A22C-C177154F1326}"/>
+              </a:ext>
+            </a:extLst>
+          </p:cNvPr>
+          <p:cNvSpPr txBox="1"/>
+          <p:nvPr/>
+        </p:nvSpPr>
+        <p:spPr>
+          <a:xfrm>
+            <a:off x="3483746" y="4273611"/>
+            <a:ext cx="4142172" cy="1754326"/>
+          </a:xfrm>
+          <a:prstGeom prst="rect">
+            <a:avLst/>
+          </a:prstGeom>
+          <a:noFill/>
+          <a:ln>
+            <a:solidFill>
+              <a:schemeClr val="tx1"/>
+            </a:solidFill>
+          </a:ln>
+        </p:spPr>
+        <p:txBody>
+          <a:bodyPr wrap="square" rtlCol="0">
+            <a:spAutoFit/>
+          </a:bodyPr>
+          <a:lstStyle/>
+          <a:p>
+            <a:pPr algn="ctr"/>
+            <a:r>
+              <a:rPr lang="en-US" dirty="0">
+                <a:latin typeface="Times New Roman" panose="02020603050405020304" pitchFamily="18" charset="0"/>
+                <a:cs typeface="Times New Roman" panose="02020603050405020304" pitchFamily="18" charset="0"/>
+              </a:rPr>
+              <a:t>  </a:t>
+            </a:r>
+            <a:r>
+              <a:rPr lang="en-US" i="1" u="sng" dirty="0">
+                <a:latin typeface="Times New Roman" panose="02020603050405020304" pitchFamily="18" charset="0"/>
+                <a:cs typeface="Times New Roman" panose="02020603050405020304" pitchFamily="18" charset="0"/>
+              </a:rPr>
+              <a:t>Concept Understanding Question (p=½)</a:t>
+            </a:r>
+          </a:p>
+          <a:p>
+            <a:r>
+              <a:rPr lang="en-US" dirty="0">
+                <a:latin typeface="Times New Roman" panose="02020603050405020304" pitchFamily="18" charset="0"/>
+                <a:cs typeface="Times New Roman" panose="02020603050405020304" pitchFamily="18" charset="0"/>
+              </a:rPr>
+              <a:t>500 responses, probability ½ to answer.</a:t>
+            </a:r>
+          </a:p>
+          <a:p>
+            <a:r>
+              <a:rPr lang="en-US" dirty="0">
+                <a:latin typeface="Times New Roman" panose="02020603050405020304" pitchFamily="18" charset="0"/>
+                <a:cs typeface="Times New Roman" panose="02020603050405020304" pitchFamily="18" charset="0"/>
+              </a:rPr>
+              <a:t>So 250 answered the question and 250 didn’t.</a:t>
+            </a:r>
+          </a:p>
+          <a:p>
+            <a:r>
+              <a:rPr lang="en-US" dirty="0">
+                <a:latin typeface="Times New Roman" panose="02020603050405020304" pitchFamily="18" charset="0"/>
+                <a:cs typeface="Times New Roman" panose="02020603050405020304" pitchFamily="18" charset="0"/>
+              </a:rPr>
+              <a:t>479 Yes – 250 = 229/250 = .916 = 91.6%</a:t>
+            </a:r>
+          </a:p>
+          <a:p>
+            <a:r>
+              <a:rPr lang="en-US" dirty="0">
+                <a:latin typeface="Times New Roman" panose="02020603050405020304" pitchFamily="18" charset="0"/>
+                <a:cs typeface="Times New Roman" panose="02020603050405020304" pitchFamily="18" charset="0"/>
+              </a:rPr>
+              <a:t>21 No / 250 = .084 = 8.4 %</a:t>
+            </a:r>
+          </a:p>
+        </p:txBody>
+      </p:sp>
+    </p:spTree>
+    <p:extLst>
+      <p:ext uri="{BB962C8B-B14F-4D97-AF65-F5344CB8AC3E}">
+        <p14:creationId xmlns:p14="http://schemas.microsoft.com/office/powerpoint/2010/main" val="3162156176"/>
+      </p:ext>
+    </p:extLst>
+  </p:cSld>
+  <p:clrMapOvr>
+    <a:masterClrMapping/>
+  </p:clrMapOvr>
+</p:sld>
+</file>
+
+<file path=ppt/slides/slide9.xml><?xml version="1.0" encoding="utf-8"?>
+<p:sld xmlns:a="http://schemas.openxmlformats.org/drawingml/2006/main" xmlns:r="http://schemas.openxmlformats.org/officeDocument/2006/relationships" xmlns:p="http://schemas.openxmlformats.org/presentationml/2006/main">
+  <p:cSld>
+    <p:spTree>
+      <p:nvGrpSpPr>
+        <p:cNvPr id="1" name=""/>
+        <p:cNvGrpSpPr/>
+        <p:nvPr/>
+      </p:nvGrpSpPr>
+      <p:grpSpPr>
+        <a:xfrm>
+          <a:off x="0" y="0"/>
+          <a:ext cx="0" cy="0"/>
+          <a:chOff x="0" y="0"/>
+          <a:chExt cx="0" cy="0"/>
+        </a:xfrm>
+      </p:grpSpPr>
+      <p:sp>
+        <p:nvSpPr>
+          <p:cNvPr id="2" name="Title 1">
+            <a:extLst>
+              <a:ext uri="{FF2B5EF4-FFF2-40B4-BE49-F238E27FC236}">
+                <a16:creationId xmlns:a16="http://schemas.microsoft.com/office/drawing/2014/main" id="{304A0617-4AF8-434A-A813-6EA20F2CB4C3}"/>
+              </a:ext>
+            </a:extLst>
+          </p:cNvPr>
+          <p:cNvSpPr>
+            <a:spLocks noGrp="1"/>
+          </p:cNvSpPr>
+          <p:nvPr>
+            <p:ph type="title"/>
+          </p:nvPr>
+        </p:nvSpPr>
+        <p:spPr/>
+        <p:txBody>
+          <a:bodyPr/>
+          <a:lstStyle/>
+          <a:p>
+            <a:r>
+              <a:rPr lang="en-US" dirty="0"/>
+              <a:t>Randomized Response</a:t>
+            </a:r>
+          </a:p>
+        </p:txBody>
+      </p:sp>
+      <mc:AlternateContent xmlns:mc="http://schemas.openxmlformats.org/markup-compatibility/2006">
+        <mc:Choice xmlns:a14="http://schemas.microsoft.com/office/drawing/2010/main" Requires="a14">
+          <p:sp>
+            <p:nvSpPr>
+              <p:cNvPr id="3" name="Content Placeholder 2">
+                <a:extLst>
+                  <a:ext uri="{FF2B5EF4-FFF2-40B4-BE49-F238E27FC236}">
+                    <a16:creationId xmlns:a16="http://schemas.microsoft.com/office/drawing/2014/main" id="{088B02CD-B71C-4944-A302-AAEFCFDCDA85}"/>
+                  </a:ext>
+                </a:extLst>
+              </p:cNvPr>
+              <p:cNvSpPr>
+                <a:spLocks noGrp="1"/>
+              </p:cNvSpPr>
+              <p:nvPr>
+                <p:ph idx="1"/>
+              </p:nvPr>
+            </p:nvSpPr>
+            <p:spPr/>
+            <p:txBody>
+              <a:bodyPr/>
+              <a:lstStyle/>
+              <a:p>
+                <a:r>
+                  <a:rPr lang="en-US" dirty="0"/>
+                  <a:t>To modify RR for </a:t>
+                </a:r>
+                <a14:m>
+                  <m:oMath xmlns:m="http://schemas.openxmlformats.org/officeDocument/2006/math">
+                    <m:r>
+                      <a:rPr lang="en-US" i="1">
+                        <a:latin typeface="Cambria Math" panose="02040503050406030204" pitchFamily="18" charset="0"/>
+                        <a:ea typeface="Cambria Math" panose="02040503050406030204" pitchFamily="18" charset="0"/>
+                      </a:rPr>
+                      <m:t>𝜀</m:t>
+                    </m:r>
+                  </m:oMath>
+                </a14:m>
+                <a:r>
+                  <a:rPr lang="en-US" dirty="0"/>
+                  <a:t>-local differential privacy, we change </a:t>
+                </a:r>
+                <a:r>
+                  <a:rPr lang="en-US" i="1" dirty="0"/>
+                  <a:t>p</a:t>
+                </a:r>
+                <a:r>
+                  <a:rPr lang="en-US" dirty="0"/>
+                  <a:t> probability to be:</a:t>
+                </a:r>
+              </a:p>
+              <a:p>
+                <a:endParaRPr lang="en-US" dirty="0"/>
+              </a:p>
+              <a:p>
+                <a:endParaRPr lang="en-US" dirty="0"/>
+              </a:p>
+              <a:p>
+                <a:endParaRPr lang="en-US" dirty="0"/>
+              </a:p>
+              <a:p>
+                <a:r>
+                  <a:rPr lang="en-US" dirty="0"/>
+                  <a:t>And the data collector will need </a:t>
+                </a:r>
+                <a:r>
+                  <a:rPr lang="en-US" i="1" dirty="0"/>
+                  <a:t>f  </a:t>
+                </a:r>
+                <a:r>
+                  <a:rPr lang="en-US" dirty="0"/>
+                  <a:t>“true” answers:</a:t>
+                </a:r>
+              </a:p>
+              <a:p>
+                <a:pPr marL="0" indent="0">
+                  <a:buNone/>
+                </a:pPr>
+                <a:r>
+                  <a:rPr lang="en-US" dirty="0"/>
+                  <a:t>	</a:t>
+                </a:r>
+              </a:p>
+              <a:p>
+                <a:pPr marL="0" indent="0">
+                  <a:buNone/>
+                </a:pPr>
+                <a:endParaRPr lang="en-US" dirty="0"/>
+              </a:p>
+            </p:txBody>
+          </p:sp>
+        </mc:Choice>
+        <mc:Fallback>
+          <p:sp>
+            <p:nvSpPr>
+              <p:cNvPr id="3" name="Content Placeholder 2">
+                <a:extLst>
+                  <a:ext uri="{FF2B5EF4-FFF2-40B4-BE49-F238E27FC236}">
+                    <a16:creationId xmlns:a16="http://schemas.microsoft.com/office/drawing/2014/main" id="{088B02CD-B71C-4944-A302-AAEFCFDCDA85}"/>
+                  </a:ext>
+                </a:extLst>
+              </p:cNvPr>
+              <p:cNvSpPr>
+                <a:spLocks noGrp="1" noRot="1" noChangeAspect="1" noMove="1" noResize="1" noEditPoints="1" noAdjustHandles="1" noChangeArrowheads="1" noChangeShapeType="1" noTextEdit="1"/>
+              </p:cNvSpPr>
+              <p:nvPr>
+                <p:ph idx="1"/>
+              </p:nvPr>
+            </p:nvSpPr>
+            <p:spPr>
+              <a:blipFill>
+                <a:blip r:embed="rId2"/>
+                <a:stretch>
+                  <a:fillRect l="-1043" t="-2381" r="-1159"/>
+                </a:stretch>
+              </a:blipFill>
+            </p:spPr>
+            <p:txBody>
+              <a:bodyPr/>
+              <a:lstStyle/>
+              <a:p>
+                <a:r>
+                  <a:rPr lang="en-US">
+                    <a:noFill/>
+                  </a:rPr>
+                  <a:t> </a:t>
+                </a:r>
+              </a:p>
+            </p:txBody>
+          </p:sp>
+        </mc:Fallback>
+      </mc:AlternateContent>
+      <p:sp>
+        <p:nvSpPr>
+          <p:cNvPr id="4" name="Footer Placeholder 3">
+            <a:extLst>
+              <a:ext uri="{FF2B5EF4-FFF2-40B4-BE49-F238E27FC236}">
+                <a16:creationId xmlns:a16="http://schemas.microsoft.com/office/drawing/2014/main" id="{6BF46B63-B287-4B23-BCF0-B446F491CD99}"/>
+              </a:ext>
+            </a:extLst>
+          </p:cNvPr>
+          <p:cNvSpPr>
+            <a:spLocks noGrp="1"/>
+          </p:cNvSpPr>
+          <p:nvPr>
+            <p:ph type="ftr" sz="quarter" idx="11"/>
+          </p:nvPr>
+        </p:nvSpPr>
+        <p:spPr/>
+        <p:txBody>
+          <a:bodyPr/>
+          <a:lstStyle/>
+          <a:p>
+            <a:endParaRPr lang="en-US" dirty="0"/>
+          </a:p>
+        </p:txBody>
+      </p:sp>
+      <mc:AlternateContent xmlns:mc="http://schemas.openxmlformats.org/markup-compatibility/2006">
+        <mc:Choice xmlns:a14="http://schemas.microsoft.com/office/drawing/2010/main" Requires="a14">
+          <p:sp>
+            <p:nvSpPr>
+              <p:cNvPr id="5" name="TextBox 4">
+                <a:extLst>
+                  <a:ext uri="{FF2B5EF4-FFF2-40B4-BE49-F238E27FC236}">
+                    <a16:creationId xmlns:a16="http://schemas.microsoft.com/office/drawing/2014/main" id="{A09284CA-4E37-4CE3-9215-4C3F5EE98ABB}"/>
+                  </a:ext>
+                </a:extLst>
+              </p:cNvPr>
+              <p:cNvSpPr txBox="1"/>
+              <p:nvPr/>
+            </p:nvSpPr>
+            <p:spPr>
+              <a:xfrm>
+                <a:off x="4572000" y="2530136"/>
+                <a:ext cx="1888659" cy="836704"/>
+              </a:xfrm>
+              <a:prstGeom prst="rect">
+                <a:avLst/>
+              </a:prstGeom>
+              <a:noFill/>
+            </p:spPr>
+            <p:txBody>
+              <a:bodyPr wrap="none" lIns="0" tIns="0" rIns="0" bIns="0" rtlCol="0">
+                <a:spAutoFit/>
+              </a:bodyPr>
+              <a:lstStyle/>
+              <a:p>
+                <a14:m>
+                  <m:oMathPara xmlns:m="http://schemas.openxmlformats.org/officeDocument/2006/math">
+                    <m:oMathParaPr>
+                      <m:jc m:val="centerGroup"/>
+                    </m:oMathParaPr>
+                    <m:oMath xmlns:m="http://schemas.openxmlformats.org/officeDocument/2006/math">
+                      <m:r>
+                        <a:rPr lang="en-US" sz="2800" b="0" i="1" smtClean="0">
+                          <a:latin typeface="Cambria Math" panose="02040503050406030204" pitchFamily="18" charset="0"/>
+                        </a:rPr>
+                        <m:t>𝑝</m:t>
+                      </m:r>
+                      <m:r>
+                        <a:rPr lang="en-US" sz="2800" b="0" i="1" smtClean="0">
+                          <a:latin typeface="Cambria Math" panose="02040503050406030204" pitchFamily="18" charset="0"/>
+                        </a:rPr>
+                        <m:t>= </m:t>
+                      </m:r>
+                      <m:f>
+                        <m:fPr>
+                          <m:ctrlPr>
+                            <a:rPr lang="en-US" sz="2800" b="0" i="1" smtClean="0">
+                              <a:latin typeface="Cambria Math" panose="02040503050406030204" pitchFamily="18" charset="0"/>
+                            </a:rPr>
+                          </m:ctrlPr>
+                        </m:fPr>
+                        <m:num>
+                          <m:sSup>
+                            <m:sSupPr>
+                              <m:ctrlPr>
+                                <a:rPr lang="en-US" sz="2800" b="0" i="1" smtClean="0">
+                                  <a:latin typeface="Cambria Math" panose="02040503050406030204" pitchFamily="18" charset="0"/>
+                                </a:rPr>
+                              </m:ctrlPr>
+                            </m:sSupPr>
+                            <m:e>
+                              <m:r>
+                                <a:rPr lang="en-US" sz="2800" b="0" i="1" smtClean="0">
+                                  <a:latin typeface="Cambria Math" panose="02040503050406030204" pitchFamily="18" charset="0"/>
+                                </a:rPr>
+                                <m:t>𝑒</m:t>
+                              </m:r>
+                            </m:e>
+                            <m:sup>
+                              <m:r>
+                                <a:rPr lang="en-US" sz="2800" i="1">
+                                  <a:latin typeface="Cambria Math" panose="02040503050406030204" pitchFamily="18" charset="0"/>
+                                  <a:ea typeface="Cambria Math" panose="02040503050406030204" pitchFamily="18" charset="0"/>
+                                </a:rPr>
+                                <m:t>𝜀</m:t>
+                              </m:r>
+                            </m:sup>
+                          </m:sSup>
+                        </m:num>
+                        <m:den>
+                          <m:r>
+                            <a:rPr lang="en-US" sz="2800" b="0" i="1" smtClean="0">
+                              <a:latin typeface="Cambria Math" panose="02040503050406030204" pitchFamily="18" charset="0"/>
+                            </a:rPr>
+                            <m:t>1+</m:t>
+                          </m:r>
+                          <m:sSup>
+                            <m:sSupPr>
+                              <m:ctrlPr>
+                                <a:rPr lang="en-US" sz="2800" i="1">
+                                  <a:latin typeface="Cambria Math" panose="02040503050406030204" pitchFamily="18" charset="0"/>
+                                </a:rPr>
+                              </m:ctrlPr>
+                            </m:sSupPr>
+                            <m:e>
+                              <m:r>
+                                <a:rPr lang="en-US" sz="2800" i="1">
+                                  <a:latin typeface="Cambria Math" panose="02040503050406030204" pitchFamily="18" charset="0"/>
+                                </a:rPr>
+                                <m:t>𝑒</m:t>
+                              </m:r>
+                            </m:e>
+                            <m:sup>
+                              <m:r>
+                                <a:rPr lang="en-US" sz="2800" i="1">
+                                  <a:latin typeface="Cambria Math" panose="02040503050406030204" pitchFamily="18" charset="0"/>
+                                  <a:ea typeface="Cambria Math" panose="02040503050406030204" pitchFamily="18" charset="0"/>
+                                </a:rPr>
+                                <m:t>𝜀</m:t>
+                              </m:r>
+                            </m:sup>
+                          </m:sSup>
+                        </m:den>
+                      </m:f>
+                      <m:r>
+                        <a:rPr lang="en-US" sz="2800" b="0" i="1" smtClean="0">
+                          <a:latin typeface="Cambria Math" panose="02040503050406030204" pitchFamily="18" charset="0"/>
+                        </a:rPr>
+                        <m:t> </m:t>
+                      </m:r>
+                    </m:oMath>
+                  </m:oMathPara>
+                </a14:m>
+                <a:endParaRPr lang="en-US" sz="2800" dirty="0"/>
+              </a:p>
+            </p:txBody>
+          </p:sp>
+        </mc:Choice>
+        <mc:Fallback>
+          <p:sp>
+            <p:nvSpPr>
+              <p:cNvPr id="5" name="TextBox 4">
+                <a:extLst>
+                  <a:ext uri="{FF2B5EF4-FFF2-40B4-BE49-F238E27FC236}">
+                    <a16:creationId xmlns:a16="http://schemas.microsoft.com/office/drawing/2014/main" id="{A09284CA-4E37-4CE3-9215-4C3F5EE98ABB}"/>
+                  </a:ext>
+                </a:extLst>
+              </p:cNvPr>
+              <p:cNvSpPr txBox="1">
+                <a:spLocks noRot="1" noChangeAspect="1" noMove="1" noResize="1" noEditPoints="1" noAdjustHandles="1" noChangeArrowheads="1" noChangeShapeType="1" noTextEdit="1"/>
+              </p:cNvSpPr>
+              <p:nvPr/>
+            </p:nvSpPr>
+            <p:spPr>
+              <a:xfrm>
+                <a:off x="4572000" y="2530136"/>
+                <a:ext cx="1888659" cy="836704"/>
+              </a:xfrm>
+              <a:prstGeom prst="rect">
+                <a:avLst/>
+              </a:prstGeom>
+              <a:blipFill>
+                <a:blip r:embed="rId3"/>
+                <a:stretch>
+                  <a:fillRect/>
+                </a:stretch>
+              </a:blipFill>
+            </p:spPr>
+            <p:txBody>
+              <a:bodyPr/>
+              <a:lstStyle/>
+              <a:p>
+                <a:r>
+                  <a:rPr lang="en-US">
+                    <a:noFill/>
+                  </a:rPr>
+                  <a:t> </a:t>
+                </a:r>
+              </a:p>
+            </p:txBody>
+          </p:sp>
+        </mc:Fallback>
+      </mc:AlternateContent>
+      <mc:AlternateContent xmlns:mc="http://schemas.openxmlformats.org/markup-compatibility/2006">
+        <mc:Choice xmlns:a14="http://schemas.microsoft.com/office/drawing/2010/main" Requires="a14">
+          <p:sp>
+            <p:nvSpPr>
+              <p:cNvPr id="6" name="TextBox 5">
+                <a:extLst>
+                  <a:ext uri="{FF2B5EF4-FFF2-40B4-BE49-F238E27FC236}">
+                    <a16:creationId xmlns:a16="http://schemas.microsoft.com/office/drawing/2014/main" id="{93AF2028-EC21-4AB8-B69C-2D88B440BE0B}"/>
+                  </a:ext>
+                </a:extLst>
+              </p:cNvPr>
+              <p:cNvSpPr txBox="1"/>
+              <p:nvPr/>
+            </p:nvSpPr>
+            <p:spPr>
+              <a:xfrm>
+                <a:off x="4266980" y="4929175"/>
+                <a:ext cx="2498697" cy="891654"/>
+              </a:xfrm>
+              <a:prstGeom prst="rect">
+                <a:avLst/>
+              </a:prstGeom>
+              <a:noFill/>
+            </p:spPr>
+            <p:txBody>
+              <a:bodyPr wrap="none" lIns="0" tIns="0" rIns="0" bIns="0" rtlCol="0">
+                <a:spAutoFit/>
+              </a:bodyPr>
+              <a:lstStyle/>
+              <a:p>
+                <a14:m>
+                  <m:oMathPara xmlns:m="http://schemas.openxmlformats.org/officeDocument/2006/math">
+                    <m:oMathParaPr>
+                      <m:jc m:val="centerGroup"/>
+                    </m:oMathParaPr>
+                    <m:oMath xmlns:m="http://schemas.openxmlformats.org/officeDocument/2006/math">
+                      <m:sSup>
+                        <m:sSupPr>
+                          <m:ctrlPr>
+                            <a:rPr lang="en-US" sz="2800" i="1">
+                              <a:latin typeface="Cambria Math" panose="02040503050406030204" pitchFamily="18" charset="0"/>
+                            </a:rPr>
+                          </m:ctrlPr>
+                        </m:sSupPr>
+                        <m:e>
+                          <m:r>
+                            <a:rPr lang="en-US" sz="2800" i="1">
+                              <a:latin typeface="Cambria Math" panose="02040503050406030204" pitchFamily="18" charset="0"/>
+                            </a:rPr>
+                            <m:t>𝑓</m:t>
+                          </m:r>
+                        </m:e>
+                        <m:sup>
+                          <m:r>
+                            <a:rPr lang="en-US" sz="2800" i="1">
+                              <a:latin typeface="Cambria Math" panose="02040503050406030204" pitchFamily="18" charset="0"/>
+                            </a:rPr>
+                            <m:t>′</m:t>
+                          </m:r>
+                        </m:sup>
+                      </m:sSup>
+                      <m:r>
+                        <a:rPr lang="en-US" sz="2800" i="1">
+                          <a:latin typeface="Cambria Math" panose="02040503050406030204" pitchFamily="18" charset="0"/>
+                        </a:rPr>
+                        <m:t>= </m:t>
+                      </m:r>
+                      <m:f>
+                        <m:fPr>
+                          <m:ctrlPr>
+                            <a:rPr lang="en-US" sz="2800" i="1">
+                              <a:latin typeface="Cambria Math" panose="02040503050406030204" pitchFamily="18" charset="0"/>
+                            </a:rPr>
+                          </m:ctrlPr>
+                        </m:fPr>
+                        <m:num>
+                          <m:r>
+                            <a:rPr lang="en-US" sz="2800" i="1">
+                              <a:latin typeface="Cambria Math" panose="02040503050406030204" pitchFamily="18" charset="0"/>
+                            </a:rPr>
+                            <m:t>𝑝</m:t>
+                          </m:r>
+                          <m:r>
+                            <a:rPr lang="en-US" sz="2800" i="1">
+                              <a:latin typeface="Cambria Math" panose="02040503050406030204" pitchFamily="18" charset="0"/>
+                            </a:rPr>
+                            <m:t> −1+</m:t>
+                          </m:r>
+                          <m:r>
+                            <a:rPr lang="en-US" sz="2800" i="1">
+                              <a:latin typeface="Cambria Math" panose="02040503050406030204" pitchFamily="18" charset="0"/>
+                            </a:rPr>
+                            <m:t>𝑓</m:t>
+                          </m:r>
+                        </m:num>
+                        <m:den>
+                          <m:r>
+                            <a:rPr lang="en-US" sz="2800" i="1">
+                              <a:latin typeface="Cambria Math" panose="02040503050406030204" pitchFamily="18" charset="0"/>
+                              <a:ea typeface="Cambria Math" panose="02040503050406030204" pitchFamily="18" charset="0"/>
+                            </a:rPr>
+                            <m:t>2</m:t>
+                          </m:r>
+                          <m:r>
+                            <a:rPr lang="en-US" sz="2800" i="1">
+                              <a:latin typeface="Cambria Math" panose="02040503050406030204" pitchFamily="18" charset="0"/>
+                              <a:ea typeface="Cambria Math" panose="02040503050406030204" pitchFamily="18" charset="0"/>
+                            </a:rPr>
+                            <m:t>𝑝</m:t>
+                          </m:r>
+                          <m:r>
+                            <a:rPr lang="en-US" sz="2800" i="1">
+                              <a:latin typeface="Cambria Math" panose="02040503050406030204" pitchFamily="18" charset="0"/>
+                              <a:ea typeface="Cambria Math" panose="02040503050406030204" pitchFamily="18" charset="0"/>
+                            </a:rPr>
+                            <m:t> −1 </m:t>
+                          </m:r>
+                        </m:den>
+                      </m:f>
+                    </m:oMath>
+                  </m:oMathPara>
+                </a14:m>
+                <a:endParaRPr lang="en-US" sz="2800" dirty="0"/>
+              </a:p>
+            </p:txBody>
+          </p:sp>
+        </mc:Choice>
+        <mc:Fallback>
+          <p:sp>
+            <p:nvSpPr>
+              <p:cNvPr id="6" name="TextBox 5">
+                <a:extLst>
+                  <a:ext uri="{FF2B5EF4-FFF2-40B4-BE49-F238E27FC236}">
+                    <a16:creationId xmlns:a16="http://schemas.microsoft.com/office/drawing/2014/main" id="{93AF2028-EC21-4AB8-B69C-2D88B440BE0B}"/>
+                  </a:ext>
+                </a:extLst>
+              </p:cNvPr>
+              <p:cNvSpPr txBox="1">
+                <a:spLocks noRot="1" noChangeAspect="1" noMove="1" noResize="1" noEditPoints="1" noAdjustHandles="1" noChangeArrowheads="1" noChangeShapeType="1" noTextEdit="1"/>
+              </p:cNvSpPr>
+              <p:nvPr/>
+            </p:nvSpPr>
+            <p:spPr>
+              <a:xfrm>
+                <a:off x="4266980" y="4929175"/>
+                <a:ext cx="2498697" cy="891654"/>
+              </a:xfrm>
+              <a:prstGeom prst="rect">
+                <a:avLst/>
+              </a:prstGeom>
+              <a:blipFill>
+                <a:blip r:embed="rId4"/>
+                <a:stretch>
+                  <a:fillRect/>
+                </a:stretch>
+              </a:blipFill>
+            </p:spPr>
+            <p:txBody>
+              <a:bodyPr/>
+              <a:lstStyle/>
+              <a:p>
+                <a:r>
+                  <a:rPr lang="en-US">
+                    <a:noFill/>
+                  </a:rPr>
+                  <a:t> </a:t>
+                </a:r>
+              </a:p>
+            </p:txBody>
+          </p:sp>
+        </mc:Fallback>
+      </mc:AlternateContent>
+    </p:spTree>
+    <p:extLst>
+      <p:ext uri="{BB962C8B-B14F-4D97-AF65-F5344CB8AC3E}">
+        <p14:creationId xmlns:p14="http://schemas.microsoft.com/office/powerpoint/2010/main" val="1189343521"/>
       </p:ext>
     </p:extLst>
   </p:cSld>

--- a/CS-6223/hw/Grad_Project/Final Documents/PrivKV Differential Privacy for Key Value Structured Data.pptx
+++ b/CS-6223/hw/Grad_Project/Final Documents/PrivKV Differential Privacy for Key Value Structured Data.pptx
@@ -5,10 +5,10 @@
     <p:sldMasterId id="2147483696" r:id="rId1"/>
   </p:sldMasterIdLst>
   <p:notesMasterIdLst>
-    <p:notesMasterId r:id="rId11"/>
+    <p:notesMasterId r:id="rId14"/>
   </p:notesMasterIdLst>
   <p:handoutMasterIdLst>
-    <p:handoutMasterId r:id="rId12"/>
+    <p:handoutMasterId r:id="rId15"/>
   </p:handoutMasterIdLst>
   <p:sldIdLst>
     <p:sldId id="256" r:id="rId2"/>
@@ -20,6 +20,9 @@
     <p:sldId id="262" r:id="rId8"/>
     <p:sldId id="263" r:id="rId9"/>
     <p:sldId id="264" r:id="rId10"/>
+    <p:sldId id="267" r:id="rId11"/>
+    <p:sldId id="265" r:id="rId12"/>
+    <p:sldId id="266" r:id="rId13"/>
   </p:sldIdLst>
   <p:sldSz cx="12192000" cy="6858000"/>
   <p:notesSz cx="6858000" cy="9144000"/>
@@ -1048,8 +1051,14 @@
         </p:nvSpPr>
         <p:spPr/>
         <p:txBody>
-          <a:bodyPr/>
-          <a:lstStyle/>
+          <a:bodyPr>
+            <a:normAutofit/>
+          </a:bodyPr>
+          <a:lstStyle>
+            <a:lvl1pPr>
+              <a:defRPr sz="4000"/>
+            </a:lvl1pPr>
+          </a:lstStyle>
           <a:p>
             <a:r>
               <a:rPr lang="en-US" dirty="0"/>
@@ -1251,11 +1260,17 @@
           </a:xfrm>
         </p:spPr>
         <p:txBody>
-          <a:bodyPr vert="eaVert"/>
-          <a:lstStyle/>
-          <a:p>
-            <a:r>
-              <a:rPr lang="en-US"/>
+          <a:bodyPr vert="eaVert">
+            <a:normAutofit/>
+          </a:bodyPr>
+          <a:lstStyle>
+            <a:lvl1pPr>
+              <a:defRPr sz="4000"/>
+            </a:lvl1pPr>
+          </a:lstStyle>
+          <a:p>
+            <a:r>
+              <a:rPr lang="en-US" dirty="0"/>
               <a:t>Click to edit Master title style</a:t>
             </a:r>
           </a:p>
@@ -1454,10 +1469,12 @@
         </p:nvSpPr>
         <p:spPr/>
         <p:txBody>
-          <a:bodyPr/>
+          <a:bodyPr>
+            <a:normAutofit/>
+          </a:bodyPr>
           <a:lstStyle>
             <a:lvl1pPr>
-              <a:defRPr>
+              <a:defRPr sz="4000">
                 <a:latin typeface="Source Sans Pro" panose="020B0503030403020204" pitchFamily="34" charset="0"/>
               </a:defRPr>
             </a:lvl1pPr>
@@ -1486,7 +1503,12 @@
             <p:ph idx="1"/>
           </p:nvPr>
         </p:nvSpPr>
-        <p:spPr/>
+        <p:spPr>
+          <a:xfrm>
+            <a:off x="838200" y="1597025"/>
+            <a:ext cx="10515600" cy="4351338"/>
+          </a:xfrm>
+        </p:spPr>
         <p:txBody>
           <a:bodyPr/>
           <a:lstStyle>
@@ -2000,8 +2022,14 @@
         </p:nvSpPr>
         <p:spPr/>
         <p:txBody>
-          <a:bodyPr/>
-          <a:lstStyle/>
+          <a:bodyPr>
+            <a:normAutofit/>
+          </a:bodyPr>
+          <a:lstStyle>
+            <a:lvl1pPr>
+              <a:defRPr sz="4000"/>
+            </a:lvl1pPr>
+          </a:lstStyle>
           <a:p>
             <a:r>
               <a:rPr lang="en-US" dirty="0"/>
@@ -2292,8 +2320,14 @@
           </a:xfrm>
         </p:spPr>
         <p:txBody>
-          <a:bodyPr/>
-          <a:lstStyle/>
+          <a:bodyPr>
+            <a:normAutofit/>
+          </a:bodyPr>
+          <a:lstStyle>
+            <a:lvl1pPr>
+              <a:defRPr sz="4000"/>
+            </a:lvl1pPr>
+          </a:lstStyle>
           <a:p>
             <a:r>
               <a:rPr lang="en-US" dirty="0"/>
@@ -2699,8 +2733,14 @@
         </p:nvSpPr>
         <p:spPr/>
         <p:txBody>
-          <a:bodyPr/>
-          <a:lstStyle/>
+          <a:bodyPr>
+            <a:normAutofit/>
+          </a:bodyPr>
+          <a:lstStyle>
+            <a:lvl1pPr>
+              <a:defRPr sz="4000"/>
+            </a:lvl1pPr>
+          </a:lstStyle>
           <a:p>
             <a:r>
               <a:rPr lang="en-US" dirty="0"/>
@@ -3579,8 +3619,8 @@
         </p:nvSpPr>
         <p:spPr>
           <a:xfrm>
-            <a:off x="838200" y="365125"/>
-            <a:ext cx="10515600" cy="1325563"/>
+            <a:off x="838200" y="365126"/>
+            <a:ext cx="10515600" cy="1032852"/>
           </a:xfrm>
           <a:prstGeom prst="rect">
             <a:avLst/>
@@ -3835,7 +3875,7 @@
           <a:spcPct val="0"/>
         </a:spcBef>
         <a:buNone/>
-        <a:defRPr sz="4400" kern="1200">
+        <a:defRPr sz="4000" kern="1200">
           <a:solidFill>
             <a:schemeClr val="tx1"/>
           </a:solidFill>
@@ -4196,6 +4236,2054 @@
     <p:extLst>
       <p:ext uri="{BB962C8B-B14F-4D97-AF65-F5344CB8AC3E}">
         <p14:creationId xmlns:p14="http://schemas.microsoft.com/office/powerpoint/2010/main" val="2884873651"/>
+      </p:ext>
+    </p:extLst>
+  </p:cSld>
+  <p:clrMapOvr>
+    <a:masterClrMapping/>
+  </p:clrMapOvr>
+</p:sld>
+</file>
+
+<file path=ppt/slides/slide10.xml><?xml version="1.0" encoding="utf-8"?>
+<p:sld xmlns:a="http://schemas.openxmlformats.org/drawingml/2006/main" xmlns:r="http://schemas.openxmlformats.org/officeDocument/2006/relationships" xmlns:p="http://schemas.openxmlformats.org/presentationml/2006/main">
+  <p:cSld>
+    <p:spTree>
+      <p:nvGrpSpPr>
+        <p:cNvPr id="1" name=""/>
+        <p:cNvGrpSpPr/>
+        <p:nvPr/>
+      </p:nvGrpSpPr>
+      <p:grpSpPr>
+        <a:xfrm>
+          <a:off x="0" y="0"/>
+          <a:ext cx="0" cy="0"/>
+          <a:chOff x="0" y="0"/>
+          <a:chExt cx="0" cy="0"/>
+        </a:xfrm>
+      </p:grpSpPr>
+      <p:sp>
+        <p:nvSpPr>
+          <p:cNvPr id="2" name="Title 1">
+            <a:extLst>
+              <a:ext uri="{FF2B5EF4-FFF2-40B4-BE49-F238E27FC236}">
+                <a16:creationId xmlns:a16="http://schemas.microsoft.com/office/drawing/2014/main" id="{304A0617-4AF8-434A-A813-6EA20F2CB4C3}"/>
+              </a:ext>
+            </a:extLst>
+          </p:cNvPr>
+          <p:cNvSpPr>
+            <a:spLocks noGrp="1"/>
+          </p:cNvSpPr>
+          <p:nvPr>
+            <p:ph type="title"/>
+          </p:nvPr>
+        </p:nvSpPr>
+        <p:spPr/>
+        <p:txBody>
+          <a:bodyPr/>
+          <a:lstStyle/>
+          <a:p>
+            <a:r>
+              <a:rPr lang="en-US" dirty="0"/>
+              <a:t>Definition </a:t>
+            </a:r>
+            <a:r>
+              <a:rPr lang="en-US"/>
+              <a:t>of Key-Value Protocol</a:t>
+            </a:r>
+            <a:endParaRPr lang="en-US" dirty="0"/>
+          </a:p>
+        </p:txBody>
+      </p:sp>
+      <mc:AlternateContent xmlns:mc="http://schemas.openxmlformats.org/markup-compatibility/2006">
+        <mc:Choice xmlns:a14="http://schemas.microsoft.com/office/drawing/2010/main" Requires="a14">
+          <p:sp>
+            <p:nvSpPr>
+              <p:cNvPr id="3" name="Content Placeholder 2">
+                <a:extLst>
+                  <a:ext uri="{FF2B5EF4-FFF2-40B4-BE49-F238E27FC236}">
+                    <a16:creationId xmlns:a16="http://schemas.microsoft.com/office/drawing/2014/main" id="{088B02CD-B71C-4944-A302-AAEFCFDCDA85}"/>
+                  </a:ext>
+                </a:extLst>
+              </p:cNvPr>
+              <p:cNvSpPr>
+                <a:spLocks noGrp="1"/>
+              </p:cNvSpPr>
+              <p:nvPr>
+                <p:ph idx="1"/>
+              </p:nvPr>
+            </p:nvSpPr>
+            <p:spPr/>
+            <p:txBody>
+              <a:bodyPr>
+                <a:noAutofit/>
+              </a:bodyPr>
+              <a:lstStyle/>
+              <a:p>
+                <a:r>
+                  <a:rPr lang="en-US" sz="2400" dirty="0"/>
+                  <a:t>With </a:t>
+                </a:r>
+                <a14:m>
+                  <m:oMath xmlns:m="http://schemas.openxmlformats.org/officeDocument/2006/math">
+                    <m:sSub>
+                      <m:sSubPr>
+                        <m:ctrlPr>
+                          <a:rPr lang="en-US" sz="2400" i="1">
+                            <a:latin typeface="Cambria Math" panose="02040503050406030204" pitchFamily="18" charset="0"/>
+                          </a:rPr>
+                        </m:ctrlPr>
+                      </m:sSubPr>
+                      <m:e>
+                        <m:r>
+                          <a:rPr lang="en-US" sz="2400" i="1">
+                            <a:latin typeface="Cambria Math" panose="02040503050406030204" pitchFamily="18" charset="0"/>
+                          </a:rPr>
+                          <m:t>𝑣</m:t>
+                        </m:r>
+                      </m:e>
+                      <m:sub>
+                        <m:r>
+                          <a:rPr lang="en-US" sz="2400" i="1">
+                            <a:latin typeface="Cambria Math" panose="02040503050406030204" pitchFamily="18" charset="0"/>
+                          </a:rPr>
+                          <m:t>𝑗</m:t>
+                        </m:r>
+                      </m:sub>
+                    </m:sSub>
+                    <m:r>
+                      <a:rPr lang="en-US" sz="2400" i="1">
+                        <a:latin typeface="Cambria Math" panose="02040503050406030204" pitchFamily="18" charset="0"/>
+                      </a:rPr>
+                      <m:t> </m:t>
+                    </m:r>
+                    <m:r>
+                      <a:rPr lang="en-US" sz="2400" i="1">
+                        <a:latin typeface="Cambria Math" panose="02040503050406030204" pitchFamily="18" charset="0"/>
+                        <a:ea typeface="Cambria Math" panose="02040503050406030204" pitchFamily="18" charset="0"/>
+                      </a:rPr>
+                      <m:t>∈</m:t>
+                    </m:r>
+                    <m:r>
+                      <a:rPr lang="en-US" sz="2400" i="1">
+                        <a:latin typeface="Cambria Math" panose="02040503050406030204" pitchFamily="18" charset="0"/>
+                        <a:ea typeface="Cambria Math" panose="02040503050406030204" pitchFamily="18" charset="0"/>
+                      </a:rPr>
+                      <m:t>𝑉</m:t>
+                    </m:r>
+                  </m:oMath>
+                </a14:m>
+                <a:r>
+                  <a:rPr lang="en-US" sz="2400" dirty="0"/>
+                  <a:t>, </a:t>
+                </a:r>
+                <a14:m>
+                  <m:oMath xmlns:m="http://schemas.openxmlformats.org/officeDocument/2006/math">
+                    <m:r>
+                      <a:rPr lang="en-US" sz="2400" b="0" i="1" smtClean="0">
+                        <a:latin typeface="Cambria Math" panose="02040503050406030204" pitchFamily="18" charset="0"/>
+                      </a:rPr>
+                      <m:t>𝑉</m:t>
+                    </m:r>
+                    <m:r>
+                      <a:rPr lang="en-US" sz="2400" b="0" i="1" smtClean="0">
+                        <a:latin typeface="Cambria Math" panose="02040503050406030204" pitchFamily="18" charset="0"/>
+                      </a:rPr>
+                      <m:t> ∈</m:t>
+                    </m:r>
+                    <m:d>
+                      <m:dPr>
+                        <m:begChr m:val="["/>
+                        <m:endChr m:val="]"/>
+                        <m:ctrlPr>
+                          <a:rPr lang="en-US" sz="2400" b="0" i="1" smtClean="0">
+                            <a:latin typeface="Cambria Math" panose="02040503050406030204" pitchFamily="18" charset="0"/>
+                            <a:ea typeface="Cambria Math" panose="02040503050406030204" pitchFamily="18" charset="0"/>
+                          </a:rPr>
+                        </m:ctrlPr>
+                      </m:dPr>
+                      <m:e>
+                        <m:r>
+                          <a:rPr lang="en-US" sz="2400" b="0" i="1" smtClean="0">
+                            <a:latin typeface="Cambria Math" panose="02040503050406030204" pitchFamily="18" charset="0"/>
+                            <a:ea typeface="Cambria Math" panose="02040503050406030204" pitchFamily="18" charset="0"/>
+                          </a:rPr>
+                          <m:t>−1, 1</m:t>
+                        </m:r>
+                      </m:e>
+                    </m:d>
+                  </m:oMath>
+                </a14:m>
+                <a:r>
+                  <a:rPr lang="en-US" sz="2400" dirty="0"/>
+                  <a:t> (continuous) and the </a:t>
+                </a:r>
+                <a14:m>
+                  <m:oMath xmlns:m="http://schemas.openxmlformats.org/officeDocument/2006/math">
+                    <m:r>
+                      <a:rPr lang="en-US" sz="2400" b="0" i="1" smtClean="0">
+                        <a:latin typeface="Cambria Math" panose="02040503050406030204" pitchFamily="18" charset="0"/>
+                      </a:rPr>
+                      <m:t>𝑖𝑡h</m:t>
+                    </m:r>
+                  </m:oMath>
+                </a14:m>
+                <a:r>
+                  <a:rPr lang="en-US" sz="2400" dirty="0"/>
+                  <a:t> user </a:t>
+                </a:r>
+                <a14:m>
+                  <m:oMath xmlns:m="http://schemas.openxmlformats.org/officeDocument/2006/math">
+                    <m:sSub>
+                      <m:sSubPr>
+                        <m:ctrlPr>
+                          <a:rPr lang="en-US" sz="2400" i="1" smtClean="0">
+                            <a:latin typeface="Cambria Math" panose="02040503050406030204" pitchFamily="18" charset="0"/>
+                          </a:rPr>
+                        </m:ctrlPr>
+                      </m:sSubPr>
+                      <m:e>
+                        <m:r>
+                          <a:rPr lang="en-US" sz="2400" b="0" i="1" smtClean="0">
+                            <a:latin typeface="Cambria Math" panose="02040503050406030204" pitchFamily="18" charset="0"/>
+                          </a:rPr>
+                          <m:t>𝑢</m:t>
+                        </m:r>
+                      </m:e>
+                      <m:sub>
+                        <m:r>
+                          <a:rPr lang="en-US" sz="2400" b="0" i="1" smtClean="0">
+                            <a:latin typeface="Cambria Math" panose="02040503050406030204" pitchFamily="18" charset="0"/>
+                          </a:rPr>
+                          <m:t>𝑖</m:t>
+                        </m:r>
+                      </m:sub>
+                    </m:sSub>
+                  </m:oMath>
+                </a14:m>
+                <a:r>
+                  <a:rPr lang="en-US" sz="2400" dirty="0"/>
+                  <a:t> having </a:t>
+                </a:r>
+                <a14:m>
+                  <m:oMath xmlns:m="http://schemas.openxmlformats.org/officeDocument/2006/math">
+                    <m:sSub>
+                      <m:sSubPr>
+                        <m:ctrlPr>
+                          <a:rPr lang="en-US" sz="2400" i="1" smtClean="0">
+                            <a:latin typeface="Cambria Math" panose="02040503050406030204" pitchFamily="18" charset="0"/>
+                          </a:rPr>
+                        </m:ctrlPr>
+                      </m:sSubPr>
+                      <m:e>
+                        <m:r>
+                          <a:rPr lang="en-US" sz="2400" b="0" i="1" smtClean="0">
+                            <a:latin typeface="Cambria Math" panose="02040503050406030204" pitchFamily="18" charset="0"/>
+                          </a:rPr>
+                          <m:t>𝑙</m:t>
+                        </m:r>
+                      </m:e>
+                      <m:sub>
+                        <m:r>
+                          <a:rPr lang="en-US" sz="2400" b="0" i="1" smtClean="0">
+                            <a:latin typeface="Cambria Math" panose="02040503050406030204" pitchFamily="18" charset="0"/>
+                          </a:rPr>
+                          <m:t>𝑖</m:t>
+                        </m:r>
+                      </m:sub>
+                    </m:sSub>
+                  </m:oMath>
+                </a14:m>
+                <a:r>
+                  <a:rPr lang="en-US" sz="2400" dirty="0"/>
+                  <a:t> number of key pairs:</a:t>
+                </a:r>
+              </a:p>
+              <a:p>
+                <a:pPr marL="0" indent="0">
+                  <a:buNone/>
+                </a:pPr>
+                <a:endParaRPr lang="en-US" sz="2400" dirty="0"/>
+              </a:p>
+              <a:p>
+                <a:r>
+                  <a:rPr lang="en-US" sz="2400" dirty="0"/>
+                  <a:t>The frequency of key </a:t>
+                </a:r>
+                <a:r>
+                  <a:rPr lang="en-US" sz="2400" i="1" dirty="0"/>
+                  <a:t>k</a:t>
+                </a:r>
+                <a:r>
+                  <a:rPr lang="en-US" sz="2400" dirty="0"/>
+                  <a:t>, </a:t>
+                </a:r>
+                <a14:m>
+                  <m:oMath xmlns:m="http://schemas.openxmlformats.org/officeDocument/2006/math">
+                    <m:sSub>
+                      <m:sSubPr>
+                        <m:ctrlPr>
+                          <a:rPr lang="en-US" sz="2400" i="1" smtClean="0">
+                            <a:latin typeface="Cambria Math" panose="02040503050406030204" pitchFamily="18" charset="0"/>
+                          </a:rPr>
+                        </m:ctrlPr>
+                      </m:sSubPr>
+                      <m:e>
+                        <m:r>
+                          <a:rPr lang="en-US" sz="2400" b="0" i="1" smtClean="0">
+                            <a:latin typeface="Cambria Math" panose="02040503050406030204" pitchFamily="18" charset="0"/>
+                          </a:rPr>
+                          <m:t>𝑓</m:t>
+                        </m:r>
+                      </m:e>
+                      <m:sub>
+                        <m:r>
+                          <a:rPr lang="en-US" sz="2400" b="0" i="1" smtClean="0">
+                            <a:latin typeface="Cambria Math" panose="02040503050406030204" pitchFamily="18" charset="0"/>
+                          </a:rPr>
+                          <m:t>𝑘</m:t>
+                        </m:r>
+                      </m:sub>
+                    </m:sSub>
+                  </m:oMath>
+                </a14:m>
+                <a:r>
+                  <a:rPr lang="en-US" sz="2400" dirty="0"/>
+                  <a:t>, is the portion of users who possess a KV pair whose key is k:</a:t>
+                </a:r>
+              </a:p>
+              <a:p>
+                <a:endParaRPr lang="en-US" sz="2400" dirty="0"/>
+              </a:p>
+              <a:p>
+                <a:pPr marL="0" indent="0">
+                  <a:buNone/>
+                </a:pPr>
+                <a:endParaRPr lang="en-US" sz="2400" dirty="0"/>
+              </a:p>
+              <a:p>
+                <a:r>
+                  <a:rPr lang="en-US" sz="2400" dirty="0"/>
+                  <a:t>The mean of key </a:t>
+                </a:r>
+                <a:r>
+                  <a:rPr lang="en-US" sz="2400" i="1" dirty="0"/>
+                  <a:t>k</a:t>
+                </a:r>
+                <a:r>
+                  <a:rPr lang="en-US" sz="2400" dirty="0"/>
+                  <a:t>, </a:t>
+                </a:r>
+                <a14:m>
+                  <m:oMath xmlns:m="http://schemas.openxmlformats.org/officeDocument/2006/math">
+                    <m:sSub>
+                      <m:sSubPr>
+                        <m:ctrlPr>
+                          <a:rPr lang="en-US" sz="2400" i="1">
+                            <a:latin typeface="Cambria Math" panose="02040503050406030204" pitchFamily="18" charset="0"/>
+                          </a:rPr>
+                        </m:ctrlPr>
+                      </m:sSubPr>
+                      <m:e>
+                        <m:r>
+                          <a:rPr lang="en-US" sz="2400" b="0" i="1" smtClean="0">
+                            <a:latin typeface="Cambria Math" panose="02040503050406030204" pitchFamily="18" charset="0"/>
+                          </a:rPr>
+                          <m:t>𝑚</m:t>
+                        </m:r>
+                      </m:e>
+                      <m:sub>
+                        <m:r>
+                          <a:rPr lang="en-US" sz="2400" i="1">
+                            <a:latin typeface="Cambria Math" panose="02040503050406030204" pitchFamily="18" charset="0"/>
+                          </a:rPr>
+                          <m:t>𝑘</m:t>
+                        </m:r>
+                      </m:sub>
+                    </m:sSub>
+                  </m:oMath>
+                </a14:m>
+                <a:r>
+                  <a:rPr lang="en-US" sz="2400" dirty="0"/>
+                  <a:t>, is the mean of all values in KV pairs whose key is </a:t>
+                </a:r>
+                <a:r>
+                  <a:rPr lang="en-US" sz="2400" i="1" dirty="0"/>
+                  <a:t>k:</a:t>
+                </a:r>
+                <a:endParaRPr lang="en-US" sz="2400" dirty="0"/>
+              </a:p>
+              <a:p>
+                <a:pPr marL="0" indent="0">
+                  <a:buNone/>
+                </a:pPr>
+                <a:r>
+                  <a:rPr lang="en-US" sz="2400" dirty="0"/>
+                  <a:t>	</a:t>
+                </a:r>
+              </a:p>
+              <a:p>
+                <a:pPr marL="0" indent="0">
+                  <a:buNone/>
+                </a:pPr>
+                <a:endParaRPr lang="en-US" sz="2400" dirty="0"/>
+              </a:p>
+            </p:txBody>
+          </p:sp>
+        </mc:Choice>
+        <mc:Fallback>
+          <p:sp>
+            <p:nvSpPr>
+              <p:cNvPr id="3" name="Content Placeholder 2">
+                <a:extLst>
+                  <a:ext uri="{FF2B5EF4-FFF2-40B4-BE49-F238E27FC236}">
+                    <a16:creationId xmlns:a16="http://schemas.microsoft.com/office/drawing/2014/main" id="{088B02CD-B71C-4944-A302-AAEFCFDCDA85}"/>
+                  </a:ext>
+                </a:extLst>
+              </p:cNvPr>
+              <p:cNvSpPr>
+                <a:spLocks noGrp="1" noRot="1" noChangeAspect="1" noMove="1" noResize="1" noEditPoints="1" noAdjustHandles="1" noChangeArrowheads="1" noChangeShapeType="1" noTextEdit="1"/>
+              </p:cNvSpPr>
+              <p:nvPr>
+                <p:ph idx="1"/>
+              </p:nvPr>
+            </p:nvSpPr>
+            <p:spPr>
+              <a:blipFill>
+                <a:blip r:embed="rId2"/>
+                <a:stretch>
+                  <a:fillRect l="-812" t="-1821"/>
+                </a:stretch>
+              </a:blipFill>
+            </p:spPr>
+            <p:txBody>
+              <a:bodyPr/>
+              <a:lstStyle/>
+              <a:p>
+                <a:r>
+                  <a:rPr lang="en-US">
+                    <a:noFill/>
+                  </a:rPr>
+                  <a:t> </a:t>
+                </a:r>
+              </a:p>
+            </p:txBody>
+          </p:sp>
+        </mc:Fallback>
+      </mc:AlternateContent>
+      <p:sp>
+        <p:nvSpPr>
+          <p:cNvPr id="4" name="Footer Placeholder 3">
+            <a:extLst>
+              <a:ext uri="{FF2B5EF4-FFF2-40B4-BE49-F238E27FC236}">
+                <a16:creationId xmlns:a16="http://schemas.microsoft.com/office/drawing/2014/main" id="{6BF46B63-B287-4B23-BCF0-B446F491CD99}"/>
+              </a:ext>
+            </a:extLst>
+          </p:cNvPr>
+          <p:cNvSpPr>
+            <a:spLocks noGrp="1"/>
+          </p:cNvSpPr>
+          <p:nvPr>
+            <p:ph type="ftr" sz="quarter" idx="11"/>
+          </p:nvPr>
+        </p:nvSpPr>
+        <p:spPr/>
+        <p:txBody>
+          <a:bodyPr/>
+          <a:lstStyle/>
+          <a:p>
+            <a:endParaRPr lang="en-US" dirty="0"/>
+          </a:p>
+        </p:txBody>
+      </p:sp>
+      <mc:AlternateContent xmlns:mc="http://schemas.openxmlformats.org/markup-compatibility/2006">
+        <mc:Choice xmlns:a14="http://schemas.microsoft.com/office/drawing/2010/main" Requires="a14">
+          <p:sp>
+            <p:nvSpPr>
+              <p:cNvPr id="5" name="TextBox 4">
+                <a:extLst>
+                  <a:ext uri="{FF2B5EF4-FFF2-40B4-BE49-F238E27FC236}">
+                    <a16:creationId xmlns:a16="http://schemas.microsoft.com/office/drawing/2014/main" id="{A09284CA-4E37-4CE3-9215-4C3F5EE98ABB}"/>
+                  </a:ext>
+                </a:extLst>
+              </p:cNvPr>
+              <p:cNvSpPr txBox="1"/>
+              <p:nvPr/>
+            </p:nvSpPr>
+            <p:spPr>
+              <a:xfrm>
+                <a:off x="4007042" y="3538067"/>
+                <a:ext cx="3304944" cy="822960"/>
+              </a:xfrm>
+              <a:prstGeom prst="rect">
+                <a:avLst/>
+              </a:prstGeom>
+              <a:noFill/>
+              <a:ln>
+                <a:solidFill>
+                  <a:schemeClr val="tx1"/>
+                </a:solidFill>
+              </a:ln>
+            </p:spPr>
+            <p:txBody>
+              <a:bodyPr wrap="none" lIns="0" tIns="0" rIns="0" bIns="0" rtlCol="0">
+                <a:spAutoFit/>
+              </a:bodyPr>
+              <a:lstStyle/>
+              <a:p>
+                <a:pPr/>
+                <a14:m>
+                  <m:oMathPara xmlns:m="http://schemas.openxmlformats.org/officeDocument/2006/math">
+                    <m:oMathParaPr>
+                      <m:jc m:val="centerGroup"/>
+                    </m:oMathParaPr>
+                    <m:oMath xmlns:m="http://schemas.openxmlformats.org/officeDocument/2006/math">
+                      <m:sSub>
+                        <m:sSubPr>
+                          <m:ctrlPr>
+                            <a:rPr lang="en-US" sz="2400" i="1" smtClean="0">
+                              <a:latin typeface="Cambria Math" panose="02040503050406030204" pitchFamily="18" charset="0"/>
+                            </a:rPr>
+                          </m:ctrlPr>
+                        </m:sSubPr>
+                        <m:e>
+                          <m:r>
+                            <a:rPr lang="en-US" sz="2400" i="1">
+                              <a:latin typeface="Cambria Math" panose="02040503050406030204" pitchFamily="18" charset="0"/>
+                            </a:rPr>
+                            <m:t>𝑓</m:t>
+                          </m:r>
+                        </m:e>
+                        <m:sub>
+                          <m:r>
+                            <a:rPr lang="en-US" sz="2400" i="1">
+                              <a:latin typeface="Cambria Math" panose="02040503050406030204" pitchFamily="18" charset="0"/>
+                            </a:rPr>
+                            <m:t>𝑘</m:t>
+                          </m:r>
+                        </m:sub>
+                      </m:sSub>
+                      <m:r>
+                        <a:rPr lang="en-US" sz="2400" i="1">
+                          <a:latin typeface="Cambria Math" panose="02040503050406030204" pitchFamily="18" charset="0"/>
+                        </a:rPr>
+                        <m:t> = </m:t>
+                      </m:r>
+                      <m:f>
+                        <m:fPr>
+                          <m:ctrlPr>
+                            <a:rPr lang="en-US" sz="2400" b="0" i="1" smtClean="0">
+                              <a:latin typeface="Cambria Math" panose="02040503050406030204" pitchFamily="18" charset="0"/>
+                            </a:rPr>
+                          </m:ctrlPr>
+                        </m:fPr>
+                        <m:num>
+                          <m:r>
+                            <a:rPr lang="en-US" sz="2400" b="0" i="1" smtClean="0">
+                              <a:latin typeface="Cambria Math" panose="02040503050406030204" pitchFamily="18" charset="0"/>
+                            </a:rPr>
+                            <m:t>|{</m:t>
+                          </m:r>
+                          <m:sSub>
+                            <m:sSubPr>
+                              <m:ctrlPr>
+                                <a:rPr lang="en-US" sz="2400" b="0" i="1" smtClean="0">
+                                  <a:latin typeface="Cambria Math" panose="02040503050406030204" pitchFamily="18" charset="0"/>
+                                </a:rPr>
+                              </m:ctrlPr>
+                            </m:sSubPr>
+                            <m:e>
+                              <m:r>
+                                <a:rPr lang="en-US" sz="2400" b="0" i="1" smtClean="0">
+                                  <a:latin typeface="Cambria Math" panose="02040503050406030204" pitchFamily="18" charset="0"/>
+                                </a:rPr>
+                                <m:t>𝑢</m:t>
+                              </m:r>
+                            </m:e>
+                            <m:sub>
+                              <m:r>
+                                <a:rPr lang="en-US" sz="2400" b="0" i="1" smtClean="0">
+                                  <a:latin typeface="Cambria Math" panose="02040503050406030204" pitchFamily="18" charset="0"/>
+                                </a:rPr>
+                                <m:t>𝑖</m:t>
+                              </m:r>
+                            </m:sub>
+                          </m:sSub>
+                          <m:r>
+                            <a:rPr lang="en-US" sz="2400" b="0" i="1" smtClean="0">
+                              <a:latin typeface="Cambria Math" panose="02040503050406030204" pitchFamily="18" charset="0"/>
+                            </a:rPr>
+                            <m:t> |</m:t>
+                          </m:r>
+                          <m:r>
+                            <a:rPr lang="en-US" sz="2400" b="0" i="1" smtClean="0">
+                              <a:latin typeface="Cambria Math" panose="02040503050406030204" pitchFamily="18" charset="0"/>
+                              <a:ea typeface="Cambria Math" panose="02040503050406030204" pitchFamily="18" charset="0"/>
+                            </a:rPr>
+                            <m:t>∃</m:t>
+                          </m:r>
+                          <m:d>
+                            <m:dPr>
+                              <m:begChr m:val="⟨"/>
+                              <m:endChr m:val="⟩"/>
+                              <m:ctrlPr>
+                                <a:rPr lang="en-US" sz="2400" i="1">
+                                  <a:latin typeface="Cambria Math" panose="02040503050406030204" pitchFamily="18" charset="0"/>
+                                </a:rPr>
+                              </m:ctrlPr>
+                            </m:dPr>
+                            <m:e>
+                              <m:r>
+                                <a:rPr lang="en-US" sz="2400" i="1">
+                                  <a:latin typeface="Cambria Math" panose="02040503050406030204" pitchFamily="18" charset="0"/>
+                                </a:rPr>
+                                <m:t>𝑘</m:t>
+                              </m:r>
+                              <m:r>
+                                <a:rPr lang="en-US" sz="2400" i="1">
+                                  <a:latin typeface="Cambria Math" panose="02040503050406030204" pitchFamily="18" charset="0"/>
+                                </a:rPr>
+                                <m:t>, </m:t>
+                              </m:r>
+                              <m:r>
+                                <a:rPr lang="en-US" sz="2400" i="1">
+                                  <a:latin typeface="Cambria Math" panose="02040503050406030204" pitchFamily="18" charset="0"/>
+                                </a:rPr>
+                                <m:t>𝑣</m:t>
+                              </m:r>
+                            </m:e>
+                          </m:d>
+                          <m:r>
+                            <a:rPr lang="en-US" sz="2400" i="1">
+                              <a:latin typeface="Cambria Math" panose="02040503050406030204" pitchFamily="18" charset="0"/>
+                              <a:ea typeface="Cambria Math" panose="02040503050406030204" pitchFamily="18" charset="0"/>
+                            </a:rPr>
+                            <m:t>∈</m:t>
+                          </m:r>
+                          <m:sSub>
+                            <m:sSubPr>
+                              <m:ctrlPr>
+                                <a:rPr lang="en-US" sz="2400" i="1">
+                                  <a:latin typeface="Cambria Math" panose="02040503050406030204" pitchFamily="18" charset="0"/>
+                                  <a:ea typeface="Cambria Math" panose="02040503050406030204" pitchFamily="18" charset="0"/>
+                                </a:rPr>
+                              </m:ctrlPr>
+                            </m:sSubPr>
+                            <m:e>
+                              <m:r>
+                                <a:rPr lang="en-US" sz="2400" i="1">
+                                  <a:latin typeface="Cambria Math" panose="02040503050406030204" pitchFamily="18" charset="0"/>
+                                  <a:ea typeface="Cambria Math" panose="02040503050406030204" pitchFamily="18" charset="0"/>
+                                </a:rPr>
+                                <m:t>𝑆</m:t>
+                              </m:r>
+                            </m:e>
+                            <m:sub>
+                              <m:r>
+                                <a:rPr lang="en-US" sz="2400" i="1">
+                                  <a:latin typeface="Cambria Math" panose="02040503050406030204" pitchFamily="18" charset="0"/>
+                                  <a:ea typeface="Cambria Math" panose="02040503050406030204" pitchFamily="18" charset="0"/>
+                                </a:rPr>
+                                <m:t>𝑖</m:t>
+                              </m:r>
+                            </m:sub>
+                          </m:sSub>
+                          <m:r>
+                            <a:rPr lang="en-US" sz="2400" b="0" i="1" smtClean="0">
+                              <a:latin typeface="Cambria Math" panose="02040503050406030204" pitchFamily="18" charset="0"/>
+                            </a:rPr>
+                            <m:t>}</m:t>
+                          </m:r>
+                          <m:r>
+                            <a:rPr lang="en-US" sz="2400" b="0" i="1" smtClean="0">
+                              <a:latin typeface="Cambria Math" panose="02040503050406030204" pitchFamily="18" charset="0"/>
+                              <a:ea typeface="Cambria Math" panose="02040503050406030204" pitchFamily="18" charset="0"/>
+                            </a:rPr>
+                            <m:t>|</m:t>
+                          </m:r>
+                        </m:num>
+                        <m:den>
+                          <m:r>
+                            <a:rPr lang="en-US" sz="2400" b="0" i="1" smtClean="0">
+                              <a:latin typeface="Cambria Math" panose="02040503050406030204" pitchFamily="18" charset="0"/>
+                            </a:rPr>
+                            <m:t>𝑛</m:t>
+                          </m:r>
+                        </m:den>
+                      </m:f>
+                      <m:r>
+                        <a:rPr lang="en-US" sz="2400" b="0" i="1" smtClean="0">
+                          <a:latin typeface="Cambria Math" panose="02040503050406030204" pitchFamily="18" charset="0"/>
+                        </a:rPr>
+                        <m:t> </m:t>
+                      </m:r>
+                    </m:oMath>
+                  </m:oMathPara>
+                </a14:m>
+                <a:endParaRPr lang="en-US" sz="3200" dirty="0"/>
+              </a:p>
+            </p:txBody>
+          </p:sp>
+        </mc:Choice>
+        <mc:Fallback>
+          <p:sp>
+            <p:nvSpPr>
+              <p:cNvPr id="5" name="TextBox 4">
+                <a:extLst>
+                  <a:ext uri="{FF2B5EF4-FFF2-40B4-BE49-F238E27FC236}">
+                    <a16:creationId xmlns:a16="http://schemas.microsoft.com/office/drawing/2014/main" id="{A09284CA-4E37-4CE3-9215-4C3F5EE98ABB}"/>
+                  </a:ext>
+                </a:extLst>
+              </p:cNvPr>
+              <p:cNvSpPr txBox="1">
+                <a:spLocks noRot="1" noChangeAspect="1" noMove="1" noResize="1" noEditPoints="1" noAdjustHandles="1" noChangeArrowheads="1" noChangeShapeType="1" noTextEdit="1"/>
+              </p:cNvSpPr>
+              <p:nvPr/>
+            </p:nvSpPr>
+            <p:spPr>
+              <a:xfrm>
+                <a:off x="4007042" y="3538067"/>
+                <a:ext cx="3304944" cy="822960"/>
+              </a:xfrm>
+              <a:prstGeom prst="rect">
+                <a:avLst/>
+              </a:prstGeom>
+              <a:blipFill>
+                <a:blip r:embed="rId3"/>
+                <a:stretch>
+                  <a:fillRect/>
+                </a:stretch>
+              </a:blipFill>
+              <a:ln>
+                <a:solidFill>
+                  <a:schemeClr val="tx1"/>
+                </a:solidFill>
+              </a:ln>
+            </p:spPr>
+            <p:txBody>
+              <a:bodyPr/>
+              <a:lstStyle/>
+              <a:p>
+                <a:r>
+                  <a:rPr lang="en-US">
+                    <a:noFill/>
+                  </a:rPr>
+                  <a:t> </a:t>
+                </a:r>
+              </a:p>
+            </p:txBody>
+          </p:sp>
+        </mc:Fallback>
+      </mc:AlternateContent>
+      <mc:AlternateContent xmlns:mc="http://schemas.openxmlformats.org/markup-compatibility/2006">
+        <mc:Choice xmlns:a14="http://schemas.microsoft.com/office/drawing/2010/main" Requires="a14">
+          <p:sp>
+            <p:nvSpPr>
+              <p:cNvPr id="6" name="TextBox 5">
+                <a:extLst>
+                  <a:ext uri="{FF2B5EF4-FFF2-40B4-BE49-F238E27FC236}">
+                    <a16:creationId xmlns:a16="http://schemas.microsoft.com/office/drawing/2014/main" id="{93AF2028-EC21-4AB8-B69C-2D88B440BE0B}"/>
+                  </a:ext>
+                </a:extLst>
+              </p:cNvPr>
+              <p:cNvSpPr txBox="1"/>
+              <p:nvPr/>
+            </p:nvSpPr>
+            <p:spPr>
+              <a:xfrm>
+                <a:off x="4555682" y="5092231"/>
+                <a:ext cx="2286000" cy="856132"/>
+              </a:xfrm>
+              <a:prstGeom prst="rect">
+                <a:avLst/>
+              </a:prstGeom>
+              <a:noFill/>
+              <a:ln>
+                <a:solidFill>
+                  <a:schemeClr val="tx1"/>
+                </a:solidFill>
+              </a:ln>
+            </p:spPr>
+            <p:txBody>
+              <a:bodyPr wrap="square" lIns="0" tIns="0" rIns="0" bIns="0" rtlCol="0">
+                <a:spAutoFit/>
+              </a:bodyPr>
+              <a:lstStyle/>
+              <a:p>
+                <a:pPr/>
+                <a14:m>
+                  <m:oMathPara xmlns:m="http://schemas.openxmlformats.org/officeDocument/2006/math">
+                    <m:oMathParaPr>
+                      <m:jc m:val="centerGroup"/>
+                    </m:oMathParaPr>
+                    <m:oMath xmlns:m="http://schemas.openxmlformats.org/officeDocument/2006/math">
+                      <m:sSub>
+                        <m:sSubPr>
+                          <m:ctrlPr>
+                            <a:rPr lang="en-US" sz="2400" i="1" smtClean="0">
+                              <a:latin typeface="Cambria Math" panose="02040503050406030204" pitchFamily="18" charset="0"/>
+                            </a:rPr>
+                          </m:ctrlPr>
+                        </m:sSubPr>
+                        <m:e>
+                          <m:r>
+                            <a:rPr lang="en-US" sz="2400" b="0" i="1" smtClean="0">
+                              <a:latin typeface="Cambria Math" panose="02040503050406030204" pitchFamily="18" charset="0"/>
+                            </a:rPr>
+                            <m:t>𝑚</m:t>
+                          </m:r>
+                        </m:e>
+                        <m:sub>
+                          <m:r>
+                            <a:rPr lang="en-US" sz="2400" i="1">
+                              <a:latin typeface="Cambria Math" panose="02040503050406030204" pitchFamily="18" charset="0"/>
+                            </a:rPr>
+                            <m:t>𝑘</m:t>
+                          </m:r>
+                        </m:sub>
+                      </m:sSub>
+                      <m:r>
+                        <a:rPr lang="en-US" sz="2400" i="1">
+                          <a:latin typeface="Cambria Math" panose="02040503050406030204" pitchFamily="18" charset="0"/>
+                        </a:rPr>
+                        <m:t>= </m:t>
+                      </m:r>
+                      <m:f>
+                        <m:fPr>
+                          <m:ctrlPr>
+                            <a:rPr lang="en-US" sz="2400" i="1">
+                              <a:latin typeface="Cambria Math" panose="02040503050406030204" pitchFamily="18" charset="0"/>
+                            </a:rPr>
+                          </m:ctrlPr>
+                        </m:fPr>
+                        <m:num>
+                          <m:sSub>
+                            <m:sSubPr>
+                              <m:ctrlPr>
+                                <a:rPr lang="en-US" sz="2400" i="1" smtClean="0">
+                                  <a:latin typeface="Cambria Math" panose="02040503050406030204" pitchFamily="18" charset="0"/>
+                                </a:rPr>
+                              </m:ctrlPr>
+                            </m:sSubPr>
+                            <m:e>
+                              <m:r>
+                                <m:rPr>
+                                  <m:sty m:val="p"/>
+                                </m:rPr>
+                                <a:rPr lang="en-US" sz="2400" b="0" i="0" smtClean="0">
+                                  <a:latin typeface="Cambria Math" panose="02040503050406030204" pitchFamily="18" charset="0"/>
+                                </a:rPr>
+                                <m:t>Σ</m:t>
+                              </m:r>
+                            </m:e>
+                            <m:sub>
+                              <m:r>
+                                <a:rPr lang="en-US" sz="2400" b="0" i="1" smtClean="0">
+                                  <a:latin typeface="Cambria Math" panose="02040503050406030204" pitchFamily="18" charset="0"/>
+                                </a:rPr>
+                                <m:t>𝑖</m:t>
+                              </m:r>
+                            </m:sub>
+                          </m:sSub>
+                          <m:sSub>
+                            <m:sSubPr>
+                              <m:ctrlPr>
+                                <a:rPr lang="en-US" sz="2400" i="1" smtClean="0">
+                                  <a:latin typeface="Cambria Math" panose="02040503050406030204" pitchFamily="18" charset="0"/>
+                                </a:rPr>
+                              </m:ctrlPr>
+                            </m:sSubPr>
+                            <m:e>
+                              <m:r>
+                                <m:rPr>
+                                  <m:sty m:val="p"/>
+                                </m:rPr>
+                                <a:rPr lang="en-US" sz="2400" b="0" i="0" smtClean="0">
+                                  <a:latin typeface="Cambria Math" panose="02040503050406030204" pitchFamily="18" charset="0"/>
+                                </a:rPr>
+                                <m:t>Σ</m:t>
+                              </m:r>
+                            </m:e>
+                            <m:sub>
+                              <m:r>
+                                <a:rPr lang="en-US" sz="2400" b="0" i="1" smtClean="0">
+                                  <a:latin typeface="Cambria Math" panose="02040503050406030204" pitchFamily="18" charset="0"/>
+                                </a:rPr>
+                                <m:t>𝑗</m:t>
+                              </m:r>
+                              <m:r>
+                                <a:rPr lang="en-US" sz="2400" b="0" i="1" smtClean="0">
+                                  <a:latin typeface="Cambria Math" panose="02040503050406030204" pitchFamily="18" charset="0"/>
+                                </a:rPr>
+                                <m:t>:</m:t>
+                              </m:r>
+                              <m:sSub>
+                                <m:sSubPr>
+                                  <m:ctrlPr>
+                                    <a:rPr lang="en-US" sz="2400" b="0" i="1" smtClean="0">
+                                      <a:latin typeface="Cambria Math" panose="02040503050406030204" pitchFamily="18" charset="0"/>
+                                    </a:rPr>
+                                  </m:ctrlPr>
+                                </m:sSubPr>
+                                <m:e>
+                                  <m:r>
+                                    <a:rPr lang="en-US" sz="2400" b="0" i="1" smtClean="0">
+                                      <a:latin typeface="Cambria Math" panose="02040503050406030204" pitchFamily="18" charset="0"/>
+                                    </a:rPr>
+                                    <m:t>𝑘</m:t>
+                                  </m:r>
+                                </m:e>
+                                <m:sub>
+                                  <m:r>
+                                    <a:rPr lang="en-US" sz="2400" b="0" i="1" smtClean="0">
+                                      <a:latin typeface="Cambria Math" panose="02040503050406030204" pitchFamily="18" charset="0"/>
+                                    </a:rPr>
+                                    <m:t>𝑗</m:t>
+                                  </m:r>
+                                </m:sub>
+                              </m:sSub>
+                              <m:r>
+                                <a:rPr lang="en-US" sz="2400" b="0" i="1" smtClean="0">
+                                  <a:latin typeface="Cambria Math" panose="02040503050406030204" pitchFamily="18" charset="0"/>
+                                </a:rPr>
+                                <m:t>=</m:t>
+                              </m:r>
+                              <m:sSubSup>
+                                <m:sSubSupPr>
+                                  <m:ctrlPr>
+                                    <a:rPr lang="en-US" sz="2400" b="0" i="1" smtClean="0">
+                                      <a:latin typeface="Cambria Math" panose="02040503050406030204" pitchFamily="18" charset="0"/>
+                                      <a:ea typeface="Cambria Math" panose="02040503050406030204" pitchFamily="18" charset="0"/>
+                                    </a:rPr>
+                                  </m:ctrlPr>
+                                </m:sSubSupPr>
+                                <m:e>
+                                  <m:r>
+                                    <a:rPr lang="en-US" sz="2400" b="0" i="1" smtClean="0">
+                                      <a:latin typeface="Cambria Math" panose="02040503050406030204" pitchFamily="18" charset="0"/>
+                                      <a:ea typeface="Cambria Math" panose="02040503050406030204" pitchFamily="18" charset="0"/>
+                                    </a:rPr>
+                                    <m:t>𝑘</m:t>
+                                  </m:r>
+                                </m:e>
+                                <m:sub>
+                                  <m:r>
+                                    <a:rPr lang="en-US" sz="2400" i="1">
+                                      <a:latin typeface="Cambria Math" panose="02040503050406030204" pitchFamily="18" charset="0"/>
+                                      <a:ea typeface="Cambria Math" panose="02040503050406030204" pitchFamily="18" charset="0"/>
+                                    </a:rPr>
+                                    <m:t> </m:t>
+                                  </m:r>
+                                </m:sub>
+                                <m:sup>
+                                  <m:sSub>
+                                    <m:sSubPr>
+                                      <m:ctrlPr>
+                                        <a:rPr lang="en-US" sz="2400" i="1" smtClean="0">
+                                          <a:latin typeface="Cambria Math" panose="02040503050406030204" pitchFamily="18" charset="0"/>
+                                          <a:ea typeface="Cambria Math" panose="02040503050406030204" pitchFamily="18" charset="0"/>
+                                        </a:rPr>
+                                      </m:ctrlPr>
+                                    </m:sSubPr>
+                                    <m:e>
+                                      <m:r>
+                                        <a:rPr lang="en-US" sz="2400" b="0" i="1" smtClean="0">
+                                          <a:latin typeface="Cambria Math" panose="02040503050406030204" pitchFamily="18" charset="0"/>
+                                          <a:ea typeface="Cambria Math" panose="02040503050406030204" pitchFamily="18" charset="0"/>
+                                        </a:rPr>
+                                        <m:t>𝑣</m:t>
+                                      </m:r>
+                                    </m:e>
+                                    <m:sub>
+                                      <m:r>
+                                        <a:rPr lang="en-US" sz="2400" b="0" i="1" smtClean="0">
+                                          <a:latin typeface="Cambria Math" panose="02040503050406030204" pitchFamily="18" charset="0"/>
+                                          <a:ea typeface="Cambria Math" panose="02040503050406030204" pitchFamily="18" charset="0"/>
+                                        </a:rPr>
+                                        <m:t>𝑗</m:t>
+                                      </m:r>
+                                    </m:sub>
+                                  </m:sSub>
+                                </m:sup>
+                              </m:sSubSup>
+                            </m:sub>
+                          </m:sSub>
+                        </m:num>
+                        <m:den>
+                          <m:r>
+                            <a:rPr lang="en-US" sz="2400" b="0" i="1" smtClean="0">
+                              <a:latin typeface="Cambria Math" panose="02040503050406030204" pitchFamily="18" charset="0"/>
+                            </a:rPr>
+                            <m:t>𝑛</m:t>
+                          </m:r>
+                          <m:r>
+                            <a:rPr lang="en-US" sz="2400" b="0" i="1" smtClean="0">
+                              <a:latin typeface="Cambria Math" panose="02040503050406030204" pitchFamily="18" charset="0"/>
+                            </a:rPr>
+                            <m:t> ∗ </m:t>
+                          </m:r>
+                          <m:sSub>
+                            <m:sSubPr>
+                              <m:ctrlPr>
+                                <a:rPr lang="en-US" sz="2400" b="0" i="1" smtClean="0">
+                                  <a:latin typeface="Cambria Math" panose="02040503050406030204" pitchFamily="18" charset="0"/>
+                                </a:rPr>
+                              </m:ctrlPr>
+                            </m:sSubPr>
+                            <m:e>
+                              <m:r>
+                                <a:rPr lang="en-US" sz="2400" b="0" i="1" smtClean="0">
+                                  <a:latin typeface="Cambria Math" panose="02040503050406030204" pitchFamily="18" charset="0"/>
+                                </a:rPr>
+                                <m:t>𝑓</m:t>
+                              </m:r>
+                            </m:e>
+                            <m:sub>
+                              <m:r>
+                                <a:rPr lang="en-US" sz="2400" b="0" i="1" smtClean="0">
+                                  <a:latin typeface="Cambria Math" panose="02040503050406030204" pitchFamily="18" charset="0"/>
+                                </a:rPr>
+                                <m:t>𝑘</m:t>
+                              </m:r>
+                            </m:sub>
+                          </m:sSub>
+                          <m:r>
+                            <a:rPr lang="en-US" sz="2400" i="1">
+                              <a:latin typeface="Cambria Math" panose="02040503050406030204" pitchFamily="18" charset="0"/>
+                              <a:ea typeface="Cambria Math" panose="02040503050406030204" pitchFamily="18" charset="0"/>
+                            </a:rPr>
+                            <m:t> </m:t>
+                          </m:r>
+                        </m:den>
+                      </m:f>
+                    </m:oMath>
+                  </m:oMathPara>
+                </a14:m>
+                <a:endParaRPr lang="en-US" sz="2400" dirty="0"/>
+              </a:p>
+            </p:txBody>
+          </p:sp>
+        </mc:Choice>
+        <mc:Fallback>
+          <p:sp>
+            <p:nvSpPr>
+              <p:cNvPr id="6" name="TextBox 5">
+                <a:extLst>
+                  <a:ext uri="{FF2B5EF4-FFF2-40B4-BE49-F238E27FC236}">
+                    <a16:creationId xmlns:a16="http://schemas.microsoft.com/office/drawing/2014/main" id="{93AF2028-EC21-4AB8-B69C-2D88B440BE0B}"/>
+                  </a:ext>
+                </a:extLst>
+              </p:cNvPr>
+              <p:cNvSpPr txBox="1">
+                <a:spLocks noRot="1" noChangeAspect="1" noMove="1" noResize="1" noEditPoints="1" noAdjustHandles="1" noChangeArrowheads="1" noChangeShapeType="1" noTextEdit="1"/>
+              </p:cNvSpPr>
+              <p:nvPr/>
+            </p:nvSpPr>
+            <p:spPr>
+              <a:xfrm>
+                <a:off x="4555682" y="5092231"/>
+                <a:ext cx="2286000" cy="856132"/>
+              </a:xfrm>
+              <a:prstGeom prst="rect">
+                <a:avLst/>
+              </a:prstGeom>
+              <a:blipFill>
+                <a:blip r:embed="rId4"/>
+                <a:stretch>
+                  <a:fillRect/>
+                </a:stretch>
+              </a:blipFill>
+              <a:ln>
+                <a:solidFill>
+                  <a:schemeClr val="tx1"/>
+                </a:solidFill>
+              </a:ln>
+            </p:spPr>
+            <p:txBody>
+              <a:bodyPr/>
+              <a:lstStyle/>
+              <a:p>
+                <a:r>
+                  <a:rPr lang="en-US">
+                    <a:noFill/>
+                  </a:rPr>
+                  <a:t> </a:t>
+                </a:r>
+              </a:p>
+            </p:txBody>
+          </p:sp>
+        </mc:Fallback>
+      </mc:AlternateContent>
+      <mc:AlternateContent xmlns:mc="http://schemas.openxmlformats.org/markup-compatibility/2006">
+        <mc:Choice xmlns:a14="http://schemas.microsoft.com/office/drawing/2010/main" Requires="a14">
+          <p:sp>
+            <p:nvSpPr>
+              <p:cNvPr id="7" name="TextBox 6">
+                <a:extLst>
+                  <a:ext uri="{FF2B5EF4-FFF2-40B4-BE49-F238E27FC236}">
+                    <a16:creationId xmlns:a16="http://schemas.microsoft.com/office/drawing/2014/main" id="{143EC392-076B-4B34-BE9B-80523B1AC2C9}"/>
+                  </a:ext>
+                </a:extLst>
+              </p:cNvPr>
+              <p:cNvSpPr txBox="1"/>
+              <p:nvPr/>
+            </p:nvSpPr>
+            <p:spPr>
+              <a:xfrm>
+                <a:off x="4007042" y="2177474"/>
+                <a:ext cx="3383280" cy="457200"/>
+              </a:xfrm>
+              <a:prstGeom prst="rect">
+                <a:avLst/>
+              </a:prstGeom>
+              <a:noFill/>
+              <a:ln w="9525">
+                <a:solidFill>
+                  <a:schemeClr val="tx1"/>
+                </a:solidFill>
+              </a:ln>
+            </p:spPr>
+            <p:txBody>
+              <a:bodyPr wrap="square" lIns="0" tIns="0" rIns="0" bIns="0" rtlCol="0">
+                <a:spAutoFit/>
+              </a:bodyPr>
+              <a:lstStyle/>
+              <a:p>
+                <a14:m>
+                  <m:oMathPara xmlns:m="http://schemas.openxmlformats.org/officeDocument/2006/math">
+                    <m:oMathParaPr>
+                      <m:jc m:val="centerGroup"/>
+                    </m:oMathParaPr>
+                    <m:oMath xmlns:m="http://schemas.openxmlformats.org/officeDocument/2006/math">
+                      <m:sSub>
+                        <m:sSubPr>
+                          <m:ctrlPr>
+                            <a:rPr lang="en-US" sz="2400" i="1" smtClean="0">
+                              <a:latin typeface="Cambria Math" panose="02040503050406030204" pitchFamily="18" charset="0"/>
+                            </a:rPr>
+                          </m:ctrlPr>
+                        </m:sSubPr>
+                        <m:e>
+                          <m:r>
+                            <a:rPr lang="en-US" sz="2400" i="1">
+                              <a:latin typeface="Cambria Math" panose="02040503050406030204" pitchFamily="18" charset="0"/>
+                            </a:rPr>
+                            <m:t>𝑆</m:t>
+                          </m:r>
+                        </m:e>
+                        <m:sub>
+                          <m:r>
+                            <a:rPr lang="en-US" sz="2400" i="1">
+                              <a:latin typeface="Cambria Math" panose="02040503050406030204" pitchFamily="18" charset="0"/>
+                            </a:rPr>
+                            <m:t>𝑖</m:t>
+                          </m:r>
+                        </m:sub>
+                      </m:sSub>
+                      <m:r>
+                        <a:rPr lang="en-US" sz="2400" i="1">
+                          <a:latin typeface="Cambria Math" panose="02040503050406030204" pitchFamily="18" charset="0"/>
+                        </a:rPr>
+                        <m:t>=</m:t>
+                      </m:r>
+                      <m:d>
+                        <m:dPr>
+                          <m:begChr m:val="{"/>
+                          <m:endChr m:val="|"/>
+                          <m:ctrlPr>
+                            <a:rPr lang="en-US" sz="2400" i="1">
+                              <a:latin typeface="Cambria Math" panose="02040503050406030204" pitchFamily="18" charset="0"/>
+                            </a:rPr>
+                          </m:ctrlPr>
+                        </m:dPr>
+                        <m:e>
+                          <m:d>
+                            <m:dPr>
+                              <m:begChr m:val="⟨"/>
+                              <m:endChr m:val="⟩"/>
+                              <m:ctrlPr>
+                                <a:rPr lang="en-US" sz="2400" i="1">
+                                  <a:latin typeface="Cambria Math" panose="02040503050406030204" pitchFamily="18" charset="0"/>
+                                </a:rPr>
+                              </m:ctrlPr>
+                            </m:dPr>
+                            <m:e>
+                              <m:sSub>
+                                <m:sSubPr>
+                                  <m:ctrlPr>
+                                    <a:rPr lang="en-US" sz="2400" i="1">
+                                      <a:latin typeface="Cambria Math" panose="02040503050406030204" pitchFamily="18" charset="0"/>
+                                    </a:rPr>
+                                  </m:ctrlPr>
+                                </m:sSubPr>
+                                <m:e>
+                                  <m:r>
+                                    <a:rPr lang="en-US" sz="2400" i="1">
+                                      <a:latin typeface="Cambria Math" panose="02040503050406030204" pitchFamily="18" charset="0"/>
+                                    </a:rPr>
+                                    <m:t>𝑘</m:t>
+                                  </m:r>
+                                </m:e>
+                                <m:sub>
+                                  <m:r>
+                                    <a:rPr lang="en-US" sz="2400" b="0" i="1" smtClean="0">
+                                      <a:latin typeface="Cambria Math" panose="02040503050406030204" pitchFamily="18" charset="0"/>
+                                    </a:rPr>
+                                    <m:t>𝑗</m:t>
+                                  </m:r>
+                                </m:sub>
+                              </m:sSub>
+                              <m:r>
+                                <a:rPr lang="en-US" sz="2400" i="1">
+                                  <a:latin typeface="Cambria Math" panose="02040503050406030204" pitchFamily="18" charset="0"/>
+                                </a:rPr>
+                                <m:t>, </m:t>
+                              </m:r>
+                              <m:sSub>
+                                <m:sSubPr>
+                                  <m:ctrlPr>
+                                    <a:rPr lang="en-US" sz="2400" i="1">
+                                      <a:latin typeface="Cambria Math" panose="02040503050406030204" pitchFamily="18" charset="0"/>
+                                    </a:rPr>
+                                  </m:ctrlPr>
+                                </m:sSubPr>
+                                <m:e>
+                                  <m:r>
+                                    <a:rPr lang="en-US" sz="2400" i="1">
+                                      <a:latin typeface="Cambria Math" panose="02040503050406030204" pitchFamily="18" charset="0"/>
+                                    </a:rPr>
+                                    <m:t>𝑣</m:t>
+                                  </m:r>
+                                </m:e>
+                                <m:sub>
+                                  <m:r>
+                                    <a:rPr lang="en-US" sz="2400" i="1">
+                                      <a:latin typeface="Cambria Math" panose="02040503050406030204" pitchFamily="18" charset="0"/>
+                                    </a:rPr>
+                                    <m:t>𝑗</m:t>
+                                  </m:r>
+                                </m:sub>
+                              </m:sSub>
+                            </m:e>
+                          </m:d>
+                          <m:r>
+                            <a:rPr lang="en-US" sz="2400" i="1">
+                              <a:latin typeface="Cambria Math" panose="02040503050406030204" pitchFamily="18" charset="0"/>
+                            </a:rPr>
+                            <m:t> </m:t>
+                          </m:r>
+                        </m:e>
+                      </m:d>
+                      <m:r>
+                        <a:rPr lang="en-US" sz="2400" i="1">
+                          <a:latin typeface="Cambria Math" panose="02040503050406030204" pitchFamily="18" charset="0"/>
+                        </a:rPr>
+                        <m:t> 1≤</m:t>
+                      </m:r>
+                      <m:r>
+                        <a:rPr lang="en-US" sz="2400" i="1">
+                          <a:latin typeface="Cambria Math" panose="02040503050406030204" pitchFamily="18" charset="0"/>
+                        </a:rPr>
+                        <m:t>𝑗</m:t>
+                      </m:r>
+                      <m:r>
+                        <a:rPr lang="en-US" sz="2400" i="1">
+                          <a:latin typeface="Cambria Math" panose="02040503050406030204" pitchFamily="18" charset="0"/>
+                        </a:rPr>
+                        <m:t>≤</m:t>
+                      </m:r>
+                      <m:sSub>
+                        <m:sSubPr>
+                          <m:ctrlPr>
+                            <a:rPr lang="en-US" sz="2400" i="1">
+                              <a:latin typeface="Cambria Math" panose="02040503050406030204" pitchFamily="18" charset="0"/>
+                            </a:rPr>
+                          </m:ctrlPr>
+                        </m:sSubPr>
+                        <m:e>
+                          <m:r>
+                            <a:rPr lang="en-US" sz="2400" i="1">
+                              <a:latin typeface="Cambria Math" panose="02040503050406030204" pitchFamily="18" charset="0"/>
+                            </a:rPr>
+                            <m:t>𝑙</m:t>
+                          </m:r>
+                        </m:e>
+                        <m:sub>
+                          <m:r>
+                            <a:rPr lang="en-US" sz="2400" i="1">
+                              <a:latin typeface="Cambria Math" panose="02040503050406030204" pitchFamily="18" charset="0"/>
+                            </a:rPr>
+                            <m:t>𝑖</m:t>
+                          </m:r>
+                        </m:sub>
+                      </m:sSub>
+                      <m:r>
+                        <a:rPr lang="en-US" sz="2400" i="1">
+                          <a:latin typeface="Cambria Math" panose="02040503050406030204" pitchFamily="18" charset="0"/>
+                        </a:rPr>
+                        <m:t>}</m:t>
+                      </m:r>
+                    </m:oMath>
+                  </m:oMathPara>
+                </a14:m>
+                <a:endParaRPr lang="en-US" sz="2400" dirty="0"/>
+              </a:p>
+              <a:p>
+                <a:endParaRPr lang="en-US" sz="3200" dirty="0"/>
+              </a:p>
+            </p:txBody>
+          </p:sp>
+        </mc:Choice>
+        <mc:Fallback>
+          <p:sp>
+            <p:nvSpPr>
+              <p:cNvPr id="7" name="TextBox 6">
+                <a:extLst>
+                  <a:ext uri="{FF2B5EF4-FFF2-40B4-BE49-F238E27FC236}">
+                    <a16:creationId xmlns:a16="http://schemas.microsoft.com/office/drawing/2014/main" id="{143EC392-076B-4B34-BE9B-80523B1AC2C9}"/>
+                  </a:ext>
+                </a:extLst>
+              </p:cNvPr>
+              <p:cNvSpPr txBox="1">
+                <a:spLocks noRot="1" noChangeAspect="1" noMove="1" noResize="1" noEditPoints="1" noAdjustHandles="1" noChangeArrowheads="1" noChangeShapeType="1" noTextEdit="1"/>
+              </p:cNvSpPr>
+              <p:nvPr/>
+            </p:nvSpPr>
+            <p:spPr>
+              <a:xfrm>
+                <a:off x="4007042" y="2177474"/>
+                <a:ext cx="3383280" cy="457200"/>
+              </a:xfrm>
+              <a:prstGeom prst="rect">
+                <a:avLst/>
+              </a:prstGeom>
+              <a:blipFill>
+                <a:blip r:embed="rId5"/>
+                <a:stretch>
+                  <a:fillRect/>
+                </a:stretch>
+              </a:blipFill>
+              <a:ln w="9525">
+                <a:solidFill>
+                  <a:schemeClr val="tx1"/>
+                </a:solidFill>
+              </a:ln>
+            </p:spPr>
+            <p:txBody>
+              <a:bodyPr/>
+              <a:lstStyle/>
+              <a:p>
+                <a:r>
+                  <a:rPr lang="en-US">
+                    <a:noFill/>
+                  </a:rPr>
+                  <a:t> </a:t>
+                </a:r>
+              </a:p>
+            </p:txBody>
+          </p:sp>
+        </mc:Fallback>
+      </mc:AlternateContent>
+    </p:spTree>
+    <p:extLst>
+      <p:ext uri="{BB962C8B-B14F-4D97-AF65-F5344CB8AC3E}">
+        <p14:creationId xmlns:p14="http://schemas.microsoft.com/office/powerpoint/2010/main" val="2814000760"/>
+      </p:ext>
+    </p:extLst>
+  </p:cSld>
+  <p:clrMapOvr>
+    <a:masterClrMapping/>
+  </p:clrMapOvr>
+</p:sld>
+</file>
+
+<file path=ppt/slides/slide11.xml><?xml version="1.0" encoding="utf-8"?>
+<p:sld xmlns:a="http://schemas.openxmlformats.org/drawingml/2006/main" xmlns:r="http://schemas.openxmlformats.org/officeDocument/2006/relationships" xmlns:p="http://schemas.openxmlformats.org/presentationml/2006/main">
+  <p:cSld>
+    <p:spTree>
+      <p:nvGrpSpPr>
+        <p:cNvPr id="1" name=""/>
+        <p:cNvGrpSpPr/>
+        <p:nvPr/>
+      </p:nvGrpSpPr>
+      <p:grpSpPr>
+        <a:xfrm>
+          <a:off x="0" y="0"/>
+          <a:ext cx="0" cy="0"/>
+          <a:chOff x="0" y="0"/>
+          <a:chExt cx="0" cy="0"/>
+        </a:xfrm>
+      </p:grpSpPr>
+      <p:sp>
+        <p:nvSpPr>
+          <p:cNvPr id="2" name="Title 1">
+            <a:extLst>
+              <a:ext uri="{FF2B5EF4-FFF2-40B4-BE49-F238E27FC236}">
+                <a16:creationId xmlns:a16="http://schemas.microsoft.com/office/drawing/2014/main" id="{3C816E1C-43A8-42D5-836A-532529211BF8}"/>
+              </a:ext>
+            </a:extLst>
+          </p:cNvPr>
+          <p:cNvSpPr>
+            <a:spLocks noGrp="1"/>
+          </p:cNvSpPr>
+          <p:nvPr>
+            <p:ph type="title"/>
+          </p:nvPr>
+        </p:nvSpPr>
+        <p:spPr>
+          <a:xfrm>
+            <a:off x="838200" y="365125"/>
+            <a:ext cx="10515600" cy="1325563"/>
+          </a:xfrm>
+        </p:spPr>
+        <p:txBody>
+          <a:bodyPr/>
+          <a:lstStyle/>
+          <a:p>
+            <a:r>
+              <a:rPr lang="en-US" dirty="0"/>
+              <a:t>Flawed Key Perturbation Protocol</a:t>
+            </a:r>
+          </a:p>
+        </p:txBody>
+      </p:sp>
+      <p:pic>
+        <p:nvPicPr>
+          <p:cNvPr id="6" name="Content Placeholder 5" descr="A screenshot of a cell phone&#10;&#10;Description automatically generated">
+            <a:extLst>
+              <a:ext uri="{FF2B5EF4-FFF2-40B4-BE49-F238E27FC236}">
+                <a16:creationId xmlns:a16="http://schemas.microsoft.com/office/drawing/2014/main" id="{57892619-71C7-43A4-BEDE-461C0E929582}"/>
+              </a:ext>
+            </a:extLst>
+          </p:cNvPr>
+          <p:cNvPicPr>
+            <a:picLocks noGrp="1" noChangeAspect="1"/>
+          </p:cNvPicPr>
+          <p:nvPr>
+            <p:ph idx="1"/>
+          </p:nvPr>
+        </p:nvPicPr>
+        <p:blipFill>
+          <a:blip r:embed="rId2">
+            <a:extLst>
+              <a:ext uri="{28A0092B-C50C-407E-A947-70E740481C1C}">
+                <a14:useLocalDpi xmlns:a14="http://schemas.microsoft.com/office/drawing/2010/main" val="0"/>
+              </a:ext>
+            </a:extLst>
+          </a:blip>
+          <a:stretch>
+            <a:fillRect/>
+          </a:stretch>
+        </p:blipFill>
+        <p:spPr>
+          <a:xfrm>
+            <a:off x="2547814" y="1415356"/>
+            <a:ext cx="7096372" cy="2686128"/>
+          </a:xfrm>
+        </p:spPr>
+      </p:pic>
+      <p:sp>
+        <p:nvSpPr>
+          <p:cNvPr id="4" name="Footer Placeholder 3">
+            <a:extLst>
+              <a:ext uri="{FF2B5EF4-FFF2-40B4-BE49-F238E27FC236}">
+                <a16:creationId xmlns:a16="http://schemas.microsoft.com/office/drawing/2014/main" id="{3A00C7F4-2A6A-4A32-A7E8-74ADB91FAC16}"/>
+              </a:ext>
+            </a:extLst>
+          </p:cNvPr>
+          <p:cNvSpPr>
+            <a:spLocks noGrp="1"/>
+          </p:cNvSpPr>
+          <p:nvPr>
+            <p:ph type="ftr" sz="quarter" idx="11"/>
+          </p:nvPr>
+        </p:nvSpPr>
+        <p:spPr>
+          <a:xfrm>
+            <a:off x="7239000" y="6356349"/>
+            <a:ext cx="4114800" cy="365125"/>
+          </a:xfrm>
+        </p:spPr>
+        <p:txBody>
+          <a:bodyPr/>
+          <a:lstStyle/>
+          <a:p>
+            <a:endParaRPr lang="en-US" dirty="0"/>
+          </a:p>
+        </p:txBody>
+      </p:sp>
+      <mc:AlternateContent xmlns:mc="http://schemas.openxmlformats.org/markup-compatibility/2006">
+        <mc:Choice xmlns:a14="http://schemas.microsoft.com/office/drawing/2010/main" Requires="a14">
+          <p:sp>
+            <p:nvSpPr>
+              <p:cNvPr id="7" name="TextBox 6">
+                <a:extLst>
+                  <a:ext uri="{FF2B5EF4-FFF2-40B4-BE49-F238E27FC236}">
+                    <a16:creationId xmlns:a16="http://schemas.microsoft.com/office/drawing/2014/main" id="{50408EA1-CE8E-4688-ADDB-17C7A22B50F0}"/>
+                  </a:ext>
+                </a:extLst>
+              </p:cNvPr>
+              <p:cNvSpPr txBox="1"/>
+              <p:nvPr/>
+            </p:nvSpPr>
+            <p:spPr>
+              <a:xfrm>
+                <a:off x="838200" y="4250202"/>
+                <a:ext cx="10515600" cy="1200585"/>
+              </a:xfrm>
+              <a:prstGeom prst="rect">
+                <a:avLst/>
+              </a:prstGeom>
+              <a:noFill/>
+            </p:spPr>
+            <p:txBody>
+              <a:bodyPr wrap="square" rtlCol="0">
+                <a:spAutoFit/>
+              </a:bodyPr>
+              <a:lstStyle/>
+              <a:p>
+                <a:pPr marL="285750" indent="-285750">
+                  <a:buFont typeface="Arial" panose="020B0604020202020204" pitchFamily="34" charset="0"/>
+                  <a:buChar char="•"/>
+                </a:pPr>
+                <a:r>
+                  <a:rPr lang="en-US" dirty="0">
+                    <a:latin typeface="Times New Roman" panose="02020603050405020304" pitchFamily="18" charset="0"/>
+                    <a:cs typeface="Times New Roman" panose="02020603050405020304" pitchFamily="18" charset="0"/>
+                  </a:rPr>
+                  <a:t>Conversion Process (all KV pairs are sorted in ascending order by keys):</a:t>
+                </a:r>
+              </a:p>
+              <a:p>
+                <a:pPr marL="742950" lvl="1" indent="-285750">
+                  <a:buFont typeface="Arial" panose="020B0604020202020204" pitchFamily="34" charset="0"/>
+                  <a:buChar char="•"/>
+                </a:pPr>
+                <a14:m>
+                  <m:oMath xmlns:m="http://schemas.openxmlformats.org/officeDocument/2006/math">
+                    <m:d>
+                      <m:dPr>
+                        <m:begChr m:val="⟨"/>
+                        <m:endChr m:val="⟩"/>
+                        <m:ctrlPr>
+                          <a:rPr lang="en-US" i="1" smtClean="0">
+                            <a:latin typeface="Cambria Math" panose="02040503050406030204" pitchFamily="18" charset="0"/>
+                          </a:rPr>
+                        </m:ctrlPr>
+                      </m:dPr>
+                      <m:e>
+                        <m:r>
+                          <a:rPr lang="en-US" b="0" i="1" smtClean="0">
+                            <a:latin typeface="Cambria Math" panose="02040503050406030204" pitchFamily="18" charset="0"/>
+                          </a:rPr>
+                          <m:t>𝑘</m:t>
+                        </m:r>
+                        <m:r>
+                          <a:rPr lang="en-US" b="0" i="1" smtClean="0">
+                            <a:latin typeface="Cambria Math" panose="02040503050406030204" pitchFamily="18" charset="0"/>
+                          </a:rPr>
+                          <m:t>, </m:t>
+                        </m:r>
+                        <m:r>
+                          <a:rPr lang="en-US" b="0" i="1" smtClean="0">
+                            <a:latin typeface="Cambria Math" panose="02040503050406030204" pitchFamily="18" charset="0"/>
+                          </a:rPr>
+                          <m:t>𝑣</m:t>
+                        </m:r>
+                      </m:e>
+                    </m:d>
+                    <m:r>
+                      <a:rPr lang="en-US" b="0" i="1" smtClean="0">
+                        <a:latin typeface="Cambria Math" panose="02040503050406030204" pitchFamily="18" charset="0"/>
+                        <a:ea typeface="Cambria Math" panose="02040503050406030204" pitchFamily="18" charset="0"/>
+                      </a:rPr>
+                      <m:t>∈</m:t>
+                    </m:r>
+                    <m:sSub>
+                      <m:sSubPr>
+                        <m:ctrlPr>
+                          <a:rPr lang="en-US" b="0" i="1" smtClean="0">
+                            <a:latin typeface="Cambria Math" panose="02040503050406030204" pitchFamily="18" charset="0"/>
+                            <a:ea typeface="Cambria Math" panose="02040503050406030204" pitchFamily="18" charset="0"/>
+                          </a:rPr>
+                        </m:ctrlPr>
+                      </m:sSubPr>
+                      <m:e>
+                        <m:r>
+                          <a:rPr lang="en-US" b="0" i="1" smtClean="0">
+                            <a:latin typeface="Cambria Math" panose="02040503050406030204" pitchFamily="18" charset="0"/>
+                            <a:ea typeface="Cambria Math" panose="02040503050406030204" pitchFamily="18" charset="0"/>
+                          </a:rPr>
+                          <m:t>𝑆</m:t>
+                        </m:r>
+                      </m:e>
+                      <m:sub>
+                        <m:r>
+                          <a:rPr lang="en-US" b="0" i="1" smtClean="0">
+                            <a:latin typeface="Cambria Math" panose="02040503050406030204" pitchFamily="18" charset="0"/>
+                            <a:ea typeface="Cambria Math" panose="02040503050406030204" pitchFamily="18" charset="0"/>
+                          </a:rPr>
+                          <m:t>𝑖</m:t>
+                        </m:r>
+                      </m:sub>
+                    </m:sSub>
+                  </m:oMath>
+                </a14:m>
+                <a:r>
+                  <a:rPr lang="en-US" dirty="0"/>
+                  <a:t> </a:t>
+                </a:r>
+                <a:r>
+                  <a:rPr lang="en-US" dirty="0">
+                    <a:latin typeface="Times New Roman" panose="02020603050405020304" pitchFamily="18" charset="0"/>
+                    <a:cs typeface="Times New Roman" panose="02020603050405020304" pitchFamily="18" charset="0"/>
+                  </a:rPr>
+                  <a:t>is converted to </a:t>
+                </a:r>
+                <a14:m>
+                  <m:oMath xmlns:m="http://schemas.openxmlformats.org/officeDocument/2006/math">
+                    <m:d>
+                      <m:dPr>
+                        <m:begChr m:val="⟨"/>
+                        <m:endChr m:val="⟩"/>
+                        <m:ctrlPr>
+                          <a:rPr lang="en-US" i="1">
+                            <a:latin typeface="Cambria Math" panose="02040503050406030204" pitchFamily="18" charset="0"/>
+                          </a:rPr>
+                        </m:ctrlPr>
+                      </m:dPr>
+                      <m:e>
+                        <m:r>
+                          <a:rPr lang="en-US" b="0" i="1" smtClean="0">
+                            <a:latin typeface="Cambria Math" panose="02040503050406030204" pitchFamily="18" charset="0"/>
+                          </a:rPr>
+                          <m:t>1</m:t>
+                        </m:r>
+                        <m:r>
+                          <a:rPr lang="en-US" i="1">
+                            <a:latin typeface="Cambria Math" panose="02040503050406030204" pitchFamily="18" charset="0"/>
+                          </a:rPr>
+                          <m:t>, </m:t>
+                        </m:r>
+                        <m:r>
+                          <a:rPr lang="en-US" i="1">
+                            <a:latin typeface="Cambria Math" panose="02040503050406030204" pitchFamily="18" charset="0"/>
+                          </a:rPr>
+                          <m:t>𝑣</m:t>
+                        </m:r>
+                      </m:e>
+                    </m:d>
+                    <m:r>
+                      <a:rPr lang="en-US" i="1">
+                        <a:latin typeface="Cambria Math" panose="02040503050406030204" pitchFamily="18" charset="0"/>
+                        <a:ea typeface="Cambria Math" panose="02040503050406030204" pitchFamily="18" charset="0"/>
+                      </a:rPr>
+                      <m:t>∈</m:t>
+                    </m:r>
+                    <m:r>
+                      <a:rPr lang="en-US" b="0" i="1" smtClean="0">
+                        <a:latin typeface="Cambria Math" panose="02040503050406030204" pitchFamily="18" charset="0"/>
+                        <a:ea typeface="Cambria Math" panose="02040503050406030204" pitchFamily="18" charset="0"/>
+                      </a:rPr>
+                      <m:t> </m:t>
+                    </m:r>
+                    <m:sSubSup>
+                      <m:sSubSupPr>
+                        <m:ctrlPr>
+                          <a:rPr lang="en-US" b="0" i="1" smtClean="0">
+                            <a:latin typeface="Cambria Math" panose="02040503050406030204" pitchFamily="18" charset="0"/>
+                            <a:ea typeface="Cambria Math" panose="02040503050406030204" pitchFamily="18" charset="0"/>
+                          </a:rPr>
+                        </m:ctrlPr>
+                      </m:sSubSupPr>
+                      <m:e>
+                        <m:r>
+                          <a:rPr lang="en-US" b="0" i="1" smtClean="0">
+                            <a:latin typeface="Cambria Math" panose="02040503050406030204" pitchFamily="18" charset="0"/>
+                            <a:ea typeface="Cambria Math" panose="02040503050406030204" pitchFamily="18" charset="0"/>
+                          </a:rPr>
+                          <m:t>𝑆</m:t>
+                        </m:r>
+                      </m:e>
+                      <m:sub>
+                        <m:r>
+                          <a:rPr lang="en-US" b="0" i="1" smtClean="0">
+                            <a:latin typeface="Cambria Math" panose="02040503050406030204" pitchFamily="18" charset="0"/>
+                            <a:ea typeface="Cambria Math" panose="02040503050406030204" pitchFamily="18" charset="0"/>
+                          </a:rPr>
+                          <m:t>𝑖</m:t>
+                        </m:r>
+                      </m:sub>
+                      <m:sup>
+                        <m:r>
+                          <a:rPr lang="en-US" b="0" i="1" smtClean="0">
+                            <a:latin typeface="Cambria Math" panose="02040503050406030204" pitchFamily="18" charset="0"/>
+                            <a:ea typeface="Cambria Math" panose="02040503050406030204" pitchFamily="18" charset="0"/>
+                          </a:rPr>
+                          <m:t>′</m:t>
+                        </m:r>
+                      </m:sup>
+                    </m:sSubSup>
+                  </m:oMath>
+                </a14:m>
+                <a:endParaRPr lang="en-US" dirty="0"/>
+              </a:p>
+              <a:p>
+                <a:pPr marL="742950" lvl="1" indent="-285750">
+                  <a:buFont typeface="Arial" panose="020B0604020202020204" pitchFamily="34" charset="0"/>
+                  <a:buChar char="•"/>
+                </a:pPr>
+                <a:r>
+                  <a:rPr lang="en-US" dirty="0">
+                    <a:latin typeface="Times New Roman" panose="02020603050405020304" pitchFamily="18" charset="0"/>
+                    <a:cs typeface="Times New Roman" panose="02020603050405020304" pitchFamily="18" charset="0"/>
+                  </a:rPr>
+                  <a:t>For any KV pair that doesn’t exist, we add an empty </a:t>
+                </a:r>
+                <a14:m>
+                  <m:oMath xmlns:m="http://schemas.openxmlformats.org/officeDocument/2006/math">
+                    <m:d>
+                      <m:dPr>
+                        <m:begChr m:val="⟨"/>
+                        <m:endChr m:val="⟩"/>
+                        <m:ctrlPr>
+                          <a:rPr lang="en-US" i="1">
+                            <a:latin typeface="Cambria Math" panose="02040503050406030204" pitchFamily="18" charset="0"/>
+                          </a:rPr>
+                        </m:ctrlPr>
+                      </m:dPr>
+                      <m:e>
+                        <m:r>
+                          <a:rPr lang="en-US" b="0" i="1" smtClean="0">
+                            <a:latin typeface="Cambria Math" panose="02040503050406030204" pitchFamily="18" charset="0"/>
+                          </a:rPr>
+                          <m:t>0</m:t>
+                        </m:r>
+                        <m:r>
+                          <a:rPr lang="en-US" i="1">
+                            <a:latin typeface="Cambria Math" panose="02040503050406030204" pitchFamily="18" charset="0"/>
+                          </a:rPr>
+                          <m:t>, </m:t>
+                        </m:r>
+                        <m:r>
+                          <a:rPr lang="en-US" b="0" i="1" smtClean="0">
+                            <a:latin typeface="Cambria Math" panose="02040503050406030204" pitchFamily="18" charset="0"/>
+                          </a:rPr>
+                          <m:t>0</m:t>
+                        </m:r>
+                      </m:e>
+                    </m:d>
+                  </m:oMath>
+                </a14:m>
+                <a:endParaRPr lang="en-US" dirty="0">
+                  <a:latin typeface="Times New Roman" panose="02020603050405020304" pitchFamily="18" charset="0"/>
+                  <a:cs typeface="Times New Roman" panose="02020603050405020304" pitchFamily="18" charset="0"/>
+                </a:endParaRPr>
+              </a:p>
+              <a:p>
+                <a:pPr marL="285750" indent="-285750">
+                  <a:buFont typeface="Arial" panose="020B0604020202020204" pitchFamily="34" charset="0"/>
+                  <a:buChar char="•"/>
+                </a:pPr>
+                <a:endParaRPr lang="en-US" dirty="0"/>
+              </a:p>
+            </p:txBody>
+          </p:sp>
+        </mc:Choice>
+        <mc:Fallback>
+          <p:sp>
+            <p:nvSpPr>
+              <p:cNvPr id="7" name="TextBox 6">
+                <a:extLst>
+                  <a:ext uri="{FF2B5EF4-FFF2-40B4-BE49-F238E27FC236}">
+                    <a16:creationId xmlns:a16="http://schemas.microsoft.com/office/drawing/2014/main" id="{50408EA1-CE8E-4688-ADDB-17C7A22B50F0}"/>
+                  </a:ext>
+                </a:extLst>
+              </p:cNvPr>
+              <p:cNvSpPr txBox="1">
+                <a:spLocks noRot="1" noChangeAspect="1" noMove="1" noResize="1" noEditPoints="1" noAdjustHandles="1" noChangeArrowheads="1" noChangeShapeType="1" noTextEdit="1"/>
+              </p:cNvSpPr>
+              <p:nvPr/>
+            </p:nvSpPr>
+            <p:spPr>
+              <a:xfrm>
+                <a:off x="838200" y="4250202"/>
+                <a:ext cx="10515600" cy="1200585"/>
+              </a:xfrm>
+              <a:prstGeom prst="rect">
+                <a:avLst/>
+              </a:prstGeom>
+              <a:blipFill>
+                <a:blip r:embed="rId3"/>
+                <a:stretch>
+                  <a:fillRect l="-406" t="-2538"/>
+                </a:stretch>
+              </a:blipFill>
+            </p:spPr>
+            <p:txBody>
+              <a:bodyPr/>
+              <a:lstStyle/>
+              <a:p>
+                <a:r>
+                  <a:rPr lang="en-US">
+                    <a:noFill/>
+                  </a:rPr>
+                  <a:t> </a:t>
+                </a:r>
+              </a:p>
+            </p:txBody>
+          </p:sp>
+        </mc:Fallback>
+      </mc:AlternateContent>
+    </p:spTree>
+    <p:extLst>
+      <p:ext uri="{BB962C8B-B14F-4D97-AF65-F5344CB8AC3E}">
+        <p14:creationId xmlns:p14="http://schemas.microsoft.com/office/powerpoint/2010/main" val="1967558900"/>
+      </p:ext>
+    </p:extLst>
+  </p:cSld>
+  <p:clrMapOvr>
+    <a:masterClrMapping/>
+  </p:clrMapOvr>
+</p:sld>
+</file>
+
+<file path=ppt/slides/slide12.xml><?xml version="1.0" encoding="utf-8"?>
+<p:sld xmlns:a="http://schemas.openxmlformats.org/drawingml/2006/main" xmlns:r="http://schemas.openxmlformats.org/officeDocument/2006/relationships" xmlns:p="http://schemas.openxmlformats.org/presentationml/2006/main">
+  <p:cSld>
+    <p:spTree>
+      <p:nvGrpSpPr>
+        <p:cNvPr id="1" name=""/>
+        <p:cNvGrpSpPr/>
+        <p:nvPr/>
+      </p:nvGrpSpPr>
+      <p:grpSpPr>
+        <a:xfrm>
+          <a:off x="0" y="0"/>
+          <a:ext cx="0" cy="0"/>
+          <a:chOff x="0" y="0"/>
+          <a:chExt cx="0" cy="0"/>
+        </a:xfrm>
+      </p:grpSpPr>
+      <p:sp>
+        <p:nvSpPr>
+          <p:cNvPr id="2" name="Title 1">
+            <a:extLst>
+              <a:ext uri="{FF2B5EF4-FFF2-40B4-BE49-F238E27FC236}">
+                <a16:creationId xmlns:a16="http://schemas.microsoft.com/office/drawing/2014/main" id="{3C816E1C-43A8-42D5-836A-532529211BF8}"/>
+              </a:ext>
+            </a:extLst>
+          </p:cNvPr>
+          <p:cNvSpPr>
+            <a:spLocks noGrp="1"/>
+          </p:cNvSpPr>
+          <p:nvPr>
+            <p:ph type="title"/>
+          </p:nvPr>
+        </p:nvSpPr>
+        <p:spPr>
+          <a:xfrm>
+            <a:off x="838200" y="365125"/>
+            <a:ext cx="10515600" cy="1325563"/>
+          </a:xfrm>
+        </p:spPr>
+        <p:txBody>
+          <a:bodyPr/>
+          <a:lstStyle/>
+          <a:p>
+            <a:r>
+              <a:rPr lang="en-US" dirty="0"/>
+              <a:t>Flawed Key Perturbation Protocol</a:t>
+            </a:r>
+          </a:p>
+        </p:txBody>
+      </p:sp>
+      <p:pic>
+        <p:nvPicPr>
+          <p:cNvPr id="6" name="Content Placeholder 5" descr="A screenshot of a cell phone&#10;&#10;Description automatically generated">
+            <a:extLst>
+              <a:ext uri="{FF2B5EF4-FFF2-40B4-BE49-F238E27FC236}">
+                <a16:creationId xmlns:a16="http://schemas.microsoft.com/office/drawing/2014/main" id="{57892619-71C7-43A4-BEDE-461C0E929582}"/>
+              </a:ext>
+            </a:extLst>
+          </p:cNvPr>
+          <p:cNvPicPr>
+            <a:picLocks noGrp="1" noChangeAspect="1"/>
+          </p:cNvPicPr>
+          <p:nvPr>
+            <p:ph idx="1"/>
+          </p:nvPr>
+        </p:nvPicPr>
+        <p:blipFill>
+          <a:blip r:embed="rId2">
+            <a:extLst>
+              <a:ext uri="{28A0092B-C50C-407E-A947-70E740481C1C}">
+                <a14:useLocalDpi xmlns:a14="http://schemas.microsoft.com/office/drawing/2010/main" val="0"/>
+              </a:ext>
+            </a:extLst>
+          </a:blip>
+          <a:stretch>
+            <a:fillRect/>
+          </a:stretch>
+        </p:blipFill>
+        <p:spPr>
+          <a:xfrm>
+            <a:off x="2547814" y="1415356"/>
+            <a:ext cx="7096372" cy="2686128"/>
+          </a:xfrm>
+        </p:spPr>
+      </p:pic>
+      <p:sp>
+        <p:nvSpPr>
+          <p:cNvPr id="4" name="Footer Placeholder 3">
+            <a:extLst>
+              <a:ext uri="{FF2B5EF4-FFF2-40B4-BE49-F238E27FC236}">
+                <a16:creationId xmlns:a16="http://schemas.microsoft.com/office/drawing/2014/main" id="{3A00C7F4-2A6A-4A32-A7E8-74ADB91FAC16}"/>
+              </a:ext>
+            </a:extLst>
+          </p:cNvPr>
+          <p:cNvSpPr>
+            <a:spLocks noGrp="1"/>
+          </p:cNvSpPr>
+          <p:nvPr>
+            <p:ph type="ftr" sz="quarter" idx="11"/>
+          </p:nvPr>
+        </p:nvSpPr>
+        <p:spPr>
+          <a:xfrm>
+            <a:off x="7239000" y="6356349"/>
+            <a:ext cx="4114800" cy="365125"/>
+          </a:xfrm>
+        </p:spPr>
+        <p:txBody>
+          <a:bodyPr/>
+          <a:lstStyle/>
+          <a:p>
+            <a:endParaRPr lang="en-US" dirty="0"/>
+          </a:p>
+        </p:txBody>
+      </p:sp>
+      <p:sp>
+        <p:nvSpPr>
+          <p:cNvPr id="7" name="TextBox 6">
+            <a:extLst>
+              <a:ext uri="{FF2B5EF4-FFF2-40B4-BE49-F238E27FC236}">
+                <a16:creationId xmlns:a16="http://schemas.microsoft.com/office/drawing/2014/main" id="{50408EA1-CE8E-4688-ADDB-17C7A22B50F0}"/>
+              </a:ext>
+            </a:extLst>
+          </p:cNvPr>
+          <p:cNvSpPr txBox="1"/>
+          <p:nvPr/>
+        </p:nvSpPr>
+        <p:spPr>
+          <a:xfrm>
+            <a:off x="838200" y="4250202"/>
+            <a:ext cx="10515600" cy="2308324"/>
+          </a:xfrm>
+          <a:prstGeom prst="rect">
+            <a:avLst/>
+          </a:prstGeom>
+          <a:noFill/>
+        </p:spPr>
+        <p:txBody>
+          <a:bodyPr wrap="square" rtlCol="0">
+            <a:spAutoFit/>
+          </a:bodyPr>
+          <a:lstStyle/>
+          <a:p>
+            <a:pPr marL="285750" indent="-285750">
+              <a:buFont typeface="Arial" panose="020B0604020202020204" pitchFamily="34" charset="0"/>
+              <a:buChar char="•"/>
+            </a:pPr>
+            <a:r>
+              <a:rPr lang="en-US" dirty="0">
+                <a:latin typeface="Times New Roman" panose="02020603050405020304" pitchFamily="18" charset="0"/>
+                <a:cs typeface="Times New Roman" panose="02020603050405020304" pitchFamily="18" charset="0"/>
+              </a:rPr>
+              <a:t>Now all keys are either 0 or 1 (binary). By a certain probability, we change flip the key to its opposite so that the data collector cannot predict a user has had a KV pair. </a:t>
+            </a:r>
+          </a:p>
+          <a:p>
+            <a:pPr marL="285750" indent="-285750">
+              <a:buFont typeface="Arial" panose="020B0604020202020204" pitchFamily="34" charset="0"/>
+              <a:buChar char="•"/>
+            </a:pPr>
+            <a:r>
+              <a:rPr lang="en-US" dirty="0">
+                <a:latin typeface="Times New Roman" panose="02020603050405020304" pitchFamily="18" charset="0"/>
+                <a:cs typeface="Times New Roman" panose="02020603050405020304" pitchFamily="18" charset="0"/>
+              </a:rPr>
+              <a:t>The values are changed as follows:</a:t>
+            </a:r>
+          </a:p>
+          <a:p>
+            <a:pPr marL="742950" lvl="1" indent="-285750">
+              <a:buFont typeface="Arial" panose="020B0604020202020204" pitchFamily="34" charset="0"/>
+              <a:buChar char="•"/>
+            </a:pPr>
+            <a:r>
+              <a:rPr lang="en-US" dirty="0">
+                <a:latin typeface="Times New Roman" panose="02020603050405020304" pitchFamily="18" charset="0"/>
+                <a:cs typeface="Times New Roman" panose="02020603050405020304" pitchFamily="18" charset="0"/>
+              </a:rPr>
+              <a:t>If key is 1, then don’t change value.</a:t>
+            </a:r>
+          </a:p>
+          <a:p>
+            <a:pPr marL="742950" lvl="1" indent="-285750">
+              <a:buFont typeface="Arial" panose="020B0604020202020204" pitchFamily="34" charset="0"/>
+              <a:buChar char="•"/>
+            </a:pPr>
+            <a:r>
+              <a:rPr lang="en-US" dirty="0">
+                <a:latin typeface="Times New Roman" panose="02020603050405020304" pitchFamily="18" charset="0"/>
+                <a:cs typeface="Times New Roman" panose="02020603050405020304" pitchFamily="18" charset="0"/>
+              </a:rPr>
+              <a:t>If key is 0, then don’t change value.</a:t>
+            </a:r>
+          </a:p>
+          <a:p>
+            <a:pPr marL="742950" lvl="1" indent="-285750">
+              <a:buFont typeface="Arial" panose="020B0604020202020204" pitchFamily="34" charset="0"/>
+              <a:buChar char="•"/>
+            </a:pPr>
+            <a:r>
+              <a:rPr lang="en-US" dirty="0">
+                <a:latin typeface="Times New Roman" panose="02020603050405020304" pitchFamily="18" charset="0"/>
+                <a:cs typeface="Times New Roman" panose="02020603050405020304" pitchFamily="18" charset="0"/>
+              </a:rPr>
+              <a:t>If key went from 1 to 0, then set value to 0 since key is empty and missing. (Mean estimation preserved)</a:t>
+            </a:r>
+          </a:p>
+          <a:p>
+            <a:pPr marL="742950" lvl="1" indent="-285750">
+              <a:buFont typeface="Arial" panose="020B0604020202020204" pitchFamily="34" charset="0"/>
+              <a:buChar char="•"/>
+            </a:pPr>
+            <a:r>
+              <a:rPr lang="en-US" dirty="0">
+                <a:latin typeface="Times New Roman" panose="02020603050405020304" pitchFamily="18" charset="0"/>
+                <a:cs typeface="Times New Roman" panose="02020603050405020304" pitchFamily="18" charset="0"/>
+              </a:rPr>
+              <a:t>If key went from 0 to 1, then randomly set key a value between [-1, 1] in the continuous domain.</a:t>
+            </a:r>
+          </a:p>
+          <a:p>
+            <a:pPr marL="742950" lvl="1" indent="-285750">
+              <a:buFont typeface="Arial" panose="020B0604020202020204" pitchFamily="34" charset="0"/>
+              <a:buChar char="•"/>
+            </a:pPr>
+            <a:endParaRPr lang="en-US" dirty="0">
+              <a:latin typeface="Times New Roman" panose="02020603050405020304" pitchFamily="18" charset="0"/>
+              <a:cs typeface="Times New Roman" panose="02020603050405020304" pitchFamily="18" charset="0"/>
+            </a:endParaRPr>
+          </a:p>
+        </p:txBody>
+      </p:sp>
+    </p:spTree>
+    <p:extLst>
+      <p:ext uri="{BB962C8B-B14F-4D97-AF65-F5344CB8AC3E}">
+        <p14:creationId xmlns:p14="http://schemas.microsoft.com/office/powerpoint/2010/main" val="1452392931"/>
       </p:ext>
     </p:extLst>
   </p:cSld>
@@ -5292,8 +7380,8 @@
           </a:p>
         </p:txBody>
       </p:sp>
-      <mc:AlternateContent xmlns:mc="http://schemas.openxmlformats.org/markup-compatibility/2006">
-        <mc:Choice xmlns:a14="http://schemas.microsoft.com/office/drawing/2010/main" Requires="a14">
+      <mc:AlternateContent xmlns:mc="http://schemas.openxmlformats.org/markup-compatibility/2006" xmlns:a14="http://schemas.microsoft.com/office/drawing/2010/main">
+        <mc:Choice Requires="a14">
           <p:sp>
             <p:nvSpPr>
               <p:cNvPr id="3" name="Content Placeholder 2">
@@ -5836,7 +7924,7 @@
             </p:txBody>
           </p:sp>
         </mc:Choice>
-        <mc:Fallback>
+        <mc:Fallback xmlns="">
           <p:sp>
             <p:nvSpPr>
               <p:cNvPr id="3" name="Content Placeholder 2">
@@ -5917,7 +8005,7 @@
             </p:nvSpPr>
             <p:spPr>
               <a:xfrm>
-                <a:off x="2873406" y="2949607"/>
+                <a:off x="2873406" y="2754298"/>
                 <a:ext cx="6445188" cy="369332"/>
               </a:xfrm>
               <a:prstGeom prst="rect">
@@ -6202,7 +8290,7 @@
             </p:nvSpPr>
             <p:spPr>
               <a:xfrm>
-                <a:off x="2873406" y="2949607"/>
+                <a:off x="2873406" y="2754298"/>
                 <a:ext cx="6445188" cy="369332"/>
               </a:xfrm>
               <a:prstGeom prst="rect">
@@ -6396,8 +8484,8 @@
           </a:p>
         </p:txBody>
       </p:sp>
-      <mc:AlternateContent xmlns:mc="http://schemas.openxmlformats.org/markup-compatibility/2006">
-        <mc:Choice xmlns:a14="http://schemas.microsoft.com/office/drawing/2010/main" Requires="a14">
+      <mc:AlternateContent xmlns:mc="http://schemas.openxmlformats.org/markup-compatibility/2006" xmlns:a14="http://schemas.microsoft.com/office/drawing/2010/main">
+        <mc:Choice Requires="a14">
           <p:sp>
             <p:nvSpPr>
               <p:cNvPr id="3" name="Content Placeholder 2">
@@ -6543,7 +8631,7 @@
             </p:txBody>
           </p:sp>
         </mc:Choice>
-        <mc:Fallback>
+        <mc:Fallback xmlns="">
           <p:sp>
             <p:nvSpPr>
               <p:cNvPr id="3" name="Content Placeholder 2">
@@ -6757,8 +8845,8 @@
           </a:p>
         </p:txBody>
       </p:sp>
-      <mc:AlternateContent xmlns:mc="http://schemas.openxmlformats.org/markup-compatibility/2006">
-        <mc:Choice xmlns:a14="http://schemas.microsoft.com/office/drawing/2010/main" Requires="a14">
+      <mc:AlternateContent xmlns:mc="http://schemas.openxmlformats.org/markup-compatibility/2006" xmlns:a14="http://schemas.microsoft.com/office/drawing/2010/main">
+        <mc:Choice Requires="a14">
           <p:sp>
             <p:nvSpPr>
               <p:cNvPr id="3" name="Content Placeholder 2">
@@ -6849,7 +8937,7 @@
             </p:txBody>
           </p:sp>
         </mc:Choice>
-        <mc:Fallback>
+        <mc:Fallback xmlns="">
           <p:sp>
             <p:nvSpPr>
               <p:cNvPr id="3" name="Content Placeholder 2">
@@ -6925,25 +9013,33 @@
                   </a:ext>
                 </a:extLst>
               </p:cNvPr>
-              <p:cNvSpPr txBox="1"/>
+              <p:cNvSpPr txBox="1">
+                <a:spLocks noChangeAspect="1"/>
+              </p:cNvSpPr>
               <p:nvPr/>
             </p:nvSpPr>
             <p:spPr>
               <a:xfrm>
-                <a:off x="4572000" y="2530136"/>
-                <a:ext cx="1888659" cy="836704"/>
+                <a:off x="4614430" y="2432481"/>
+                <a:ext cx="2478828" cy="1188720"/>
               </a:xfrm>
               <a:prstGeom prst="rect">
                 <a:avLst/>
               </a:prstGeom>
               <a:noFill/>
+              <a:ln>
+                <a:solidFill>
+                  <a:schemeClr val="tx1"/>
+                </a:solidFill>
+              </a:ln>
             </p:spPr>
             <p:txBody>
-              <a:bodyPr wrap="none" lIns="0" tIns="0" rIns="0" bIns="0" rtlCol="0">
+              <a:bodyPr wrap="square" lIns="0" tIns="0" rIns="0" bIns="0" rtlCol="0">
                 <a:spAutoFit/>
               </a:bodyPr>
               <a:lstStyle/>
               <a:p>
+                <a:pPr/>
                 <a14:m>
                   <m:oMathPara xmlns:m="http://schemas.openxmlformats.org/officeDocument/2006/math">
                     <m:oMathParaPr>
@@ -6951,13 +9047,13 @@
                     </m:oMathParaPr>
                     <m:oMath xmlns:m="http://schemas.openxmlformats.org/officeDocument/2006/math">
                       <m:r>
-                        <a:rPr lang="en-US" sz="2800" b="0" i="1" smtClean="0">
+                        <a:rPr lang="en-US" sz="3600" b="0" i="1" smtClean="0">
                           <a:latin typeface="Cambria Math" panose="02040503050406030204" pitchFamily="18" charset="0"/>
                         </a:rPr>
                         <m:t>𝑝</m:t>
                       </m:r>
                       <m:r>
-                        <a:rPr lang="en-US" sz="2800" b="0" i="1" smtClean="0">
+                        <a:rPr lang="en-US" sz="3600" b="0" i="1" smtClean="0">
                           <a:latin typeface="Cambria Math" panose="02040503050406030204" pitchFamily="18" charset="0"/>
                         </a:rPr>
                         <m:t>= </m:t>
@@ -6965,7 +9061,7 @@
                       <m:f>
                         <m:fPr>
                           <m:ctrlPr>
-                            <a:rPr lang="en-US" sz="2800" b="0" i="1" smtClean="0">
+                            <a:rPr lang="en-US" sz="3600" b="0" i="1" smtClean="0">
                               <a:latin typeface="Cambria Math" panose="02040503050406030204" pitchFamily="18" charset="0"/>
                             </a:rPr>
                           </m:ctrlPr>
@@ -6974,14 +9070,14 @@
                           <m:sSup>
                             <m:sSupPr>
                               <m:ctrlPr>
-                                <a:rPr lang="en-US" sz="2800" b="0" i="1" smtClean="0">
+                                <a:rPr lang="en-US" sz="3600" b="0" i="1" smtClean="0">
                                   <a:latin typeface="Cambria Math" panose="02040503050406030204" pitchFamily="18" charset="0"/>
                                 </a:rPr>
                               </m:ctrlPr>
                             </m:sSupPr>
                             <m:e>
                               <m:r>
-                                <a:rPr lang="en-US" sz="2800" b="0" i="1" smtClean="0">
+                                <a:rPr lang="en-US" sz="3600" b="0" i="1" smtClean="0">
                                   <a:latin typeface="Cambria Math" panose="02040503050406030204" pitchFamily="18" charset="0"/>
                                 </a:rPr>
                                 <m:t>𝑒</m:t>
@@ -6989,7 +9085,7 @@
                             </m:e>
                             <m:sup>
                               <m:r>
-                                <a:rPr lang="en-US" sz="2800" i="1">
+                                <a:rPr lang="en-US" sz="3600" i="1">
                                   <a:latin typeface="Cambria Math" panose="02040503050406030204" pitchFamily="18" charset="0"/>
                                   <a:ea typeface="Cambria Math" panose="02040503050406030204" pitchFamily="18" charset="0"/>
                                 </a:rPr>
@@ -7000,7 +9096,7 @@
                         </m:num>
                         <m:den>
                           <m:r>
-                            <a:rPr lang="en-US" sz="2800" b="0" i="1" smtClean="0">
+                            <a:rPr lang="en-US" sz="3600" b="0" i="1" smtClean="0">
                               <a:latin typeface="Cambria Math" panose="02040503050406030204" pitchFamily="18" charset="0"/>
                             </a:rPr>
                             <m:t>1+</m:t>
@@ -7008,14 +9104,14 @@
                           <m:sSup>
                             <m:sSupPr>
                               <m:ctrlPr>
-                                <a:rPr lang="en-US" sz="2800" i="1">
+                                <a:rPr lang="en-US" sz="3600" i="1">
                                   <a:latin typeface="Cambria Math" panose="02040503050406030204" pitchFamily="18" charset="0"/>
                                 </a:rPr>
                               </m:ctrlPr>
                             </m:sSupPr>
                             <m:e>
                               <m:r>
-                                <a:rPr lang="en-US" sz="2800" i="1">
+                                <a:rPr lang="en-US" sz="3600" i="1">
                                   <a:latin typeface="Cambria Math" panose="02040503050406030204" pitchFamily="18" charset="0"/>
                                 </a:rPr>
                                 <m:t>𝑒</m:t>
@@ -7023,7 +9119,7 @@
                             </m:e>
                             <m:sup>
                               <m:r>
-                                <a:rPr lang="en-US" sz="2800" i="1">
+                                <a:rPr lang="en-US" sz="3600" i="1">
                                   <a:latin typeface="Cambria Math" panose="02040503050406030204" pitchFamily="18" charset="0"/>
                                   <a:ea typeface="Cambria Math" panose="02040503050406030204" pitchFamily="18" charset="0"/>
                                 </a:rPr>
@@ -7034,7 +9130,7 @@
                         </m:den>
                       </m:f>
                       <m:r>
-                        <a:rPr lang="en-US" sz="2800" b="0" i="1" smtClean="0">
+                        <a:rPr lang="en-US" sz="3600" b="0" i="1" smtClean="0">
                           <a:latin typeface="Cambria Math" panose="02040503050406030204" pitchFamily="18" charset="0"/>
                         </a:rPr>
                         <m:t> </m:t>
@@ -7042,7 +9138,7 @@
                     </m:oMath>
                   </m:oMathPara>
                 </a14:m>
-                <a:endParaRPr lang="en-US" sz="2800" dirty="0"/>
+                <a:endParaRPr lang="en-US" sz="3600" dirty="0"/>
               </a:p>
             </p:txBody>
           </p:sp>
@@ -7064,8 +9160,8 @@
             </p:nvSpPr>
             <p:spPr>
               <a:xfrm>
-                <a:off x="4572000" y="2530136"/>
-                <a:ext cx="1888659" cy="836704"/>
+                <a:off x="4614430" y="2432481"/>
+                <a:ext cx="2478828" cy="1188720"/>
               </a:xfrm>
               <a:prstGeom prst="rect">
                 <a:avLst/>
@@ -7076,6 +9172,11 @@
                   <a:fillRect/>
                 </a:stretch>
               </a:blipFill>
+              <a:ln>
+                <a:solidFill>
+                  <a:schemeClr val="tx1"/>
+                </a:solidFill>
+              </a:ln>
             </p:spPr>
             <p:txBody>
               <a:bodyPr/>
@@ -7108,20 +9209,26 @@
             </p:nvSpPr>
             <p:spPr>
               <a:xfrm>
-                <a:off x="4266980" y="4929175"/>
-                <a:ext cx="2498697" cy="891654"/>
+                <a:off x="4222592" y="4687773"/>
+                <a:ext cx="3421082" cy="1188720"/>
               </a:xfrm>
               <a:prstGeom prst="rect">
                 <a:avLst/>
               </a:prstGeom>
               <a:noFill/>
+              <a:ln>
+                <a:solidFill>
+                  <a:schemeClr val="tx1"/>
+                </a:solidFill>
+              </a:ln>
             </p:spPr>
             <p:txBody>
-              <a:bodyPr wrap="none" lIns="0" tIns="0" rIns="0" bIns="0" rtlCol="0">
+              <a:bodyPr wrap="square" lIns="0" tIns="0" rIns="0" bIns="0" rtlCol="0">
                 <a:spAutoFit/>
               </a:bodyPr>
               <a:lstStyle/>
               <a:p>
+                <a:pPr/>
                 <a14:m>
                   <m:oMathPara xmlns:m="http://schemas.openxmlformats.org/officeDocument/2006/math">
                     <m:oMathParaPr>
@@ -7131,14 +9238,14 @@
                       <m:sSup>
                         <m:sSupPr>
                           <m:ctrlPr>
-                            <a:rPr lang="en-US" sz="2800" i="1">
+                            <a:rPr lang="en-US" sz="3600" i="1">
                               <a:latin typeface="Cambria Math" panose="02040503050406030204" pitchFamily="18" charset="0"/>
                             </a:rPr>
                           </m:ctrlPr>
                         </m:sSupPr>
                         <m:e>
                           <m:r>
-                            <a:rPr lang="en-US" sz="2800" i="1">
+                            <a:rPr lang="en-US" sz="3600" i="1">
                               <a:latin typeface="Cambria Math" panose="02040503050406030204" pitchFamily="18" charset="0"/>
                             </a:rPr>
                             <m:t>𝑓</m:t>
@@ -7146,7 +9253,7 @@
                         </m:e>
                         <m:sup>
                           <m:r>
-                            <a:rPr lang="en-US" sz="2800" i="1">
+                            <a:rPr lang="en-US" sz="3600" i="1">
                               <a:latin typeface="Cambria Math" panose="02040503050406030204" pitchFamily="18" charset="0"/>
                             </a:rPr>
                             <m:t>′</m:t>
@@ -7154,7 +9261,7 @@
                         </m:sup>
                       </m:sSup>
                       <m:r>
-                        <a:rPr lang="en-US" sz="2800" i="1">
+                        <a:rPr lang="en-US" sz="3600" i="1">
                           <a:latin typeface="Cambria Math" panose="02040503050406030204" pitchFamily="18" charset="0"/>
                         </a:rPr>
                         <m:t>= </m:t>
@@ -7162,26 +9269,26 @@
                       <m:f>
                         <m:fPr>
                           <m:ctrlPr>
-                            <a:rPr lang="en-US" sz="2800" i="1">
+                            <a:rPr lang="en-US" sz="3600" i="1">
                               <a:latin typeface="Cambria Math" panose="02040503050406030204" pitchFamily="18" charset="0"/>
                             </a:rPr>
                           </m:ctrlPr>
                         </m:fPr>
                         <m:num>
                           <m:r>
-                            <a:rPr lang="en-US" sz="2800" i="1">
+                            <a:rPr lang="en-US" sz="3600" i="1">
                               <a:latin typeface="Cambria Math" panose="02040503050406030204" pitchFamily="18" charset="0"/>
                             </a:rPr>
                             <m:t>𝑝</m:t>
                           </m:r>
                           <m:r>
-                            <a:rPr lang="en-US" sz="2800" i="1">
+                            <a:rPr lang="en-US" sz="3600" i="1">
                               <a:latin typeface="Cambria Math" panose="02040503050406030204" pitchFamily="18" charset="0"/>
                             </a:rPr>
                             <m:t> −1+</m:t>
                           </m:r>
                           <m:r>
-                            <a:rPr lang="en-US" sz="2800" i="1">
+                            <a:rPr lang="en-US" sz="3600" i="1">
                               <a:latin typeface="Cambria Math" panose="02040503050406030204" pitchFamily="18" charset="0"/>
                             </a:rPr>
                             <m:t>𝑓</m:t>
@@ -7189,21 +9296,21 @@
                         </m:num>
                         <m:den>
                           <m:r>
-                            <a:rPr lang="en-US" sz="2800" i="1">
+                            <a:rPr lang="en-US" sz="3600" i="1">
                               <a:latin typeface="Cambria Math" panose="02040503050406030204" pitchFamily="18" charset="0"/>
                               <a:ea typeface="Cambria Math" panose="02040503050406030204" pitchFamily="18" charset="0"/>
                             </a:rPr>
                             <m:t>2</m:t>
                           </m:r>
                           <m:r>
-                            <a:rPr lang="en-US" sz="2800" i="1">
+                            <a:rPr lang="en-US" sz="3600" i="1">
                               <a:latin typeface="Cambria Math" panose="02040503050406030204" pitchFamily="18" charset="0"/>
                               <a:ea typeface="Cambria Math" panose="02040503050406030204" pitchFamily="18" charset="0"/>
                             </a:rPr>
                             <m:t>𝑝</m:t>
                           </m:r>
                           <m:r>
-                            <a:rPr lang="en-US" sz="2800" i="1">
+                            <a:rPr lang="en-US" sz="3600" i="1">
                               <a:latin typeface="Cambria Math" panose="02040503050406030204" pitchFamily="18" charset="0"/>
                               <a:ea typeface="Cambria Math" panose="02040503050406030204" pitchFamily="18" charset="0"/>
                             </a:rPr>
@@ -7214,7 +9321,7 @@
                     </m:oMath>
                   </m:oMathPara>
                 </a14:m>
-                <a:endParaRPr lang="en-US" sz="2800" dirty="0"/>
+                <a:endParaRPr lang="en-US" sz="3600" dirty="0"/>
               </a:p>
             </p:txBody>
           </p:sp>
@@ -7236,8 +9343,8 @@
             </p:nvSpPr>
             <p:spPr>
               <a:xfrm>
-                <a:off x="4266980" y="4929175"/>
-                <a:ext cx="2498697" cy="891654"/>
+                <a:off x="4222592" y="4687773"/>
+                <a:ext cx="3421082" cy="1188720"/>
               </a:xfrm>
               <a:prstGeom prst="rect">
                 <a:avLst/>
@@ -7248,6 +9355,11 @@
                   <a:fillRect/>
                 </a:stretch>
               </a:blipFill>
+              <a:ln>
+                <a:solidFill>
+                  <a:schemeClr val="tx1"/>
+                </a:solidFill>
+              </a:ln>
             </p:spPr>
             <p:txBody>
               <a:bodyPr/>

--- a/CS-6223/hw/Grad_Project/Final Documents/PrivKV Differential Privacy for Key Value Structured Data.pptx
+++ b/CS-6223/hw/Grad_Project/Final Documents/PrivKV Differential Privacy for Key Value Structured Data.pptx
@@ -5,10 +5,10 @@
     <p:sldMasterId id="2147483696" r:id="rId1"/>
   </p:sldMasterIdLst>
   <p:notesMasterIdLst>
-    <p:notesMasterId r:id="rId14"/>
+    <p:notesMasterId r:id="rId18"/>
   </p:notesMasterIdLst>
   <p:handoutMasterIdLst>
-    <p:handoutMasterId r:id="rId15"/>
+    <p:handoutMasterId r:id="rId19"/>
   </p:handoutMasterIdLst>
   <p:sldIdLst>
     <p:sldId id="256" r:id="rId2"/>
@@ -17,12 +17,16 @@
     <p:sldId id="259" r:id="rId5"/>
     <p:sldId id="260" r:id="rId6"/>
     <p:sldId id="261" r:id="rId7"/>
-    <p:sldId id="262" r:id="rId8"/>
+    <p:sldId id="269" r:id="rId8"/>
     <p:sldId id="263" r:id="rId9"/>
     <p:sldId id="264" r:id="rId10"/>
     <p:sldId id="267" r:id="rId11"/>
     <p:sldId id="265" r:id="rId12"/>
     <p:sldId id="266" r:id="rId13"/>
+    <p:sldId id="268" r:id="rId14"/>
+    <p:sldId id="270" r:id="rId15"/>
+    <p:sldId id="272" r:id="rId16"/>
+    <p:sldId id="271" r:id="rId17"/>
   </p:sldIdLst>
   <p:sldSz cx="12192000" cy="6858000"/>
   <p:notesSz cx="6858000" cy="9144000"/>
@@ -782,6 +786,584 @@
     <p:extLst>
       <p:ext uri="{BB962C8B-B14F-4D97-AF65-F5344CB8AC3E}">
         <p14:creationId xmlns:p14="http://schemas.microsoft.com/office/powerpoint/2010/main" val="2281397275"/>
+      </p:ext>
+    </p:extLst>
+  </p:cSld>
+  <p:clrMapOvr>
+    <a:masterClrMapping/>
+  </p:clrMapOvr>
+</p:notes>
+</file>
+
+<file path=ppt/notesSlides/notesSlide3.xml><?xml version="1.0" encoding="utf-8"?>
+<p:notes xmlns:a="http://schemas.openxmlformats.org/drawingml/2006/main" xmlns:r="http://schemas.openxmlformats.org/officeDocument/2006/relationships" xmlns:p="http://schemas.openxmlformats.org/presentationml/2006/main">
+  <p:cSld>
+    <p:spTree>
+      <p:nvGrpSpPr>
+        <p:cNvPr id="1" name=""/>
+        <p:cNvGrpSpPr/>
+        <p:nvPr/>
+      </p:nvGrpSpPr>
+      <p:grpSpPr>
+        <a:xfrm>
+          <a:off x="0" y="0"/>
+          <a:ext cx="0" cy="0"/>
+          <a:chOff x="0" y="0"/>
+          <a:chExt cx="0" cy="0"/>
+        </a:xfrm>
+      </p:grpSpPr>
+      <p:sp>
+        <p:nvSpPr>
+          <p:cNvPr id="2" name="Slide Image Placeholder 1"/>
+          <p:cNvSpPr>
+            <a:spLocks noGrp="1" noRot="1" noChangeAspect="1"/>
+          </p:cNvSpPr>
+          <p:nvPr>
+            <p:ph type="sldImg"/>
+          </p:nvPr>
+        </p:nvSpPr>
+        <p:spPr/>
+      </p:sp>
+      <p:sp>
+        <p:nvSpPr>
+          <p:cNvPr id="3" name="Notes Placeholder 2"/>
+          <p:cNvSpPr>
+            <a:spLocks noGrp="1"/>
+          </p:cNvSpPr>
+          <p:nvPr>
+            <p:ph type="body" idx="1"/>
+          </p:nvPr>
+        </p:nvSpPr>
+        <p:spPr/>
+        <p:txBody>
+          <a:bodyPr/>
+          <a:lstStyle/>
+          <a:p>
+            <a:r>
+              <a:rPr lang="en-US" dirty="0"/>
+              <a:t>YA = (p* EP) + (1-p)(1-EP)</a:t>
+            </a:r>
+          </a:p>
+          <a:p>
+            <a:r>
+              <a:rPr lang="en-US" dirty="0"/>
+              <a:t>NA = (1 – EP)p + EP(1-p)</a:t>
+            </a:r>
+          </a:p>
+          <a:p>
+            <a:endParaRPr lang="en-US" dirty="0"/>
+          </a:p>
+          <a:p>
+            <a:r>
+              <a:rPr lang="en-US" dirty="0"/>
+              <a:t>Don’t get too caught up in the math, just know the basic concept.</a:t>
+            </a:r>
+          </a:p>
+        </p:txBody>
+      </p:sp>
+    </p:spTree>
+    <p:extLst>
+      <p:ext uri="{BB962C8B-B14F-4D97-AF65-F5344CB8AC3E}">
+        <p14:creationId xmlns:p14="http://schemas.microsoft.com/office/powerpoint/2010/main" val="4182804374"/>
+      </p:ext>
+    </p:extLst>
+  </p:cSld>
+  <p:clrMapOvr>
+    <a:masterClrMapping/>
+  </p:clrMapOvr>
+</p:notes>
+</file>
+
+<file path=ppt/notesSlides/notesSlide4.xml><?xml version="1.0" encoding="utf-8"?>
+<p:notes xmlns:a="http://schemas.openxmlformats.org/drawingml/2006/main" xmlns:r="http://schemas.openxmlformats.org/officeDocument/2006/relationships" xmlns:p="http://schemas.openxmlformats.org/presentationml/2006/main">
+  <p:cSld>
+    <p:spTree>
+      <p:nvGrpSpPr>
+        <p:cNvPr id="1" name=""/>
+        <p:cNvGrpSpPr/>
+        <p:nvPr/>
+      </p:nvGrpSpPr>
+      <p:grpSpPr>
+        <a:xfrm>
+          <a:off x="0" y="0"/>
+          <a:ext cx="0" cy="0"/>
+          <a:chOff x="0" y="0"/>
+          <a:chExt cx="0" cy="0"/>
+        </a:xfrm>
+      </p:grpSpPr>
+      <p:sp>
+        <p:nvSpPr>
+          <p:cNvPr id="2" name="Slide Image Placeholder 1"/>
+          <p:cNvSpPr>
+            <a:spLocks noGrp="1" noRot="1" noChangeAspect="1"/>
+          </p:cNvSpPr>
+          <p:nvPr>
+            <p:ph type="sldImg"/>
+          </p:nvPr>
+        </p:nvSpPr>
+        <p:spPr/>
+      </p:sp>
+      <p:sp>
+        <p:nvSpPr>
+          <p:cNvPr id="3" name="Notes Placeholder 2"/>
+          <p:cNvSpPr>
+            <a:spLocks noGrp="1"/>
+          </p:cNvSpPr>
+          <p:nvPr>
+            <p:ph type="body" idx="1"/>
+          </p:nvPr>
+        </p:nvSpPr>
+        <p:spPr/>
+        <p:txBody>
+          <a:bodyPr/>
+          <a:lstStyle/>
+          <a:p>
+            <a:r>
+              <a:rPr lang="en-US" dirty="0"/>
+              <a:t>Si is the set of KV pairs that user </a:t>
+            </a:r>
+            <a:r>
+              <a:rPr lang="en-US" dirty="0" err="1"/>
+              <a:t>ui</a:t>
+            </a:r>
+            <a:r>
+              <a:rPr lang="en-US" dirty="0"/>
+              <a:t> has.</a:t>
+            </a:r>
+          </a:p>
+          <a:p>
+            <a:r>
+              <a:rPr lang="en-US" dirty="0"/>
+              <a:t>Frequency is for each user they have a key in Si divided by n number of users.</a:t>
+            </a:r>
+          </a:p>
+          <a:p>
+            <a:r>
+              <a:rPr lang="en-US" dirty="0"/>
+              <a:t>Mean is the sum of all values that are all the same k that are owned by users n.</a:t>
+            </a:r>
+          </a:p>
+        </p:txBody>
+      </p:sp>
+    </p:spTree>
+    <p:extLst>
+      <p:ext uri="{BB962C8B-B14F-4D97-AF65-F5344CB8AC3E}">
+        <p14:creationId xmlns:p14="http://schemas.microsoft.com/office/powerpoint/2010/main" val="254549089"/>
+      </p:ext>
+    </p:extLst>
+  </p:cSld>
+  <p:clrMapOvr>
+    <a:masterClrMapping/>
+  </p:clrMapOvr>
+</p:notes>
+</file>
+
+<file path=ppt/notesSlides/notesSlide5.xml><?xml version="1.0" encoding="utf-8"?>
+<p:notes xmlns:a="http://schemas.openxmlformats.org/drawingml/2006/main" xmlns:r="http://schemas.openxmlformats.org/officeDocument/2006/relationships" xmlns:p="http://schemas.openxmlformats.org/presentationml/2006/main">
+  <p:cSld>
+    <p:spTree>
+      <p:nvGrpSpPr>
+        <p:cNvPr id="1" name=""/>
+        <p:cNvGrpSpPr/>
+        <p:nvPr/>
+      </p:nvGrpSpPr>
+      <p:grpSpPr>
+        <a:xfrm>
+          <a:off x="0" y="0"/>
+          <a:ext cx="0" cy="0"/>
+          <a:chOff x="0" y="0"/>
+          <a:chExt cx="0" cy="0"/>
+        </a:xfrm>
+      </p:grpSpPr>
+      <p:sp>
+        <p:nvSpPr>
+          <p:cNvPr id="2" name="Slide Image Placeholder 1"/>
+          <p:cNvSpPr>
+            <a:spLocks noGrp="1" noRot="1" noChangeAspect="1"/>
+          </p:cNvSpPr>
+          <p:nvPr>
+            <p:ph type="sldImg"/>
+          </p:nvPr>
+        </p:nvSpPr>
+        <p:spPr/>
+      </p:sp>
+      <p:sp>
+        <p:nvSpPr>
+          <p:cNvPr id="3" name="Notes Placeholder 2"/>
+          <p:cNvSpPr>
+            <a:spLocks noGrp="1"/>
+          </p:cNvSpPr>
+          <p:nvPr>
+            <p:ph type="body" idx="1"/>
+          </p:nvPr>
+        </p:nvSpPr>
+        <p:spPr/>
+        <p:txBody>
+          <a:bodyPr/>
+          <a:lstStyle/>
+          <a:p>
+            <a:r>
+              <a:rPr lang="en-US" dirty="0"/>
+              <a:t>NOTE: Be sure to point out the ids are sequential and sorted.</a:t>
+            </a:r>
+          </a:p>
+          <a:p>
+            <a:r>
+              <a:rPr lang="en-US" dirty="0"/>
+              <a:t>For &lt;0,0&gt; you basically add a value that DNE. Like here there is a skip between .5 and -.9 for id1 and id3 so we add a single &lt;0,0&gt; pair.</a:t>
+            </a:r>
+          </a:p>
+          <a:p>
+            <a:endParaRPr lang="en-US" dirty="0"/>
+          </a:p>
+        </p:txBody>
+      </p:sp>
+    </p:spTree>
+    <p:extLst>
+      <p:ext uri="{BB962C8B-B14F-4D97-AF65-F5344CB8AC3E}">
+        <p14:creationId xmlns:p14="http://schemas.microsoft.com/office/powerpoint/2010/main" val="716588273"/>
+      </p:ext>
+    </p:extLst>
+  </p:cSld>
+  <p:clrMapOvr>
+    <a:masterClrMapping/>
+  </p:clrMapOvr>
+</p:notes>
+</file>
+
+<file path=ppt/notesSlides/notesSlide6.xml><?xml version="1.0" encoding="utf-8"?>
+<p:notes xmlns:a="http://schemas.openxmlformats.org/drawingml/2006/main" xmlns:r="http://schemas.openxmlformats.org/officeDocument/2006/relationships" xmlns:p="http://schemas.openxmlformats.org/presentationml/2006/main">
+  <p:cSld>
+    <p:spTree>
+      <p:nvGrpSpPr>
+        <p:cNvPr id="1" name=""/>
+        <p:cNvGrpSpPr/>
+        <p:nvPr/>
+      </p:nvGrpSpPr>
+      <p:grpSpPr>
+        <a:xfrm>
+          <a:off x="0" y="0"/>
+          <a:ext cx="0" cy="0"/>
+          <a:chOff x="0" y="0"/>
+          <a:chExt cx="0" cy="0"/>
+        </a:xfrm>
+      </p:grpSpPr>
+      <p:sp>
+        <p:nvSpPr>
+          <p:cNvPr id="2" name="Slide Image Placeholder 1"/>
+          <p:cNvSpPr>
+            <a:spLocks noGrp="1" noRot="1" noChangeAspect="1"/>
+          </p:cNvSpPr>
+          <p:nvPr>
+            <p:ph type="sldImg"/>
+          </p:nvPr>
+        </p:nvSpPr>
+        <p:spPr/>
+      </p:sp>
+      <p:sp>
+        <p:nvSpPr>
+          <p:cNvPr id="3" name="Notes Placeholder 2"/>
+          <p:cNvSpPr>
+            <a:spLocks noGrp="1"/>
+          </p:cNvSpPr>
+          <p:nvPr>
+            <p:ph type="body" idx="1"/>
+          </p:nvPr>
+        </p:nvSpPr>
+        <p:spPr/>
+        <p:txBody>
+          <a:bodyPr/>
+          <a:lstStyle/>
+          <a:p>
+            <a:r>
+              <a:rPr lang="en-US" dirty="0"/>
+              <a:t>NOTE: Last step isn’t shown in the picture.</a:t>
+            </a:r>
+          </a:p>
+          <a:p>
+            <a:r>
+              <a:rPr lang="en-US" dirty="0"/>
+              <a:t>True values like if we see .4 or 1.2323 and then the next value after conversion is &lt;1,.2&gt; like hmmm that might be false.</a:t>
+            </a:r>
+          </a:p>
+          <a:p>
+            <a:r>
+              <a:rPr lang="en-US" dirty="0"/>
+              <a:t>If all true value mean = 0  or true mean = perturbed mean and all uniform perturbed keys are 0 or perturbed keys = - true mean then 0 mean. Total info loss.</a:t>
+            </a:r>
+          </a:p>
+        </p:txBody>
+      </p:sp>
+    </p:spTree>
+    <p:extLst>
+      <p:ext uri="{BB962C8B-B14F-4D97-AF65-F5344CB8AC3E}">
+        <p14:creationId xmlns:p14="http://schemas.microsoft.com/office/powerpoint/2010/main" val="230700625"/>
+      </p:ext>
+    </p:extLst>
+  </p:cSld>
+  <p:clrMapOvr>
+    <a:masterClrMapping/>
+  </p:clrMapOvr>
+</p:notes>
+</file>
+
+<file path=ppt/notesSlides/notesSlide7.xml><?xml version="1.0" encoding="utf-8"?>
+<p:notes xmlns:a="http://schemas.openxmlformats.org/drawingml/2006/main" xmlns:r="http://schemas.openxmlformats.org/officeDocument/2006/relationships" xmlns:p="http://schemas.openxmlformats.org/presentationml/2006/main">
+  <p:cSld>
+    <p:spTree>
+      <p:nvGrpSpPr>
+        <p:cNvPr id="1" name=""/>
+        <p:cNvGrpSpPr/>
+        <p:nvPr/>
+      </p:nvGrpSpPr>
+      <p:grpSpPr>
+        <a:xfrm>
+          <a:off x="0" y="0"/>
+          <a:ext cx="0" cy="0"/>
+          <a:chOff x="0" y="0"/>
+          <a:chExt cx="0" cy="0"/>
+        </a:xfrm>
+      </p:grpSpPr>
+      <p:sp>
+        <p:nvSpPr>
+          <p:cNvPr id="2" name="Slide Image Placeholder 1"/>
+          <p:cNvSpPr>
+            <a:spLocks noGrp="1" noRot="1" noChangeAspect="1"/>
+          </p:cNvSpPr>
+          <p:nvPr>
+            <p:ph type="sldImg"/>
+          </p:nvPr>
+        </p:nvSpPr>
+        <p:spPr/>
+      </p:sp>
+      <p:sp>
+        <p:nvSpPr>
+          <p:cNvPr id="3" name="Notes Placeholder 2"/>
+          <p:cNvSpPr>
+            <a:spLocks noGrp="1"/>
+          </p:cNvSpPr>
+          <p:nvPr>
+            <p:ph type="body" idx="1"/>
+          </p:nvPr>
+        </p:nvSpPr>
+        <p:spPr/>
+        <p:txBody>
+          <a:bodyPr/>
+          <a:lstStyle/>
+          <a:p>
+            <a:r>
+              <a:rPr lang="en-US" dirty="0"/>
+              <a:t>- “</a:t>
+            </a:r>
+            <a:r>
+              <a:rPr lang="en-US" sz="1200" kern="1200" dirty="0">
+                <a:solidFill>
+                  <a:schemeClr val="tx1"/>
+                </a:solidFill>
+                <a:effectLst/>
+                <a:latin typeface="+mn-lt"/>
+                <a:ea typeface="+mn-ea"/>
+                <a:cs typeface="+mn-cs"/>
+              </a:rPr>
+              <a:t>Each perturbed value in Harmony is simply scaled d times to counterbalance the effect of sampling, which may</a:t>
+            </a:r>
+          </a:p>
+          <a:p>
+            <a:r>
+              <a:rPr lang="en-US" sz="1200" kern="1200" dirty="0">
+                <a:solidFill>
+                  <a:schemeClr val="tx1"/>
+                </a:solidFill>
+                <a:effectLst/>
+                <a:latin typeface="+mn-lt"/>
+                <a:ea typeface="+mn-ea"/>
+                <a:cs typeface="+mn-cs"/>
+              </a:rPr>
+              <a:t>also cause </a:t>
+            </a:r>
+            <a:r>
+              <a:rPr lang="en-US" sz="1200" kern="1200">
+                <a:solidFill>
+                  <a:schemeClr val="tx1"/>
+                </a:solidFill>
+                <a:effectLst/>
+                <a:latin typeface="+mn-lt"/>
+                <a:ea typeface="+mn-ea"/>
+                <a:cs typeface="+mn-cs"/>
+              </a:rPr>
+              <a:t>bias.”</a:t>
+            </a:r>
+            <a:endParaRPr lang="en-US" sz="1200" kern="1200" dirty="0">
+              <a:solidFill>
+                <a:schemeClr val="tx1"/>
+              </a:solidFill>
+              <a:effectLst/>
+              <a:latin typeface="+mn-lt"/>
+              <a:ea typeface="+mn-ea"/>
+              <a:cs typeface="+mn-cs"/>
+            </a:endParaRPr>
+          </a:p>
+          <a:p>
+            <a:endParaRPr lang="en-US" dirty="0"/>
+          </a:p>
+        </p:txBody>
+      </p:sp>
+    </p:spTree>
+    <p:extLst>
+      <p:ext uri="{BB962C8B-B14F-4D97-AF65-F5344CB8AC3E}">
+        <p14:creationId xmlns:p14="http://schemas.microsoft.com/office/powerpoint/2010/main" val="2475620624"/>
+      </p:ext>
+    </p:extLst>
+  </p:cSld>
+  <p:clrMapOvr>
+    <a:masterClrMapping/>
+  </p:clrMapOvr>
+</p:notes>
+</file>
+
+<file path=ppt/notesSlides/notesSlide8.xml><?xml version="1.0" encoding="utf-8"?>
+<p:notes xmlns:a="http://schemas.openxmlformats.org/drawingml/2006/main" xmlns:r="http://schemas.openxmlformats.org/officeDocument/2006/relationships" xmlns:p="http://schemas.openxmlformats.org/presentationml/2006/main">
+  <p:cSld>
+    <p:spTree>
+      <p:nvGrpSpPr>
+        <p:cNvPr id="1" name=""/>
+        <p:cNvGrpSpPr/>
+        <p:nvPr/>
+      </p:nvGrpSpPr>
+      <p:grpSpPr>
+        <a:xfrm>
+          <a:off x="0" y="0"/>
+          <a:ext cx="0" cy="0"/>
+          <a:chOff x="0" y="0"/>
+          <a:chExt cx="0" cy="0"/>
+        </a:xfrm>
+      </p:grpSpPr>
+      <p:sp>
+        <p:nvSpPr>
+          <p:cNvPr id="2" name="Slide Image Placeholder 1"/>
+          <p:cNvSpPr>
+            <a:spLocks noGrp="1" noRot="1" noChangeAspect="1"/>
+          </p:cNvSpPr>
+          <p:nvPr>
+            <p:ph type="sldImg"/>
+          </p:nvPr>
+        </p:nvSpPr>
+        <p:spPr/>
+      </p:sp>
+      <p:sp>
+        <p:nvSpPr>
+          <p:cNvPr id="3" name="Notes Placeholder 2"/>
+          <p:cNvSpPr>
+            <a:spLocks noGrp="1"/>
+          </p:cNvSpPr>
+          <p:nvPr>
+            <p:ph type="body" idx="1"/>
+          </p:nvPr>
+        </p:nvSpPr>
+        <p:spPr/>
+        <p:txBody>
+          <a:bodyPr/>
+          <a:lstStyle/>
+          <a:p>
+            <a:r>
+              <a:rPr lang="en-US" dirty="0"/>
+              <a:t>3 changes:</a:t>
+            </a:r>
+          </a:p>
+          <a:p>
+            <a:pPr marL="171450" indent="-171450">
+              <a:buFontTx/>
+              <a:buChar char="-"/>
+            </a:pPr>
+            <a:r>
+              <a:rPr lang="en-US" dirty="0"/>
+              <a:t>Calibration step is given to data collector</a:t>
+            </a:r>
+          </a:p>
+          <a:p>
+            <a:pPr marL="171450" indent="-171450">
+              <a:buFontTx/>
+              <a:buChar char="-"/>
+            </a:pPr>
+            <a:endParaRPr lang="en-US" dirty="0"/>
+          </a:p>
+          <a:p>
+            <a:pPr marL="171450" indent="-171450">
+              <a:buFontTx/>
+              <a:buChar char="-"/>
+            </a:pPr>
+            <a:endParaRPr lang="en-US" dirty="0"/>
+          </a:p>
+          <a:p>
+            <a:endParaRPr lang="en-US" dirty="0"/>
+          </a:p>
+        </p:txBody>
+      </p:sp>
+    </p:spTree>
+    <p:extLst>
+      <p:ext uri="{BB962C8B-B14F-4D97-AF65-F5344CB8AC3E}">
+        <p14:creationId xmlns:p14="http://schemas.microsoft.com/office/powerpoint/2010/main" val="2390019148"/>
+      </p:ext>
+    </p:extLst>
+  </p:cSld>
+  <p:clrMapOvr>
+    <a:masterClrMapping/>
+  </p:clrMapOvr>
+</p:notes>
+</file>
+
+<file path=ppt/notesSlides/notesSlide9.xml><?xml version="1.0" encoding="utf-8"?>
+<p:notes xmlns:a="http://schemas.openxmlformats.org/drawingml/2006/main" xmlns:r="http://schemas.openxmlformats.org/officeDocument/2006/relationships" xmlns:p="http://schemas.openxmlformats.org/presentationml/2006/main">
+  <p:cSld>
+    <p:spTree>
+      <p:nvGrpSpPr>
+        <p:cNvPr id="1" name=""/>
+        <p:cNvGrpSpPr/>
+        <p:nvPr/>
+      </p:nvGrpSpPr>
+      <p:grpSpPr>
+        <a:xfrm>
+          <a:off x="0" y="0"/>
+          <a:ext cx="0" cy="0"/>
+          <a:chOff x="0" y="0"/>
+          <a:chExt cx="0" cy="0"/>
+        </a:xfrm>
+      </p:grpSpPr>
+      <p:sp>
+        <p:nvSpPr>
+          <p:cNvPr id="2" name="Slide Image Placeholder 1"/>
+          <p:cNvSpPr>
+            <a:spLocks noGrp="1" noRot="1" noChangeAspect="1"/>
+          </p:cNvSpPr>
+          <p:nvPr>
+            <p:ph type="sldImg"/>
+          </p:nvPr>
+        </p:nvSpPr>
+        <p:spPr/>
+      </p:sp>
+      <p:sp>
+        <p:nvSpPr>
+          <p:cNvPr id="3" name="Notes Placeholder 2"/>
+          <p:cNvSpPr>
+            <a:spLocks noGrp="1"/>
+          </p:cNvSpPr>
+          <p:nvPr>
+            <p:ph type="body" idx="1"/>
+          </p:nvPr>
+        </p:nvSpPr>
+        <p:spPr/>
+        <p:txBody>
+          <a:bodyPr/>
+          <a:lstStyle/>
+          <a:p>
+            <a:endParaRPr lang="en-US" dirty="0"/>
+          </a:p>
+        </p:txBody>
+      </p:sp>
+    </p:spTree>
+    <p:extLst>
+      <p:ext uri="{BB962C8B-B14F-4D97-AF65-F5344CB8AC3E}">
+        <p14:creationId xmlns:p14="http://schemas.microsoft.com/office/powerpoint/2010/main" val="1760818154"/>
       </p:ext>
     </p:extLst>
   </p:cSld>
@@ -4285,13 +4867,8 @@
           <a:p>
             <a:r>
               <a:rPr lang="en-US" dirty="0"/>
-              <a:t>Definition </a:t>
-            </a:r>
-            <a:r>
-              <a:rPr lang="en-US"/>
-              <a:t>of Key-Value Protocol</a:t>
-            </a:r>
-            <a:endParaRPr lang="en-US" dirty="0"/>
+              <a:t>Definition of Key-Value Protocol</a:t>
+            </a:r>
           </a:p>
         </p:txBody>
       </p:sp>
@@ -4549,7 +5126,23 @@
                 </a14:m>
                 <a:r>
                   <a:rPr lang="en-US" sz="2400" dirty="0"/>
-                  <a:t>, is the portion of users who possess a KV pair whose key is k:</a:t>
+                  <a:t>, is the portion of users who possess a KV pair whose key is </a:t>
+                </a:r>
+                <a:r>
+                  <a:rPr lang="en-US" sz="2400" i="1" dirty="0"/>
+                  <a:t>k</a:t>
+                </a:r>
+                <a:r>
+                  <a:rPr lang="en-US" sz="2400" dirty="0"/>
+                  <a:t> and </a:t>
+                </a:r>
+                <a:r>
+                  <a:rPr lang="en-US" sz="2400" i="1" dirty="0"/>
+                  <a:t>n </a:t>
+                </a:r>
+                <a:r>
+                  <a:rPr lang="en-US" sz="2400" dirty="0"/>
+                  <a:t>users:</a:t>
                 </a:r>
               </a:p>
               <a:p>
@@ -4609,7 +5202,23 @@
                 </a:r>
                 <a:r>
                   <a:rPr lang="en-US" sz="2400" i="1" dirty="0"/>
-                  <a:t>k:</a:t>
+                  <a:t>k </a:t>
+                </a:r>
+                <a:r>
+                  <a:rPr lang="en-US" sz="2400" dirty="0"/>
+                  <a:t>and </a:t>
+                </a:r>
+                <a:r>
+                  <a:rPr lang="en-US" sz="2400" i="1" dirty="0"/>
+                  <a:t>n</a:t>
+                </a:r>
+                <a:r>
+                  <a:rPr lang="en-US" sz="2400" dirty="0"/>
+                  <a:t> users</a:t>
+                </a:r>
+                <a:r>
+                  <a:rPr lang="en-US" sz="2400" i="1" dirty="0"/>
+                  <a:t>:</a:t>
                 </a:r>
                 <a:endParaRPr lang="en-US" sz="2400" dirty="0"/>
               </a:p>
@@ -4650,9 +5259,9 @@
             </p:nvSpPr>
             <p:spPr>
               <a:blipFill>
-                <a:blip r:embed="rId2"/>
+                <a:blip r:embed="rId3"/>
                 <a:stretch>
-                  <a:fillRect l="-812" t="-1821"/>
+                  <a:fillRect l="-812" t="-1821" r="-174"/>
                 </a:stretch>
               </a:blipFill>
             </p:spPr>
@@ -4949,7 +5558,7 @@
                 <a:avLst/>
               </a:prstGeom>
               <a:blipFill>
-                <a:blip r:embed="rId3"/>
+                <a:blip r:embed="rId4"/>
                 <a:stretch>
                   <a:fillRect/>
                 </a:stretch>
@@ -5288,7 +5897,7 @@
                 <a:avLst/>
               </a:prstGeom>
               <a:blipFill>
-                <a:blip r:embed="rId4"/>
+                <a:blip r:embed="rId5"/>
                 <a:stretch>
                   <a:fillRect/>
                 </a:stretch>
@@ -5558,7 +6167,7 @@
                 <a:avLst/>
               </a:prstGeom>
               <a:blipFill>
-                <a:blip r:embed="rId5"/>
+                <a:blip r:embed="rId6"/>
                 <a:stretch>
                   <a:fillRect/>
                 </a:stretch>
@@ -5642,46 +6251,11 @@
           <a:p>
             <a:r>
               <a:rPr lang="en-US" dirty="0"/>
-              <a:t>Flawed Key Perturbation Protocol</a:t>
-            </a:r>
-          </a:p>
-        </p:txBody>
-      </p:sp>
-      <p:pic>
-        <p:nvPicPr>
-          <p:cNvPr id="6" name="Content Placeholder 5" descr="A screenshot of a cell phone&#10;&#10;Description automatically generated">
-            <a:extLst>
-              <a:ext uri="{FF2B5EF4-FFF2-40B4-BE49-F238E27FC236}">
-                <a16:creationId xmlns:a16="http://schemas.microsoft.com/office/drawing/2014/main" id="{57892619-71C7-43A4-BEDE-461C0E929582}"/>
-              </a:ext>
-            </a:extLst>
-          </p:cNvPr>
-          <p:cNvPicPr>
-            <a:picLocks noGrp="1" noChangeAspect="1"/>
-          </p:cNvPicPr>
-          <p:nvPr>
-            <p:ph idx="1"/>
-          </p:nvPr>
-        </p:nvPicPr>
-        <p:blipFill>
-          <a:blip r:embed="rId2">
-            <a:extLst>
-              <a:ext uri="{28A0092B-C50C-407E-A947-70E740481C1C}">
-                <a14:useLocalDpi xmlns:a14="http://schemas.microsoft.com/office/drawing/2010/main" val="0"/>
-              </a:ext>
-            </a:extLst>
-          </a:blip>
-          <a:stretch>
-            <a:fillRect/>
-          </a:stretch>
-        </p:blipFill>
-        <p:spPr>
-          <a:xfrm>
-            <a:off x="2547814" y="1415356"/>
-            <a:ext cx="7096372" cy="2686128"/>
-          </a:xfrm>
-        </p:spPr>
-      </p:pic>
+              <a:t>Flawed Key-Value Perturbation Protocol</a:t>
+            </a:r>
+          </a:p>
+        </p:txBody>
+      </p:sp>
       <p:sp>
         <p:nvSpPr>
           <p:cNvPr id="4" name="Footer Placeholder 3">
@@ -6035,6 +6609,46 @@
           </p:sp>
         </mc:Fallback>
       </mc:AlternateContent>
+      <p:pic>
+        <p:nvPicPr>
+          <p:cNvPr id="13" name="Content Placeholder 5" descr="A screenshot of a cell phone&#10;&#10;Description automatically generated">
+            <a:extLst>
+              <a:ext uri="{FF2B5EF4-FFF2-40B4-BE49-F238E27FC236}">
+                <a16:creationId xmlns:a16="http://schemas.microsoft.com/office/drawing/2014/main" id="{3C3C689C-DB2F-4DB5-89C9-2EED1D931E19}"/>
+              </a:ext>
+            </a:extLst>
+          </p:cNvPr>
+          <p:cNvPicPr>
+            <a:picLocks noChangeAspect="1"/>
+          </p:cNvPicPr>
+          <p:nvPr/>
+        </p:nvPicPr>
+        <p:blipFill rotWithShape="1">
+          <a:blip r:embed="rId4">
+            <a:extLst>
+              <a:ext uri="{28A0092B-C50C-407E-A947-70E740481C1C}">
+                <a14:useLocalDpi xmlns:a14="http://schemas.microsoft.com/office/drawing/2010/main" val="0"/>
+              </a:ext>
+            </a:extLst>
+          </a:blip>
+          <a:srcRect l="1" r="1169"/>
+          <a:stretch/>
+        </p:blipFill>
+        <p:spPr>
+          <a:xfrm>
+            <a:off x="2547814" y="1415356"/>
+            <a:ext cx="7013436" cy="2686128"/>
+          </a:xfrm>
+          <a:prstGeom prst="rect">
+            <a:avLst/>
+          </a:prstGeom>
+          <a:ln>
+            <a:solidFill>
+              <a:schemeClr val="tx1"/>
+            </a:solidFill>
+          </a:ln>
+        </p:spPr>
+      </p:pic>
     </p:spTree>
     <p:extLst>
       <p:ext uri="{BB962C8B-B14F-4D97-AF65-F5344CB8AC3E}">
@@ -6093,46 +6707,11 @@
           <a:p>
             <a:r>
               <a:rPr lang="en-US" dirty="0"/>
-              <a:t>Flawed Key Perturbation Protocol</a:t>
-            </a:r>
-          </a:p>
-        </p:txBody>
-      </p:sp>
-      <p:pic>
-        <p:nvPicPr>
-          <p:cNvPr id="6" name="Content Placeholder 5" descr="A screenshot of a cell phone&#10;&#10;Description automatically generated">
-            <a:extLst>
-              <a:ext uri="{FF2B5EF4-FFF2-40B4-BE49-F238E27FC236}">
-                <a16:creationId xmlns:a16="http://schemas.microsoft.com/office/drawing/2014/main" id="{57892619-71C7-43A4-BEDE-461C0E929582}"/>
-              </a:ext>
-            </a:extLst>
-          </p:cNvPr>
-          <p:cNvPicPr>
-            <a:picLocks noGrp="1" noChangeAspect="1"/>
-          </p:cNvPicPr>
-          <p:nvPr>
-            <p:ph idx="1"/>
-          </p:nvPr>
-        </p:nvPicPr>
-        <p:blipFill>
-          <a:blip r:embed="rId2">
-            <a:extLst>
-              <a:ext uri="{28A0092B-C50C-407E-A947-70E740481C1C}">
-                <a14:useLocalDpi xmlns:a14="http://schemas.microsoft.com/office/drawing/2010/main" val="0"/>
-              </a:ext>
-            </a:extLst>
-          </a:blip>
-          <a:stretch>
-            <a:fillRect/>
-          </a:stretch>
-        </p:blipFill>
-        <p:spPr>
-          <a:xfrm>
-            <a:off x="2547814" y="1415356"/>
-            <a:ext cx="7096372" cy="2686128"/>
-          </a:xfrm>
-        </p:spPr>
-      </p:pic>
+              <a:t>Flawed Key-Value Perturbation Protocol</a:t>
+            </a:r>
+          </a:p>
+        </p:txBody>
+      </p:sp>
       <p:sp>
         <p:nvSpPr>
           <p:cNvPr id="4" name="Footer Placeholder 3">
@@ -6280,10 +6859,735 @@
           </a:p>
         </p:txBody>
       </p:sp>
+      <p:pic>
+        <p:nvPicPr>
+          <p:cNvPr id="11" name="Content Placeholder 5" descr="A screenshot of a cell phone&#10;&#10;Description automatically generated">
+            <a:extLst>
+              <a:ext uri="{FF2B5EF4-FFF2-40B4-BE49-F238E27FC236}">
+                <a16:creationId xmlns:a16="http://schemas.microsoft.com/office/drawing/2014/main" id="{CE5582FF-56FC-4470-9DC0-6EDD60B6D7FE}"/>
+              </a:ext>
+            </a:extLst>
+          </p:cNvPr>
+          <p:cNvPicPr>
+            <a:picLocks noChangeAspect="1"/>
+          </p:cNvPicPr>
+          <p:nvPr/>
+        </p:nvPicPr>
+        <p:blipFill rotWithShape="1">
+          <a:blip r:embed="rId2">
+            <a:extLst>
+              <a:ext uri="{28A0092B-C50C-407E-A947-70E740481C1C}">
+                <a14:useLocalDpi xmlns:a14="http://schemas.microsoft.com/office/drawing/2010/main" val="0"/>
+              </a:ext>
+            </a:extLst>
+          </a:blip>
+          <a:srcRect l="1" r="1169"/>
+          <a:stretch/>
+        </p:blipFill>
+        <p:spPr>
+          <a:xfrm>
+            <a:off x="2547814" y="1415356"/>
+            <a:ext cx="7013436" cy="2686128"/>
+          </a:xfrm>
+          <a:prstGeom prst="rect">
+            <a:avLst/>
+          </a:prstGeom>
+          <a:ln>
+            <a:solidFill>
+              <a:schemeClr val="tx1"/>
+            </a:solidFill>
+          </a:ln>
+        </p:spPr>
+      </p:pic>
     </p:spTree>
     <p:extLst>
       <p:ext uri="{BB962C8B-B14F-4D97-AF65-F5344CB8AC3E}">
         <p14:creationId xmlns:p14="http://schemas.microsoft.com/office/powerpoint/2010/main" val="1452392931"/>
+      </p:ext>
+    </p:extLst>
+  </p:cSld>
+  <p:clrMapOvr>
+    <a:masterClrMapping/>
+  </p:clrMapOvr>
+</p:sld>
+</file>
+
+<file path=ppt/slides/slide13.xml><?xml version="1.0" encoding="utf-8"?>
+<p:sld xmlns:a="http://schemas.openxmlformats.org/drawingml/2006/main" xmlns:r="http://schemas.openxmlformats.org/officeDocument/2006/relationships" xmlns:p="http://schemas.openxmlformats.org/presentationml/2006/main">
+  <p:cSld>
+    <p:spTree>
+      <p:nvGrpSpPr>
+        <p:cNvPr id="1" name=""/>
+        <p:cNvGrpSpPr/>
+        <p:nvPr/>
+      </p:nvGrpSpPr>
+      <p:grpSpPr>
+        <a:xfrm>
+          <a:off x="0" y="0"/>
+          <a:ext cx="0" cy="0"/>
+          <a:chOff x="0" y="0"/>
+          <a:chExt cx="0" cy="0"/>
+        </a:xfrm>
+      </p:grpSpPr>
+      <p:sp>
+        <p:nvSpPr>
+          <p:cNvPr id="2" name="Title 1">
+            <a:extLst>
+              <a:ext uri="{FF2B5EF4-FFF2-40B4-BE49-F238E27FC236}">
+                <a16:creationId xmlns:a16="http://schemas.microsoft.com/office/drawing/2014/main" id="{3C816E1C-43A8-42D5-836A-532529211BF8}"/>
+              </a:ext>
+            </a:extLst>
+          </p:cNvPr>
+          <p:cNvSpPr>
+            <a:spLocks noGrp="1"/>
+          </p:cNvSpPr>
+          <p:nvPr>
+            <p:ph type="title"/>
+          </p:nvPr>
+        </p:nvSpPr>
+        <p:spPr>
+          <a:xfrm>
+            <a:off x="838200" y="365125"/>
+            <a:ext cx="10515600" cy="1325563"/>
+          </a:xfrm>
+        </p:spPr>
+        <p:txBody>
+          <a:bodyPr/>
+          <a:lstStyle/>
+          <a:p>
+            <a:r>
+              <a:rPr lang="en-US" dirty="0"/>
+              <a:t>Flawed Key-Value Perturbation Protocol</a:t>
+            </a:r>
+          </a:p>
+        </p:txBody>
+      </p:sp>
+      <p:pic>
+        <p:nvPicPr>
+          <p:cNvPr id="6" name="Content Placeholder 5" descr="A screenshot of a cell phone&#10;&#10;Description automatically generated">
+            <a:extLst>
+              <a:ext uri="{FF2B5EF4-FFF2-40B4-BE49-F238E27FC236}">
+                <a16:creationId xmlns:a16="http://schemas.microsoft.com/office/drawing/2014/main" id="{57892619-71C7-43A4-BEDE-461C0E929582}"/>
+              </a:ext>
+            </a:extLst>
+          </p:cNvPr>
+          <p:cNvPicPr>
+            <a:picLocks noGrp="1" noChangeAspect="1"/>
+          </p:cNvPicPr>
+          <p:nvPr>
+            <p:ph idx="1"/>
+          </p:nvPr>
+        </p:nvPicPr>
+        <p:blipFill rotWithShape="1">
+          <a:blip r:embed="rId3">
+            <a:extLst>
+              <a:ext uri="{28A0092B-C50C-407E-A947-70E740481C1C}">
+                <a14:useLocalDpi xmlns:a14="http://schemas.microsoft.com/office/drawing/2010/main" val="0"/>
+              </a:ext>
+            </a:extLst>
+          </a:blip>
+          <a:srcRect l="1" r="1169"/>
+          <a:stretch/>
+        </p:blipFill>
+        <p:spPr>
+          <a:xfrm>
+            <a:off x="2547814" y="1415356"/>
+            <a:ext cx="7013436" cy="2686128"/>
+          </a:xfrm>
+          <a:ln>
+            <a:solidFill>
+              <a:schemeClr val="tx1"/>
+            </a:solidFill>
+          </a:ln>
+        </p:spPr>
+      </p:pic>
+      <p:sp>
+        <p:nvSpPr>
+          <p:cNvPr id="4" name="Footer Placeholder 3">
+            <a:extLst>
+              <a:ext uri="{FF2B5EF4-FFF2-40B4-BE49-F238E27FC236}">
+                <a16:creationId xmlns:a16="http://schemas.microsoft.com/office/drawing/2014/main" id="{3A00C7F4-2A6A-4A32-A7E8-74ADB91FAC16}"/>
+              </a:ext>
+            </a:extLst>
+          </p:cNvPr>
+          <p:cNvSpPr>
+            <a:spLocks noGrp="1"/>
+          </p:cNvSpPr>
+          <p:nvPr>
+            <p:ph type="ftr" sz="quarter" idx="11"/>
+          </p:nvPr>
+        </p:nvSpPr>
+        <p:spPr>
+          <a:xfrm>
+            <a:off x="7239000" y="6356349"/>
+            <a:ext cx="4114800" cy="365125"/>
+          </a:xfrm>
+        </p:spPr>
+        <p:txBody>
+          <a:bodyPr/>
+          <a:lstStyle/>
+          <a:p>
+            <a:endParaRPr lang="en-US" dirty="0"/>
+          </a:p>
+        </p:txBody>
+      </p:sp>
+      <p:sp>
+        <p:nvSpPr>
+          <p:cNvPr id="7" name="TextBox 6">
+            <a:extLst>
+              <a:ext uri="{FF2B5EF4-FFF2-40B4-BE49-F238E27FC236}">
+                <a16:creationId xmlns:a16="http://schemas.microsoft.com/office/drawing/2014/main" id="{50408EA1-CE8E-4688-ADDB-17C7A22B50F0}"/>
+              </a:ext>
+            </a:extLst>
+          </p:cNvPr>
+          <p:cNvSpPr txBox="1"/>
+          <p:nvPr/>
+        </p:nvSpPr>
+        <p:spPr>
+          <a:xfrm>
+            <a:off x="838200" y="4250202"/>
+            <a:ext cx="10515600" cy="1477328"/>
+          </a:xfrm>
+          <a:prstGeom prst="rect">
+            <a:avLst/>
+          </a:prstGeom>
+          <a:noFill/>
+        </p:spPr>
+        <p:txBody>
+          <a:bodyPr wrap="square" rtlCol="0">
+            <a:spAutoFit/>
+          </a:bodyPr>
+          <a:lstStyle/>
+          <a:p>
+            <a:pPr marL="285750" indent="-285750">
+              <a:buFont typeface="Arial" panose="020B0604020202020204" pitchFamily="34" charset="0"/>
+              <a:buChar char="•"/>
+            </a:pPr>
+            <a:r>
+              <a:rPr lang="en-US" dirty="0">
+                <a:latin typeface="Times New Roman" panose="02020603050405020304" pitchFamily="18" charset="0"/>
+                <a:cs typeface="Times New Roman" panose="02020603050405020304" pitchFamily="18" charset="0"/>
+              </a:rPr>
+              <a:t>The last step introduces a flaw since a random value is assigned (0 to 1). </a:t>
+            </a:r>
+          </a:p>
+          <a:p>
+            <a:pPr marL="742950" lvl="1" indent="-285750">
+              <a:buFont typeface="Arial" panose="020B0604020202020204" pitchFamily="34" charset="0"/>
+              <a:buChar char="•"/>
+            </a:pPr>
+            <a:r>
+              <a:rPr lang="en-US" dirty="0">
+                <a:latin typeface="Times New Roman" panose="02020603050405020304" pitchFamily="18" charset="0"/>
+                <a:cs typeface="Times New Roman" panose="02020603050405020304" pitchFamily="18" charset="0"/>
+              </a:rPr>
+              <a:t>Data collector will be able to guess a true value given many values with high confidence.</a:t>
+            </a:r>
+          </a:p>
+          <a:p>
+            <a:pPr marL="742950" lvl="1" indent="-285750">
+              <a:buFont typeface="Arial" panose="020B0604020202020204" pitchFamily="34" charset="0"/>
+              <a:buChar char="•"/>
+            </a:pPr>
+            <a:r>
+              <a:rPr lang="en-US" dirty="0">
+                <a:latin typeface="Times New Roman" panose="02020603050405020304" pitchFamily="18" charset="0"/>
+                <a:cs typeface="Times New Roman" panose="02020603050405020304" pitchFamily="18" charset="0"/>
+              </a:rPr>
+              <a:t>Especially in the case that the true values deviate from the uniform randomness of [-1,1]. </a:t>
+            </a:r>
+          </a:p>
+          <a:p>
+            <a:pPr marL="742950" lvl="1" indent="-285750">
+              <a:buFont typeface="Arial" panose="020B0604020202020204" pitchFamily="34" charset="0"/>
+              <a:buChar char="•"/>
+            </a:pPr>
+            <a:r>
+              <a:rPr lang="en-US" dirty="0">
+                <a:latin typeface="Times New Roman" panose="02020603050405020304" pitchFamily="18" charset="0"/>
+                <a:cs typeface="Times New Roman" panose="02020603050405020304" pitchFamily="18" charset="0"/>
+              </a:rPr>
+              <a:t>A uniform distribution also allows for a mean of 0–affecting the mean estimation for that key.</a:t>
+            </a:r>
+          </a:p>
+          <a:p>
+            <a:pPr marL="285750" indent="-285750">
+              <a:buFont typeface="Arial" panose="020B0604020202020204" pitchFamily="34" charset="0"/>
+              <a:buChar char="•"/>
+            </a:pPr>
+            <a:r>
+              <a:rPr lang="en-US" dirty="0">
+                <a:latin typeface="Times New Roman" panose="02020603050405020304" pitchFamily="18" charset="0"/>
+                <a:cs typeface="Times New Roman" panose="02020603050405020304" pitchFamily="18" charset="0"/>
+              </a:rPr>
+              <a:t>To fix, we perturb a value regardless whether it is real or assigned value in the conversion process.</a:t>
+            </a:r>
+          </a:p>
+        </p:txBody>
+      </p:sp>
+    </p:spTree>
+    <p:extLst>
+      <p:ext uri="{BB962C8B-B14F-4D97-AF65-F5344CB8AC3E}">
+        <p14:creationId xmlns:p14="http://schemas.microsoft.com/office/powerpoint/2010/main" val="2705430302"/>
+      </p:ext>
+    </p:extLst>
+  </p:cSld>
+  <p:clrMapOvr>
+    <a:masterClrMapping/>
+  </p:clrMapOvr>
+</p:sld>
+</file>
+
+<file path=ppt/slides/slide14.xml><?xml version="1.0" encoding="utf-8"?>
+<p:sld xmlns:a="http://schemas.openxmlformats.org/drawingml/2006/main" xmlns:r="http://schemas.openxmlformats.org/officeDocument/2006/relationships" xmlns:p="http://schemas.openxmlformats.org/presentationml/2006/main">
+  <p:cSld>
+    <p:spTree>
+      <p:nvGrpSpPr>
+        <p:cNvPr id="1" name=""/>
+        <p:cNvGrpSpPr/>
+        <p:nvPr/>
+      </p:nvGrpSpPr>
+      <p:grpSpPr>
+        <a:xfrm>
+          <a:off x="0" y="0"/>
+          <a:ext cx="0" cy="0"/>
+          <a:chOff x="0" y="0"/>
+          <a:chExt cx="0" cy="0"/>
+        </a:xfrm>
+      </p:grpSpPr>
+      <p:sp>
+        <p:nvSpPr>
+          <p:cNvPr id="2" name="Title 1">
+            <a:extLst>
+              <a:ext uri="{FF2B5EF4-FFF2-40B4-BE49-F238E27FC236}">
+                <a16:creationId xmlns:a16="http://schemas.microsoft.com/office/drawing/2014/main" id="{7C2153A4-1FFF-4198-983A-5B49309C71C4}"/>
+              </a:ext>
+            </a:extLst>
+          </p:cNvPr>
+          <p:cNvSpPr>
+            <a:spLocks noGrp="1"/>
+          </p:cNvSpPr>
+          <p:nvPr>
+            <p:ph type="title"/>
+          </p:nvPr>
+        </p:nvSpPr>
+        <p:spPr>
+          <a:xfrm>
+            <a:off x="838200" y="365126"/>
+            <a:ext cx="10515600" cy="1032852"/>
+          </a:xfrm>
+        </p:spPr>
+        <p:txBody>
+          <a:bodyPr/>
+          <a:lstStyle/>
+          <a:p>
+            <a:r>
+              <a:rPr lang="en-US" dirty="0"/>
+              <a:t>Proper Perturbation</a:t>
+            </a:r>
+          </a:p>
+        </p:txBody>
+      </p:sp>
+      <p:sp>
+        <p:nvSpPr>
+          <p:cNvPr id="3" name="Content Placeholder 2">
+            <a:extLst>
+              <a:ext uri="{FF2B5EF4-FFF2-40B4-BE49-F238E27FC236}">
+                <a16:creationId xmlns:a16="http://schemas.microsoft.com/office/drawing/2014/main" id="{DE60B5A1-B819-44B7-BA56-B7BC3E4EE353}"/>
+              </a:ext>
+            </a:extLst>
+          </p:cNvPr>
+          <p:cNvSpPr>
+            <a:spLocks noGrp="1"/>
+          </p:cNvSpPr>
+          <p:nvPr>
+            <p:ph sz="half" idx="1"/>
+          </p:nvPr>
+        </p:nvSpPr>
+        <p:spPr>
+          <a:xfrm>
+            <a:off x="838200" y="1825625"/>
+            <a:ext cx="5181600" cy="4351338"/>
+          </a:xfrm>
+        </p:spPr>
+        <p:txBody>
+          <a:bodyPr/>
+          <a:lstStyle/>
+          <a:p>
+            <a:r>
+              <a:rPr lang="en-US" sz="2400" dirty="0"/>
+              <a:t>Mainly relies on </a:t>
+            </a:r>
+            <a:r>
+              <a:rPr lang="en-US" sz="2400" i="1" dirty="0"/>
+              <a:t>Harmony </a:t>
+            </a:r>
+          </a:p>
+          <a:p>
+            <a:pPr lvl="1"/>
+            <a:r>
+              <a:rPr lang="en-US" sz="1800" dirty="0"/>
+              <a:t>[31] T. T. </a:t>
+            </a:r>
+            <a:r>
+              <a:rPr lang="en-US" sz="1800" dirty="0" err="1"/>
+              <a:t>Nguyˆen</a:t>
+            </a:r>
+            <a:r>
+              <a:rPr lang="en-US" sz="1800" dirty="0"/>
+              <a:t>, X. Xiao, Y. Yang, S. C. Hui, H. Shin, and J. Shin. Collecting and analyzing data from smart device users with local differential privacy. arXiv:1606.05053, 2016</a:t>
+            </a:r>
+          </a:p>
+          <a:p>
+            <a:r>
+              <a:rPr lang="en-US" sz="2200" dirty="0"/>
+              <a:t>Converts numerical values in KV pairs to binary and perturb with RR.</a:t>
+            </a:r>
+          </a:p>
+          <a:p>
+            <a:pPr lvl="1"/>
+            <a:r>
+              <a:rPr lang="en-US" sz="1800" dirty="0"/>
+              <a:t>Values will be [-1,1] (continuous); d is the set of natural numbers {0, 1, 2…}</a:t>
+            </a:r>
+          </a:p>
+          <a:p>
+            <a:pPr lvl="1"/>
+            <a:r>
+              <a:rPr lang="en-US" sz="1800" dirty="0"/>
+              <a:t>However, mean will be biased, so we will need to calculate the bias (done at data collector side).</a:t>
+            </a:r>
+          </a:p>
+          <a:p>
+            <a:pPr lvl="1"/>
+            <a:endParaRPr lang="en-US" dirty="0"/>
+          </a:p>
+          <a:p>
+            <a:pPr lvl="1"/>
+            <a:endParaRPr lang="en-US" dirty="0"/>
+          </a:p>
+        </p:txBody>
+      </p:sp>
+      <p:pic>
+        <p:nvPicPr>
+          <p:cNvPr id="7" name="Content Placeholder 6" descr="A screenshot of a cell phone&#10;&#10;Description automatically generated">
+            <a:extLst>
+              <a:ext uri="{FF2B5EF4-FFF2-40B4-BE49-F238E27FC236}">
+                <a16:creationId xmlns:a16="http://schemas.microsoft.com/office/drawing/2014/main" id="{1ACB3FD3-F3CF-4CFE-9EEA-6D6CC29594B3}"/>
+              </a:ext>
+            </a:extLst>
+          </p:cNvPr>
+          <p:cNvPicPr>
+            <a:picLocks noGrp="1" noChangeAspect="1"/>
+          </p:cNvPicPr>
+          <p:nvPr>
+            <p:ph sz="half" idx="2"/>
+          </p:nvPr>
+        </p:nvPicPr>
+        <p:blipFill>
+          <a:blip r:embed="rId3">
+            <a:extLst>
+              <a:ext uri="{28A0092B-C50C-407E-A947-70E740481C1C}">
+                <a14:useLocalDpi xmlns:a14="http://schemas.microsoft.com/office/drawing/2010/main" val="0"/>
+              </a:ext>
+            </a:extLst>
+          </a:blip>
+          <a:stretch>
+            <a:fillRect/>
+          </a:stretch>
+        </p:blipFill>
+        <p:spPr>
+          <a:xfrm>
+            <a:off x="6172200" y="1433895"/>
+            <a:ext cx="5181600" cy="3990210"/>
+          </a:xfrm>
+          <a:ln>
+            <a:solidFill>
+              <a:schemeClr val="tx1"/>
+            </a:solidFill>
+          </a:ln>
+        </p:spPr>
+      </p:pic>
+      <p:sp>
+        <p:nvSpPr>
+          <p:cNvPr id="5" name="Footer Placeholder 4">
+            <a:extLst>
+              <a:ext uri="{FF2B5EF4-FFF2-40B4-BE49-F238E27FC236}">
+                <a16:creationId xmlns:a16="http://schemas.microsoft.com/office/drawing/2014/main" id="{54583668-0A51-48C1-9384-EAE168D34E5E}"/>
+              </a:ext>
+            </a:extLst>
+          </p:cNvPr>
+          <p:cNvSpPr>
+            <a:spLocks noGrp="1"/>
+          </p:cNvSpPr>
+          <p:nvPr>
+            <p:ph type="ftr" sz="quarter" idx="11"/>
+          </p:nvPr>
+        </p:nvSpPr>
+        <p:spPr>
+          <a:xfrm>
+            <a:off x="4038600" y="6356350"/>
+            <a:ext cx="4114800" cy="365125"/>
+          </a:xfrm>
+        </p:spPr>
+        <p:txBody>
+          <a:bodyPr/>
+          <a:lstStyle/>
+          <a:p>
+            <a:endParaRPr lang="en-US" dirty="0"/>
+          </a:p>
+        </p:txBody>
+      </p:sp>
+    </p:spTree>
+    <p:extLst>
+      <p:ext uri="{BB962C8B-B14F-4D97-AF65-F5344CB8AC3E}">
+        <p14:creationId xmlns:p14="http://schemas.microsoft.com/office/powerpoint/2010/main" val="610103283"/>
+      </p:ext>
+    </p:extLst>
+  </p:cSld>
+  <p:clrMapOvr>
+    <a:masterClrMapping/>
+  </p:clrMapOvr>
+</p:sld>
+</file>
+
+<file path=ppt/slides/slide15.xml><?xml version="1.0" encoding="utf-8"?>
+<p:sld xmlns:a="http://schemas.openxmlformats.org/drawingml/2006/main" xmlns:r="http://schemas.openxmlformats.org/officeDocument/2006/relationships" xmlns:p="http://schemas.openxmlformats.org/presentationml/2006/main">
+  <p:cSld>
+    <p:spTree>
+      <p:nvGrpSpPr>
+        <p:cNvPr id="1" name=""/>
+        <p:cNvGrpSpPr/>
+        <p:nvPr/>
+      </p:nvGrpSpPr>
+      <p:grpSpPr>
+        <a:xfrm>
+          <a:off x="0" y="0"/>
+          <a:ext cx="0" cy="0"/>
+          <a:chOff x="0" y="0"/>
+          <a:chExt cx="0" cy="0"/>
+        </a:xfrm>
+      </p:grpSpPr>
+      <p:sp>
+        <p:nvSpPr>
+          <p:cNvPr id="2" name="Title 1">
+            <a:extLst>
+              <a:ext uri="{FF2B5EF4-FFF2-40B4-BE49-F238E27FC236}">
+                <a16:creationId xmlns:a16="http://schemas.microsoft.com/office/drawing/2014/main" id="{3F40E186-824E-40E6-A74D-FF887970256D}"/>
+              </a:ext>
+            </a:extLst>
+          </p:cNvPr>
+          <p:cNvSpPr>
+            <a:spLocks noGrp="1"/>
+          </p:cNvSpPr>
+          <p:nvPr>
+            <p:ph type="title"/>
+          </p:nvPr>
+        </p:nvSpPr>
+        <p:spPr>
+          <a:xfrm>
+            <a:off x="838200" y="365126"/>
+            <a:ext cx="10515600" cy="1032852"/>
+          </a:xfrm>
+        </p:spPr>
+        <p:txBody>
+          <a:bodyPr/>
+          <a:lstStyle/>
+          <a:p>
+            <a:r>
+              <a:rPr lang="en-US"/>
+              <a:t>Value Perturbation Primitive</a:t>
+            </a:r>
+            <a:endParaRPr lang="en-US" dirty="0"/>
+          </a:p>
+        </p:txBody>
+      </p:sp>
+      <p:sp>
+        <p:nvSpPr>
+          <p:cNvPr id="3" name="Footer Placeholder 2">
+            <a:extLst>
+              <a:ext uri="{FF2B5EF4-FFF2-40B4-BE49-F238E27FC236}">
+                <a16:creationId xmlns:a16="http://schemas.microsoft.com/office/drawing/2014/main" id="{49E75AE1-9D25-4376-A0CC-39D0A41FA3F9}"/>
+              </a:ext>
+            </a:extLst>
+          </p:cNvPr>
+          <p:cNvSpPr>
+            <a:spLocks noGrp="1"/>
+          </p:cNvSpPr>
+          <p:nvPr>
+            <p:ph type="ftr" sz="quarter" idx="11"/>
+          </p:nvPr>
+        </p:nvSpPr>
+        <p:spPr>
+          <a:xfrm>
+            <a:off x="4038600" y="6356350"/>
+            <a:ext cx="4114800" cy="365125"/>
+          </a:xfrm>
+        </p:spPr>
+        <p:txBody>
+          <a:bodyPr/>
+          <a:lstStyle/>
+          <a:p>
+            <a:endParaRPr lang="en-US"/>
+          </a:p>
+        </p:txBody>
+      </p:sp>
+      <p:pic>
+        <p:nvPicPr>
+          <p:cNvPr id="4" name="Content Placeholder 6" descr="A screenshot of a cell phone&#10;&#10;Description automatically generated">
+            <a:extLst>
+              <a:ext uri="{FF2B5EF4-FFF2-40B4-BE49-F238E27FC236}">
+                <a16:creationId xmlns:a16="http://schemas.microsoft.com/office/drawing/2014/main" id="{5BDD73C8-7C58-459C-A584-3A38C8124571}"/>
+              </a:ext>
+            </a:extLst>
+          </p:cNvPr>
+          <p:cNvPicPr>
+            <a:picLocks noChangeAspect="1"/>
+          </p:cNvPicPr>
+          <p:nvPr/>
+        </p:nvPicPr>
+        <p:blipFill>
+          <a:blip r:embed="rId3">
+            <a:extLst>
+              <a:ext uri="{28A0092B-C50C-407E-A947-70E740481C1C}">
+                <a14:useLocalDpi xmlns:a14="http://schemas.microsoft.com/office/drawing/2010/main" val="0"/>
+              </a:ext>
+            </a:extLst>
+          </a:blip>
+          <a:stretch>
+            <a:fillRect/>
+          </a:stretch>
+        </p:blipFill>
+        <p:spPr>
+          <a:xfrm>
+            <a:off x="477342" y="1706824"/>
+            <a:ext cx="5291666" cy="4074969"/>
+          </a:xfrm>
+          <a:prstGeom prst="rect">
+            <a:avLst/>
+          </a:prstGeom>
+          <a:ln>
+            <a:solidFill>
+              <a:schemeClr val="tx1"/>
+            </a:solidFill>
+          </a:ln>
+        </p:spPr>
+      </p:pic>
+      <p:pic>
+        <p:nvPicPr>
+          <p:cNvPr id="5" name="Picture 4" descr="A screenshot of a cell phone&#10;&#10;Description automatically generated">
+            <a:extLst>
+              <a:ext uri="{FF2B5EF4-FFF2-40B4-BE49-F238E27FC236}">
+                <a16:creationId xmlns:a16="http://schemas.microsoft.com/office/drawing/2014/main" id="{B738D478-4D39-44C0-8EEF-7FDFBA296140}"/>
+              </a:ext>
+            </a:extLst>
+          </p:cNvPr>
+          <p:cNvPicPr>
+            <a:picLocks noChangeAspect="1"/>
+          </p:cNvPicPr>
+          <p:nvPr/>
+        </p:nvPicPr>
+        <p:blipFill>
+          <a:blip r:embed="rId4">
+            <a:extLst>
+              <a:ext uri="{28A0092B-C50C-407E-A947-70E740481C1C}">
+                <a14:useLocalDpi xmlns:a14="http://schemas.microsoft.com/office/drawing/2010/main" val="0"/>
+              </a:ext>
+            </a:extLst>
+          </a:blip>
+          <a:stretch>
+            <a:fillRect/>
+          </a:stretch>
+        </p:blipFill>
+        <p:spPr>
+          <a:xfrm>
+            <a:off x="6020999" y="2126353"/>
+            <a:ext cx="5959202" cy="3235910"/>
+          </a:xfrm>
+          <a:prstGeom prst="rect">
+            <a:avLst/>
+          </a:prstGeom>
+          <a:ln>
+            <a:solidFill>
+              <a:schemeClr val="tx1"/>
+            </a:solidFill>
+          </a:ln>
+        </p:spPr>
+      </p:pic>
+    </p:spTree>
+    <p:extLst>
+      <p:ext uri="{BB962C8B-B14F-4D97-AF65-F5344CB8AC3E}">
+        <p14:creationId xmlns:p14="http://schemas.microsoft.com/office/powerpoint/2010/main" val="3871186116"/>
+      </p:ext>
+    </p:extLst>
+  </p:cSld>
+  <p:clrMapOvr>
+    <a:masterClrMapping/>
+  </p:clrMapOvr>
+</p:sld>
+</file>
+
+<file path=ppt/slides/slide16.xml><?xml version="1.0" encoding="utf-8"?>
+<p:sld xmlns:a="http://schemas.openxmlformats.org/drawingml/2006/main" xmlns:r="http://schemas.openxmlformats.org/officeDocument/2006/relationships" xmlns:p="http://schemas.openxmlformats.org/presentationml/2006/main">
+  <p:cSld>
+    <p:bg>
+      <p:bgPr>
+        <a:solidFill>
+          <a:schemeClr val="bg1"/>
+        </a:solidFill>
+        <a:effectLst/>
+      </p:bgPr>
+    </p:bg>
+    <p:spTree>
+      <p:nvGrpSpPr>
+        <p:cNvPr id="1" name=""/>
+        <p:cNvGrpSpPr/>
+        <p:nvPr/>
+      </p:nvGrpSpPr>
+      <p:grpSpPr>
+        <a:xfrm>
+          <a:off x="0" y="0"/>
+          <a:ext cx="0" cy="0"/>
+          <a:chOff x="0" y="0"/>
+          <a:chExt cx="0" cy="0"/>
+        </a:xfrm>
+      </p:grpSpPr>
+      <p:sp>
+        <p:nvSpPr>
+          <p:cNvPr id="2" name="Footer Placeholder 1">
+            <a:extLst>
+              <a:ext uri="{FF2B5EF4-FFF2-40B4-BE49-F238E27FC236}">
+                <a16:creationId xmlns:a16="http://schemas.microsoft.com/office/drawing/2014/main" id="{6B208803-263F-4D72-98FF-CBC3FE16D7C3}"/>
+              </a:ext>
+            </a:extLst>
+          </p:cNvPr>
+          <p:cNvSpPr>
+            <a:spLocks noGrp="1"/>
+          </p:cNvSpPr>
+          <p:nvPr>
+            <p:ph type="ftr" sz="quarter" idx="11"/>
+          </p:nvPr>
+        </p:nvSpPr>
+        <p:spPr>
+          <a:xfrm>
+            <a:off x="4038600" y="6356350"/>
+            <a:ext cx="4114800" cy="365125"/>
+          </a:xfrm>
+        </p:spPr>
+        <p:txBody>
+          <a:bodyPr>
+            <a:normAutofit/>
+          </a:bodyPr>
+          <a:lstStyle/>
+          <a:p>
+            <a:endParaRPr lang="en-US"/>
+          </a:p>
+        </p:txBody>
+      </p:sp>
+    </p:spTree>
+    <p:extLst>
+      <p:ext uri="{BB962C8B-B14F-4D97-AF65-F5344CB8AC3E}">
+        <p14:creationId xmlns:p14="http://schemas.microsoft.com/office/powerpoint/2010/main" val="3251706774"/>
       </p:ext>
     </p:extLst>
   </p:cSld>
@@ -8353,7 +9657,7 @@
           <p:cNvPr id="2" name="Title 1">
             <a:extLst>
               <a:ext uri="{FF2B5EF4-FFF2-40B4-BE49-F238E27FC236}">
-                <a16:creationId xmlns:a16="http://schemas.microsoft.com/office/drawing/2014/main" id="{A0059520-92AD-4264-99B4-539A3D996B86}"/>
+                <a16:creationId xmlns:a16="http://schemas.microsoft.com/office/drawing/2014/main" id="{429BF2F3-74F7-424A-BBB4-114786BD28A9}"/>
               </a:ext>
             </a:extLst>
           </p:cNvPr>
@@ -8371,7 +9675,7 @@
           <a:p>
             <a:r>
               <a:rPr lang="en-US" dirty="0"/>
-              <a:t>Laplace</a:t>
+              <a:t>Laplace SUXXXX</a:t>
             </a:r>
           </a:p>
         </p:txBody>
@@ -8381,7 +9685,7 @@
           <p:cNvPr id="3" name="Content Placeholder 2">
             <a:extLst>
               <a:ext uri="{FF2B5EF4-FFF2-40B4-BE49-F238E27FC236}">
-                <a16:creationId xmlns:a16="http://schemas.microsoft.com/office/drawing/2014/main" id="{092AD882-6DBA-4F25-898E-EEB92A5C715A}"/>
+                <a16:creationId xmlns:a16="http://schemas.microsoft.com/office/drawing/2014/main" id="{0475A376-BC48-44E7-A4E9-0FAF40044551}"/>
               </a:ext>
             </a:extLst>
           </p:cNvPr>
@@ -8397,7 +9701,14 @@
           <a:bodyPr/>
           <a:lstStyle/>
           <a:p>
-            <a:endParaRPr lang="en-US"/>
+            <a:r>
+              <a:rPr lang="en-US" dirty="0" err="1"/>
+              <a:t>Ngyuen</a:t>
+            </a:r>
+            <a:r>
+              <a:rPr lang="en-US" dirty="0"/>
+              <a:t> et al.</a:t>
+            </a:r>
           </a:p>
         </p:txBody>
       </p:sp>
@@ -8406,7 +9717,7 @@
           <p:cNvPr id="4" name="Footer Placeholder 3">
             <a:extLst>
               <a:ext uri="{FF2B5EF4-FFF2-40B4-BE49-F238E27FC236}">
-                <a16:creationId xmlns:a16="http://schemas.microsoft.com/office/drawing/2014/main" id="{A0973E88-198E-4AB1-8789-E474E0423061}"/>
+                <a16:creationId xmlns:a16="http://schemas.microsoft.com/office/drawing/2014/main" id="{B4D206C0-CC77-42DF-AE46-410C5BA57164}"/>
               </a:ext>
             </a:extLst>
           </p:cNvPr>
@@ -8429,7 +9740,7 @@
     </p:spTree>
     <p:extLst>
       <p:ext uri="{BB962C8B-B14F-4D97-AF65-F5344CB8AC3E}">
-        <p14:creationId xmlns:p14="http://schemas.microsoft.com/office/powerpoint/2010/main" val="2034542029"/>
+        <p14:creationId xmlns:p14="http://schemas.microsoft.com/office/powerpoint/2010/main" val="3956083921"/>
       </p:ext>
     </p:extLst>
   </p:cSld>
@@ -8484,8 +9795,8 @@
           </a:p>
         </p:txBody>
       </p:sp>
-      <mc:AlternateContent xmlns:mc="http://schemas.openxmlformats.org/markup-compatibility/2006" xmlns:a14="http://schemas.microsoft.com/office/drawing/2010/main">
-        <mc:Choice Requires="a14">
+      <mc:AlternateContent xmlns:mc="http://schemas.openxmlformats.org/markup-compatibility/2006">
+        <mc:Choice xmlns:a14="http://schemas.microsoft.com/office/drawing/2010/main" Requires="a14">
           <p:sp>
             <p:nvSpPr>
               <p:cNvPr id="3" name="Content Placeholder 2">
@@ -8516,7 +9827,7 @@
               <a:p>
                 <a:r>
                   <a:rPr lang="en-US" sz="2400" dirty="0"/>
-                  <a:t> Ask answerer to answer a question truthfully based on probability such that the answerer can retain plausible deniability.  </a:t>
+                  <a:t> Ask responder to answer a question truthfully based on probability such that the answerer can retain plausible deniability.  </a:t>
                 </a:r>
               </a:p>
               <a:p>
@@ -8631,7 +9942,7 @@
             </p:txBody>
           </p:sp>
         </mc:Choice>
-        <mc:Fallback xmlns="">
+        <mc:Fallback>
           <p:sp>
             <p:nvSpPr>
               <p:cNvPr id="3" name="Content Placeholder 2">
@@ -8654,7 +9965,7 @@
                 <a:ext cx="10515600" cy="4180089"/>
               </a:xfrm>
               <a:blipFill>
-                <a:blip r:embed="rId2"/>
+                <a:blip r:embed="rId3"/>
                 <a:stretch>
                   <a:fillRect l="-812" t="-2041"/>
                 </a:stretch>

--- a/CS-6223/hw/Grad_Project/Final Documents/PrivKV Differential Privacy for Key Value Structured Data.pptx
+++ b/CS-6223/hw/Grad_Project/Final Documents/PrivKV Differential Privacy for Key Value Structured Data.pptx
@@ -26,7 +26,7 @@
     <p:sldId id="268" r:id="rId14"/>
     <p:sldId id="270" r:id="rId15"/>
     <p:sldId id="272" r:id="rId16"/>
-    <p:sldId id="271" r:id="rId17"/>
+    <p:sldId id="273" r:id="rId17"/>
   </p:sldIdLst>
   <p:sldSz cx="12192000" cy="6858000"/>
   <p:notesSz cx="6858000" cy="9144000"/>
@@ -920,7 +920,7 @@
           <a:p>
             <a:r>
               <a:rPr lang="en-US" dirty="0"/>
-              <a:t>Si is the set of KV pairs that user </a:t>
+              <a:t>- Si is the set of KV pairs that user </a:t>
             </a:r>
             <a:r>
               <a:rPr lang="en-US" dirty="0" err="1"/>
@@ -934,13 +934,13 @@
           <a:p>
             <a:r>
               <a:rPr lang="en-US" dirty="0"/>
-              <a:t>Frequency is for each user they have a key in Si divided by n number of users.</a:t>
+              <a:t>- Frequency is for each user they have a key in Si divided by n number of users.</a:t>
             </a:r>
           </a:p>
           <a:p>
             <a:r>
               <a:rPr lang="en-US" dirty="0"/>
-              <a:t>Mean is the sum of all values that are all the same k that are owned by users n.</a:t>
+              <a:t>- Mean is the sum of all values that are all the same k that are owned by users n.</a:t>
             </a:r>
           </a:p>
         </p:txBody>
@@ -1003,14 +1003,14 @@
           <a:lstStyle/>
           <a:p>
             <a:r>
+              <a:rPr lang="en-US" b="1" dirty="0"/>
+              <a:t>- NOTE: Be sure to point out the ids are sequential and sorted.</a:t>
+            </a:r>
+          </a:p>
+          <a:p>
+            <a:r>
               <a:rPr lang="en-US" dirty="0"/>
-              <a:t>NOTE: Be sure to point out the ids are sequential and sorted.</a:t>
-            </a:r>
-          </a:p>
-          <a:p>
-            <a:r>
-              <a:rPr lang="en-US" dirty="0"/>
-              <a:t>For &lt;0,0&gt; you basically add a value that DNE. Like here there is a skip between .5 and -.9 for id1 and id3 so we add a single &lt;0,0&gt; pair.</a:t>
+              <a:t>- For &lt;0,0&gt; you basically add a value that DNE. Like here there is a skip between .5 and -.9 for id1 and id3 so we add a single &lt;0,0&gt; pair.</a:t>
             </a:r>
           </a:p>
           <a:p>
@@ -1076,20 +1076,20 @@
           <a:lstStyle/>
           <a:p>
             <a:r>
+              <a:rPr lang="en-US" b="1" dirty="0"/>
+              <a:t>- NOTE: Last step isn’t shown in the picture.</a:t>
+            </a:r>
+          </a:p>
+          <a:p>
+            <a:r>
               <a:rPr lang="en-US" dirty="0"/>
-              <a:t>NOTE: Last step isn’t shown in the picture.</a:t>
+              <a:t>- True values like if we see .4 or 1.2323 and then the next value after conversion is &lt;1,.2&gt; like hmmm that might be false.</a:t>
             </a:r>
           </a:p>
           <a:p>
             <a:r>
               <a:rPr lang="en-US" dirty="0"/>
-              <a:t>True values like if we see .4 or 1.2323 and then the next value after conversion is &lt;1,.2&gt; like hmmm that might be false.</a:t>
-            </a:r>
-          </a:p>
-          <a:p>
-            <a:r>
-              <a:rPr lang="en-US" dirty="0"/>
-              <a:t>If all true value mean = 0  or true mean = perturbed mean and all uniform perturbed keys are 0 or perturbed keys = - true mean then 0 mean. Total info loss.</a:t>
+              <a:t>- If all true value mean = 0  or true mean = perturbed mean and all uniform perturbed keys are 0 or perturbed keys = - true mean then 0 mean. Total info loss.</a:t>
             </a:r>
           </a:p>
         </p:txBody>
@@ -1152,6 +1152,12 @@
           <a:lstStyle/>
           <a:p>
             <a:r>
+              <a:rPr lang="en-US" b="1" dirty="0"/>
+              <a:t>- NOTE: Values will be only 1 or -1, no .9 or anything.</a:t>
+            </a:r>
+          </a:p>
+          <a:p>
+            <a:r>
               <a:rPr lang="en-US" dirty="0"/>
               <a:t>- “</a:t>
             </a:r>
@@ -1179,29 +1185,8 @@
                 <a:ea typeface="+mn-ea"/>
                 <a:cs typeface="+mn-cs"/>
               </a:rPr>
-              <a:t>also cause </a:t>
-            </a:r>
-            <a:r>
-              <a:rPr lang="en-US" sz="1200" kern="1200">
-                <a:solidFill>
-                  <a:schemeClr val="tx1"/>
-                </a:solidFill>
-                <a:effectLst/>
-                <a:latin typeface="+mn-lt"/>
-                <a:ea typeface="+mn-ea"/>
-                <a:cs typeface="+mn-cs"/>
-              </a:rPr>
-              <a:t>bias.”</a:t>
-            </a:r>
-            <a:endParaRPr lang="en-US" sz="1200" kern="1200" dirty="0">
-              <a:solidFill>
-                <a:schemeClr val="tx1"/>
-              </a:solidFill>
-              <a:effectLst/>
-              <a:latin typeface="+mn-lt"/>
-              <a:ea typeface="+mn-ea"/>
-              <a:cs typeface="+mn-cs"/>
-            </a:endParaRPr>
+              <a:t>also cause bias.”</a:t>
+            </a:r>
           </a:p>
           <a:p>
             <a:endParaRPr lang="en-US" dirty="0"/>
@@ -1265,19 +1250,21 @@
           <a:bodyPr/>
           <a:lstStyle/>
           <a:p>
-            <a:r>
-              <a:rPr lang="en-US" dirty="0"/>
-              <a:t>3 changes:</a:t>
-            </a:r>
-          </a:p>
-          <a:p>
             <a:pPr marL="171450" indent="-171450">
               <a:buFontTx/>
               <a:buChar char="-"/>
             </a:pPr>
             <a:r>
-              <a:rPr lang="en-US" dirty="0"/>
-              <a:t>Calibration step is given to data collector</a:t>
+              <a:rPr lang="en-US" b="1" dirty="0"/>
+              <a:t>NOTE: Calibration is moved to data collector side. Shown in complete </a:t>
+            </a:r>
+            <a:r>
+              <a:rPr lang="en-US" b="1" dirty="0" err="1"/>
+              <a:t>PrivKV</a:t>
+            </a:r>
+            <a:r>
+              <a:rPr lang="en-US" b="1" dirty="0"/>
+              <a:t>.</a:t>
             </a:r>
           </a:p>
           <a:p>
@@ -1285,17 +1272,68 @@
               <a:buFontTx/>
               <a:buChar char="-"/>
             </a:pPr>
-            <a:endParaRPr lang="en-US" dirty="0"/>
-          </a:p>
-          <a:p>
-            <a:pPr marL="171450" indent="-171450">
+            <a:r>
+              <a:rPr lang="en-US" b="0" dirty="0"/>
+              <a:t>3 changes to calibration:</a:t>
+            </a:r>
+          </a:p>
+          <a:p>
+            <a:pPr marL="628650" lvl="1" indent="-171450">
               <a:buFontTx/>
               <a:buChar char="-"/>
             </a:pPr>
-            <a:endParaRPr lang="en-US" dirty="0"/>
-          </a:p>
-          <a:p>
-            <a:endParaRPr lang="en-US" dirty="0"/>
+            <a:r>
+              <a:rPr lang="en-US" b="0" dirty="0"/>
+              <a:t>Moved to data collector.</a:t>
+            </a:r>
+          </a:p>
+          <a:p>
+            <a:pPr marL="628650" lvl="1" indent="-171450">
+              <a:buFontTx/>
+              <a:buChar char="-"/>
+            </a:pPr>
+            <a:r>
+              <a:rPr lang="en-US" b="0" dirty="0"/>
+              <a:t>Scaling by d is moved to complete </a:t>
+            </a:r>
+            <a:r>
+              <a:rPr lang="en-US" b="0" dirty="0" err="1"/>
+              <a:t>PrivKV</a:t>
+            </a:r>
+            <a:r>
+              <a:rPr lang="en-US" b="0" dirty="0"/>
+              <a:t> by summing the values of the sample keys to get the mean. (Complete </a:t>
+            </a:r>
+            <a:r>
+              <a:rPr lang="en-US" b="0" dirty="0" err="1"/>
+              <a:t>PrivKV</a:t>
+            </a:r>
+            <a:r>
+              <a:rPr lang="en-US" b="0" dirty="0"/>
+              <a:t>)</a:t>
+            </a:r>
+          </a:p>
+          <a:p>
+            <a:pPr marL="628650" lvl="1" indent="-171450">
+              <a:buFontTx/>
+              <a:buChar char="-"/>
+            </a:pPr>
+            <a:r>
+              <a:rPr lang="en-US" b="0" dirty="0"/>
+              <a:t>If N users have the same key, they can perturb values together. However, the mean estimation will maybe be biased, but will improve accuracy (especially with small </a:t>
+            </a:r>
+            <a:r>
+              <a:rPr lang="en-US" b="0"/>
+              <a:t>privacy budget).</a:t>
+            </a:r>
+            <a:endParaRPr lang="en-US" b="0" dirty="0"/>
+          </a:p>
+          <a:p>
+            <a:pPr marL="628650" lvl="1" indent="-171450">
+              <a:buFontTx/>
+              <a:buChar char="-"/>
+            </a:pPr>
+            <a:endParaRPr lang="en-US" b="0" dirty="0"/>
           </a:p>
         </p:txBody>
       </p:sp>
@@ -1356,6 +1394,44 @@
           <a:bodyPr/>
           <a:lstStyle/>
           <a:p>
+            <a:r>
+              <a:rPr lang="en-US" b="1" dirty="0"/>
+              <a:t>- NOTE: Values will be only 1 or -1, no .9 or anything.</a:t>
+            </a:r>
+          </a:p>
+          <a:p>
+            <a:r>
+              <a:rPr lang="en-US" dirty="0"/>
+              <a:t>- “</a:t>
+            </a:r>
+            <a:r>
+              <a:rPr lang="en-US" sz="1200" kern="1200" dirty="0">
+                <a:solidFill>
+                  <a:schemeClr val="tx1"/>
+                </a:solidFill>
+                <a:effectLst/>
+                <a:latin typeface="+mn-lt"/>
+                <a:ea typeface="+mn-ea"/>
+                <a:cs typeface="+mn-cs"/>
+              </a:rPr>
+              <a:t>Each perturbed value in Harmony is simply scaled d times to counterbalance the effect of sampling, which may</a:t>
+            </a:r>
+          </a:p>
+          <a:p>
+            <a:r>
+              <a:rPr lang="en-US" sz="1200" kern="1200" dirty="0">
+                <a:solidFill>
+                  <a:schemeClr val="tx1"/>
+                </a:solidFill>
+                <a:effectLst/>
+                <a:latin typeface="+mn-lt"/>
+                <a:ea typeface="+mn-ea"/>
+                <a:cs typeface="+mn-cs"/>
+              </a:rPr>
+              <a:t>also cause bias.”</a:t>
+            </a:r>
+          </a:p>
+          <a:p>
             <a:endParaRPr lang="en-US" dirty="0"/>
           </a:p>
         </p:txBody>
@@ -1363,7 +1439,7 @@
     </p:spTree>
     <p:extLst>
       <p:ext uri="{BB962C8B-B14F-4D97-AF65-F5344CB8AC3E}">
-        <p14:creationId xmlns:p14="http://schemas.microsoft.com/office/powerpoint/2010/main" val="1760818154"/>
+        <p14:creationId xmlns:p14="http://schemas.microsoft.com/office/powerpoint/2010/main" val="1299161505"/>
       </p:ext>
     </p:extLst>
   </p:cSld>
@@ -4733,6 +4809,14 @@
 <file path=ppt/slides/slide1.xml><?xml version="1.0" encoding="utf-8"?>
 <p:sld xmlns:a="http://schemas.openxmlformats.org/drawingml/2006/main" xmlns:r="http://schemas.openxmlformats.org/officeDocument/2006/relationships" xmlns:p="http://schemas.openxmlformats.org/presentationml/2006/main">
   <p:cSld>
+    <p:bg>
+      <p:bgPr>
+        <a:solidFill>
+          <a:schemeClr val="bg1"/>
+        </a:solidFill>
+        <a:effectLst/>
+      </p:bgPr>
+    </p:bg>
     <p:spTree>
       <p:nvGrpSpPr>
         <p:cNvPr id="1" name=""/>
@@ -4763,19 +4847,25 @@
             <p:ph type="ctrTitle"/>
           </p:nvPr>
         </p:nvSpPr>
-        <p:spPr/>
-        <p:txBody>
-          <a:bodyPr>
-            <a:normAutofit fontScale="90000"/>
+        <p:spPr>
+          <a:xfrm>
+            <a:off x="2370667" y="1788350"/>
+            <a:ext cx="5293449" cy="2482515"/>
+          </a:xfrm>
+        </p:spPr>
+        <p:txBody>
+          <a:bodyPr anchor="ctr">
+            <a:normAutofit/>
           </a:bodyPr>
           <a:lstStyle/>
           <a:p>
-            <a:r>
-              <a:rPr lang="en-US" dirty="0" err="1"/>
+            <a:pPr algn="l"/>
+            <a:r>
+              <a:rPr lang="en-US" sz="4000" dirty="0" err="1"/>
               <a:t>PrivKV</a:t>
             </a:r>
             <a:r>
-              <a:rPr lang="en-US" dirty="0"/>
+              <a:rPr lang="en-US" sz="4000" dirty="0"/>
               <a:t>: Local Differential Privacy for Key-Value Structured Data</a:t>
             </a:r>
           </a:p>
@@ -4797,23 +4887,154 @@
             <p:ph type="subTitle" idx="1"/>
           </p:nvPr>
         </p:nvSpPr>
-        <p:spPr/>
-        <p:txBody>
-          <a:bodyPr/>
+        <p:spPr>
+          <a:xfrm>
+            <a:off x="2370667" y="4470562"/>
+            <a:ext cx="5293449" cy="1371405"/>
+          </a:xfrm>
+        </p:spPr>
+        <p:txBody>
+          <a:bodyPr>
+            <a:normAutofit/>
+          </a:bodyPr>
           <a:lstStyle/>
           <a:p>
-            <a:r>
-              <a:rPr lang="en-US" dirty="0"/>
+            <a:pPr algn="l">
+              <a:lnSpc>
+                <a:spcPct val="110000"/>
+              </a:lnSpc>
+              <a:spcBef>
+                <a:spcPts val="0"/>
+              </a:spcBef>
+            </a:pPr>
+            <a:r>
+              <a:rPr lang="en-US" sz="2000" dirty="0"/>
+              <a:t>CSC 6223</a:t>
+            </a:r>
+          </a:p>
+          <a:p>
+            <a:pPr algn="l">
+              <a:lnSpc>
+                <a:spcPct val="110000"/>
+              </a:lnSpc>
+              <a:spcBef>
+                <a:spcPts val="0"/>
+              </a:spcBef>
+            </a:pPr>
+            <a:r>
+              <a:rPr lang="en-US" sz="2000" dirty="0"/>
               <a:t>Wasfi </a:t>
             </a:r>
             <a:r>
-              <a:rPr lang="en-US" dirty="0" err="1"/>
+              <a:rPr lang="en-US" sz="2000" dirty="0" err="1"/>
               <a:t>Momen</a:t>
             </a:r>
-            <a:endParaRPr lang="en-US" dirty="0"/>
-          </a:p>
-        </p:txBody>
-      </p:sp>
+            <a:endParaRPr lang="en-US" sz="2000" dirty="0"/>
+          </a:p>
+          <a:p>
+            <a:pPr algn="l">
+              <a:lnSpc>
+                <a:spcPct val="110000"/>
+              </a:lnSpc>
+              <a:spcBef>
+                <a:spcPts val="0"/>
+              </a:spcBef>
+            </a:pPr>
+            <a:r>
+              <a:rPr lang="en-US" sz="2000" dirty="0"/>
+              <a:t>11/16/18</a:t>
+            </a:r>
+          </a:p>
+        </p:txBody>
+      </p:sp>
+      <p:pic>
+        <p:nvPicPr>
+          <p:cNvPr id="7" name="Graphic 6" descr="Lock">
+            <a:extLst>
+              <a:ext uri="{FF2B5EF4-FFF2-40B4-BE49-F238E27FC236}">
+                <a16:creationId xmlns:a16="http://schemas.microsoft.com/office/drawing/2014/main" id="{63BDE0C1-5FEF-4385-B56E-3933616DA383}"/>
+              </a:ext>
+            </a:extLst>
+          </p:cNvPr>
+          <p:cNvPicPr>
+            <a:picLocks noChangeAspect="1"/>
+          </p:cNvPicPr>
+          <p:nvPr/>
+        </p:nvPicPr>
+        <p:blipFill>
+          <a:blip r:embed="rId2">
+            <a:extLst>
+              <a:ext uri="{28A0092B-C50C-407E-A947-70E740481C1C}">
+                <a14:useLocalDpi xmlns:a14="http://schemas.microsoft.com/office/drawing/2010/main" val="0"/>
+              </a:ext>
+              <a:ext uri="{96DAC541-7B7A-43D3-8B79-37D633B846F1}">
+                <asvg:svgBlip xmlns:asvg="http://schemas.microsoft.com/office/drawing/2016/SVG/main" r:embed="rId3"/>
+              </a:ext>
+            </a:extLst>
+          </a:blip>
+          <a:stretch>
+            <a:fillRect/>
+          </a:stretch>
+        </p:blipFill>
+        <p:spPr>
+          <a:xfrm>
+            <a:off x="838201" y="2743201"/>
+            <a:ext cx="1371600" cy="1371600"/>
+          </a:xfrm>
+          <a:prstGeom prst="rect">
+            <a:avLst/>
+          </a:prstGeom>
+        </p:spPr>
+      </p:pic>
+      <p:pic>
+        <p:nvPicPr>
+          <p:cNvPr id="9" name="Graphic 8">
+            <a:extLst>
+              <a:ext uri="{FF2B5EF4-FFF2-40B4-BE49-F238E27FC236}">
+                <a16:creationId xmlns:a16="http://schemas.microsoft.com/office/drawing/2014/main" id="{CF650A82-4CA9-440D-9DA2-8CEEC5A25B6A}"/>
+              </a:ext>
+              <a:ext uri="{C183D7F6-B498-43B3-948B-1728B52AA6E4}">
+                <adec:decorative xmlns:adec="http://schemas.microsoft.com/office/drawing/2017/decorative" val="1"/>
+              </a:ext>
+            </a:extLst>
+          </p:cNvPr>
+          <p:cNvPicPr>
+            <a:picLocks noGrp="1" noRot="1" noChangeAspect="1" noMove="1" noResize="1" noEditPoints="1" noAdjustHandles="1" noChangeArrowheads="1" noChangeShapeType="1" noCrop="1"/>
+          </p:cNvPicPr>
+          <p:nvPr>
+            <p:extLst>
+              <p:ext uri="{386F3935-93C4-4BCD-93E2-E3B085C9AB24}">
+                <p16:designElem xmlns:p16="http://schemas.microsoft.com/office/powerpoint/2015/main" val="1"/>
+              </p:ext>
+            </p:extLst>
+          </p:nvPr>
+        </p:nvPicPr>
+        <p:blipFill>
+          <a:blip r:embed="rId2">
+            <a:alphaModFix amt="15000"/>
+            <a:extLst>
+              <a:ext uri="{28A0092B-C50C-407E-A947-70E740481C1C}">
+                <a14:useLocalDpi xmlns:a14="http://schemas.microsoft.com/office/drawing/2010/main" val="0"/>
+              </a:ext>
+              <a:ext uri="{96DAC541-7B7A-43D3-8B79-37D633B846F1}">
+                <asvg:svgBlip xmlns:asvg="http://schemas.microsoft.com/office/drawing/2016/SVG/main" r:embed="rId3"/>
+              </a:ext>
+            </a:extLst>
+          </a:blip>
+          <a:stretch>
+            <a:fillRect/>
+          </a:stretch>
+        </p:blipFill>
+        <p:spPr>
+          <a:xfrm>
+            <a:off x="6641431" y="816337"/>
+            <a:ext cx="5225327" cy="5225327"/>
+          </a:xfrm>
+          <a:prstGeom prst="rect">
+            <a:avLst/>
+          </a:prstGeom>
+        </p:spPr>
+      </p:pic>
     </p:spTree>
     <p:extLst>
       <p:ext uri="{BB962C8B-B14F-4D97-AF65-F5344CB8AC3E}">
@@ -7141,6 +7362,14 @@
 <file path=ppt/slides/slide14.xml><?xml version="1.0" encoding="utf-8"?>
 <p:sld xmlns:a="http://schemas.openxmlformats.org/drawingml/2006/main" xmlns:r="http://schemas.openxmlformats.org/officeDocument/2006/relationships" xmlns:p="http://schemas.openxmlformats.org/presentationml/2006/main">
   <p:cSld>
+    <p:bg>
+      <p:bgPr>
+        <a:solidFill>
+          <a:schemeClr val="bg1"/>
+        </a:solidFill>
+        <a:effectLst/>
+      </p:bgPr>
+    </p:bg>
     <p:spTree>
       <p:nvGrpSpPr>
         <p:cNvPr id="1" name=""/>
@@ -7173,16 +7402,20 @@
         </p:nvSpPr>
         <p:spPr>
           <a:xfrm>
-            <a:off x="838200" y="365126"/>
-            <a:ext cx="10515600" cy="1032852"/>
+            <a:off x="648929" y="629266"/>
+            <a:ext cx="3667039" cy="1676603"/>
           </a:xfrm>
         </p:spPr>
         <p:txBody>
-          <a:bodyPr/>
+          <a:bodyPr vert="horz" lIns="91440" tIns="45720" rIns="91440" bIns="45720" rtlCol="0" anchor="ctr">
+            <a:normAutofit/>
+          </a:bodyPr>
           <a:lstStyle/>
           <a:p>
             <a:r>
-              <a:rPr lang="en-US" dirty="0"/>
+              <a:rPr lang="en-US" sz="4400">
+                <a:latin typeface="+mj-lt"/>
+              </a:rPr>
               <a:t>Proper Perturbation</a:t>
             </a:r>
           </a:p>
@@ -7206,65 +7439,90 @@
         </p:nvSpPr>
         <p:spPr>
           <a:xfrm>
-            <a:off x="838200" y="1825625"/>
-            <a:ext cx="5181600" cy="4351338"/>
+            <a:off x="648930" y="2438400"/>
+            <a:ext cx="3667037" cy="3785419"/>
           </a:xfrm>
         </p:spPr>
         <p:txBody>
-          <a:bodyPr/>
+          <a:bodyPr vert="horz" lIns="91440" tIns="45720" rIns="91440" bIns="45720" rtlCol="0">
+            <a:normAutofit lnSpcReduction="10000"/>
+          </a:bodyPr>
           <a:lstStyle/>
           <a:p>
             <a:r>
-              <a:rPr lang="en-US" sz="2400" dirty="0"/>
+              <a:rPr lang="en-US" sz="1600" dirty="0">
+                <a:latin typeface="+mn-lt"/>
+                <a:cs typeface="+mn-cs"/>
+              </a:rPr>
               <a:t>Mainly relies on </a:t>
             </a:r>
             <a:r>
-              <a:rPr lang="en-US" sz="2400" i="1" dirty="0"/>
+              <a:rPr lang="en-US" sz="1600" i="1" dirty="0">
+                <a:latin typeface="+mn-lt"/>
+                <a:cs typeface="+mn-cs"/>
+              </a:rPr>
               <a:t>Harmony </a:t>
             </a:r>
           </a:p>
           <a:p>
             <a:pPr lvl="1"/>
             <a:r>
-              <a:rPr lang="en-US" sz="1800" dirty="0"/>
+              <a:rPr lang="en-US" sz="1600" dirty="0">
+                <a:latin typeface="+mn-lt"/>
+                <a:cs typeface="+mn-cs"/>
+              </a:rPr>
               <a:t>[31] T. T. </a:t>
             </a:r>
             <a:r>
-              <a:rPr lang="en-US" sz="1800" dirty="0" err="1"/>
+              <a:rPr lang="en-US" sz="1600" dirty="0" err="1">
+                <a:latin typeface="+mn-lt"/>
+                <a:cs typeface="+mn-cs"/>
+              </a:rPr>
               <a:t>Nguyˆen</a:t>
             </a:r>
             <a:r>
-              <a:rPr lang="en-US" sz="1800" dirty="0"/>
+              <a:rPr lang="en-US" sz="1600" dirty="0">
+                <a:latin typeface="+mn-lt"/>
+                <a:cs typeface="+mn-cs"/>
+              </a:rPr>
               <a:t>, X. Xiao, Y. Yang, S. C. Hui, H. Shin, and J. Shin. Collecting and analyzing data from smart device users with local differential privacy. arXiv:1606.05053, 2016</a:t>
             </a:r>
           </a:p>
           <a:p>
             <a:r>
-              <a:rPr lang="en-US" sz="2200" dirty="0"/>
+              <a:rPr lang="en-US" sz="1600" dirty="0">
+                <a:latin typeface="+mn-lt"/>
+                <a:cs typeface="+mn-cs"/>
+              </a:rPr>
               <a:t>Converts numerical values in KV pairs to binary and perturb with RR.</a:t>
             </a:r>
           </a:p>
           <a:p>
             <a:pPr lvl="1"/>
             <a:r>
-              <a:rPr lang="en-US" sz="1800" dirty="0"/>
-              <a:t>Values will be [-1,1] (continuous); d is the set of natural numbers {0, 1, 2…}</a:t>
+              <a:rPr lang="en-US" sz="1600" dirty="0">
+                <a:latin typeface="+mn-lt"/>
+                <a:cs typeface="+mn-cs"/>
+              </a:rPr>
+              <a:t>Values will be either -1 or 1 (discrete); d is the set of natural numbers {0, 1, 2…}</a:t>
             </a:r>
           </a:p>
           <a:p>
             <a:pPr lvl="1"/>
             <a:r>
-              <a:rPr lang="en-US" sz="1800" dirty="0"/>
-              <a:t>However, mean will be biased, so we will need to calculate the bias (done at data collector side).</a:t>
+              <a:rPr lang="en-US" sz="1600" dirty="0">
+                <a:latin typeface="+mn-lt"/>
+                <a:cs typeface="+mn-cs"/>
+              </a:rPr>
+              <a:t>However, mean will be biased, so we will need to calculate the bias via a calibration which can be done by the data collector or data producer.</a:t>
             </a:r>
           </a:p>
           <a:p>
             <a:pPr lvl="1"/>
-            <a:endParaRPr lang="en-US" dirty="0"/>
-          </a:p>
-          <a:p>
-            <a:pPr lvl="1"/>
-            <a:endParaRPr lang="en-US" dirty="0"/>
+            <a:endParaRPr lang="en-US" sz="1600" dirty="0">
+              <a:latin typeface="+mn-lt"/>
+              <a:cs typeface="+mn-cs"/>
+            </a:endParaRPr>
           </a:p>
         </p:txBody>
       </p:sp>
@@ -7284,7 +7542,7 @@
             <p:ph sz="half" idx="2"/>
           </p:nvPr>
         </p:nvPicPr>
-        <p:blipFill>
+        <p:blipFill rotWithShape="1">
           <a:blip r:embed="rId3">
             <a:extLst>
               <a:ext uri="{28A0092B-C50C-407E-A947-70E740481C1C}">
@@ -7292,20 +7550,23 @@
               </a:ext>
             </a:extLst>
           </a:blip>
-          <a:stretch>
-            <a:fillRect/>
-          </a:stretch>
+          <a:srcRect r="4516" b="3"/>
+          <a:stretch/>
         </p:blipFill>
         <p:spPr>
           <a:xfrm>
-            <a:off x="6172200" y="1433895"/>
-            <a:ext cx="5181600" cy="3990210"/>
+            <a:off x="4636008" y="640082"/>
+            <a:ext cx="6916329" cy="5577837"/>
           </a:xfrm>
+          <a:prstGeom prst="rect">
+            <a:avLst/>
+          </a:prstGeom>
           <a:ln>
             <a:solidFill>
               <a:schemeClr val="tx1"/>
             </a:solidFill>
           </a:ln>
+          <a:effectLst/>
         </p:spPr>
       </p:pic>
       <p:sp>
@@ -7331,10 +7592,24 @@
           </a:xfrm>
         </p:spPr>
         <p:txBody>
-          <a:bodyPr/>
+          <a:bodyPr vert="horz" lIns="91440" tIns="45720" rIns="91440" bIns="45720" rtlCol="0" anchor="ctr">
+            <a:normAutofit/>
+          </a:bodyPr>
           <a:lstStyle/>
           <a:p>
-            <a:endParaRPr lang="en-US" dirty="0"/>
+            <a:pPr>
+              <a:defRPr/>
+            </a:pPr>
+            <a:endParaRPr lang="en-US" sz="1200" kern="1200">
+              <a:solidFill>
+                <a:prstClr val="black">
+                  <a:tint val="75000"/>
+                </a:prstClr>
+              </a:solidFill>
+              <a:latin typeface="Calibri" panose="020F0502020204030204"/>
+              <a:ea typeface="+mn-ea"/>
+              <a:cs typeface="+mn-cs"/>
+            </a:endParaRPr>
           </a:p>
         </p:txBody>
       </p:sp>
@@ -7460,7 +7735,7 @@
         </p:blipFill>
         <p:spPr>
           <a:xfrm>
-            <a:off x="477342" y="1706824"/>
+            <a:off x="477342" y="1702778"/>
             <a:ext cx="5291666" cy="4074969"/>
           </a:xfrm>
           <a:prstGeom prst="rect">
@@ -7501,7 +7776,7 @@
         </p:blipFill>
         <p:spPr>
           <a:xfrm>
-            <a:off x="6020999" y="2126353"/>
+            <a:off x="6020999" y="2122307"/>
             <a:ext cx="5959202" cy="3235910"/>
           </a:xfrm>
           <a:prstGeom prst="rect">
@@ -7554,10 +7829,195 @@
       </p:grpSpPr>
       <p:sp>
         <p:nvSpPr>
-          <p:cNvPr id="2" name="Footer Placeholder 1">
+          <p:cNvPr id="2" name="Title 1">
             <a:extLst>
               <a:ext uri="{FF2B5EF4-FFF2-40B4-BE49-F238E27FC236}">
-                <a16:creationId xmlns:a16="http://schemas.microsoft.com/office/drawing/2014/main" id="{6B208803-263F-4D72-98FF-CBC3FE16D7C3}"/>
+                <a16:creationId xmlns:a16="http://schemas.microsoft.com/office/drawing/2014/main" id="{7C2153A4-1FFF-4198-983A-5B49309C71C4}"/>
+              </a:ext>
+            </a:extLst>
+          </p:cNvPr>
+          <p:cNvSpPr>
+            <a:spLocks noGrp="1"/>
+          </p:cNvSpPr>
+          <p:nvPr>
+            <p:ph type="title"/>
+          </p:nvPr>
+        </p:nvSpPr>
+        <p:spPr>
+          <a:xfrm>
+            <a:off x="648929" y="629266"/>
+            <a:ext cx="5127031" cy="1676603"/>
+          </a:xfrm>
+        </p:spPr>
+        <p:txBody>
+          <a:bodyPr vert="horz" lIns="91440" tIns="45720" rIns="91440" bIns="45720" rtlCol="0" anchor="ctr">
+            <a:normAutofit/>
+          </a:bodyPr>
+          <a:lstStyle/>
+          <a:p>
+            <a:r>
+              <a:rPr lang="en-US" sz="4400">
+                <a:latin typeface="+mj-lt"/>
+              </a:rPr>
+              <a:t>Local Pertubation Protocol</a:t>
+            </a:r>
+          </a:p>
+        </p:txBody>
+      </p:sp>
+      <p:sp>
+        <p:nvSpPr>
+          <p:cNvPr id="3" name="Content Placeholder 2">
+            <a:extLst>
+              <a:ext uri="{FF2B5EF4-FFF2-40B4-BE49-F238E27FC236}">
+                <a16:creationId xmlns:a16="http://schemas.microsoft.com/office/drawing/2014/main" id="{DE60B5A1-B819-44B7-BA56-B7BC3E4EE353}"/>
+              </a:ext>
+            </a:extLst>
+          </p:cNvPr>
+          <p:cNvSpPr>
+            <a:spLocks noGrp="1"/>
+          </p:cNvSpPr>
+          <p:nvPr>
+            <p:ph sz="half" idx="1"/>
+          </p:nvPr>
+        </p:nvSpPr>
+        <p:spPr>
+          <a:xfrm>
+            <a:off x="648930" y="2438400"/>
+            <a:ext cx="5127029" cy="3785419"/>
+          </a:xfrm>
+        </p:spPr>
+        <p:txBody>
+          <a:bodyPr vert="horz" lIns="91440" tIns="45720" rIns="91440" bIns="45720" rtlCol="0">
+            <a:normAutofit/>
+          </a:bodyPr>
+          <a:lstStyle/>
+          <a:p>
+            <a:r>
+              <a:rPr lang="en-US" sz="1600" dirty="0">
+                <a:latin typeface="+mn-lt"/>
+                <a:cs typeface="+mn-cs"/>
+              </a:rPr>
+              <a:t>Mainly relies on </a:t>
+            </a:r>
+            <a:r>
+              <a:rPr lang="en-US" sz="1600" i="1" dirty="0">
+                <a:latin typeface="+mn-lt"/>
+                <a:cs typeface="+mn-cs"/>
+              </a:rPr>
+              <a:t>Harmony </a:t>
+            </a:r>
+          </a:p>
+          <a:p>
+            <a:pPr lvl="1"/>
+            <a:r>
+              <a:rPr lang="en-US" sz="1600" dirty="0">
+                <a:latin typeface="+mn-lt"/>
+                <a:cs typeface="+mn-cs"/>
+              </a:rPr>
+              <a:t>[31] T. T. </a:t>
+            </a:r>
+            <a:r>
+              <a:rPr lang="en-US" sz="1600" dirty="0" err="1">
+                <a:latin typeface="+mn-lt"/>
+                <a:cs typeface="+mn-cs"/>
+              </a:rPr>
+              <a:t>Nguyˆen</a:t>
+            </a:r>
+            <a:r>
+              <a:rPr lang="en-US" sz="1600" dirty="0">
+                <a:latin typeface="+mn-lt"/>
+                <a:cs typeface="+mn-cs"/>
+              </a:rPr>
+              <a:t>, X. Xiao, Y. Yang, S. C. Hui, H. Shin, and J. Shin. Collecting and analyzing data from smart device users with local differential privacy. arXiv:1606.05053, 2016</a:t>
+            </a:r>
+          </a:p>
+          <a:p>
+            <a:r>
+              <a:rPr lang="en-US" sz="1600" dirty="0">
+                <a:latin typeface="+mn-lt"/>
+                <a:cs typeface="+mn-cs"/>
+              </a:rPr>
+              <a:t>Converts numerical values in KV pairs to binary and perturb with RR.</a:t>
+            </a:r>
+          </a:p>
+          <a:p>
+            <a:pPr lvl="1"/>
+            <a:r>
+              <a:rPr lang="en-US" sz="1600" dirty="0">
+                <a:latin typeface="+mn-lt"/>
+                <a:cs typeface="+mn-cs"/>
+              </a:rPr>
+              <a:t>Values will be either -1 or 1 (discrete); d is the set of natural numbers {0, 1, 2…}</a:t>
+            </a:r>
+          </a:p>
+          <a:p>
+            <a:pPr lvl="1"/>
+            <a:r>
+              <a:rPr lang="en-US" sz="1600" dirty="0">
+                <a:latin typeface="+mn-lt"/>
+                <a:cs typeface="+mn-cs"/>
+              </a:rPr>
+              <a:t>However, mean will be biased, so we will need to calculate the bias via a calibration which can be done by the data collector or data producer.</a:t>
+            </a:r>
+          </a:p>
+          <a:p>
+            <a:pPr lvl="1"/>
+            <a:endParaRPr lang="en-US" sz="1600" dirty="0">
+              <a:latin typeface="+mn-lt"/>
+              <a:cs typeface="+mn-cs"/>
+            </a:endParaRPr>
+          </a:p>
+        </p:txBody>
+      </p:sp>
+      <p:pic>
+        <p:nvPicPr>
+          <p:cNvPr id="9" name="Content Placeholder 8" descr="A screenshot of a cell phone&#10;&#10;Description automatically generated">
+            <a:extLst>
+              <a:ext uri="{FF2B5EF4-FFF2-40B4-BE49-F238E27FC236}">
+                <a16:creationId xmlns:a16="http://schemas.microsoft.com/office/drawing/2014/main" id="{95286614-826A-4B64-BDB7-35A310D704A1}"/>
+              </a:ext>
+            </a:extLst>
+          </p:cNvPr>
+          <p:cNvPicPr>
+            <a:picLocks noGrp="1" noChangeAspect="1"/>
+          </p:cNvPicPr>
+          <p:nvPr>
+            <p:ph sz="half" idx="2"/>
+          </p:nvPr>
+        </p:nvPicPr>
+        <p:blipFill rotWithShape="1">
+          <a:blip r:embed="rId3">
+            <a:extLst>
+              <a:ext uri="{28A0092B-C50C-407E-A947-70E740481C1C}">
+                <a14:useLocalDpi xmlns:a14="http://schemas.microsoft.com/office/drawing/2010/main" val="0"/>
+              </a:ext>
+            </a:extLst>
+          </a:blip>
+          <a:srcRect r="5252"/>
+          <a:stretch/>
+        </p:blipFill>
+        <p:spPr>
+          <a:xfrm>
+            <a:off x="6090613" y="640082"/>
+            <a:ext cx="5461724" cy="5577837"/>
+          </a:xfrm>
+          <a:prstGeom prst="rect">
+            <a:avLst/>
+          </a:prstGeom>
+          <a:ln>
+            <a:solidFill>
+              <a:schemeClr val="tx1"/>
+            </a:solidFill>
+          </a:ln>
+          <a:effectLst/>
+        </p:spPr>
+      </p:pic>
+      <p:sp>
+        <p:nvSpPr>
+          <p:cNvPr id="5" name="Footer Placeholder 4">
+            <a:extLst>
+              <a:ext uri="{FF2B5EF4-FFF2-40B4-BE49-F238E27FC236}">
+                <a16:creationId xmlns:a16="http://schemas.microsoft.com/office/drawing/2014/main" id="{54583668-0A51-48C1-9384-EAE168D34E5E}"/>
               </a:ext>
             </a:extLst>
           </p:cNvPr>
@@ -7575,19 +8035,31 @@
           </a:xfrm>
         </p:spPr>
         <p:txBody>
-          <a:bodyPr>
+          <a:bodyPr vert="horz" lIns="91440" tIns="45720" rIns="91440" bIns="45720" rtlCol="0" anchor="ctr">
             <a:normAutofit/>
           </a:bodyPr>
           <a:lstStyle/>
           <a:p>
-            <a:endParaRPr lang="en-US"/>
+            <a:pPr>
+              <a:defRPr/>
+            </a:pPr>
+            <a:endParaRPr lang="en-US" sz="1200" kern="1200">
+              <a:solidFill>
+                <a:prstClr val="black">
+                  <a:tint val="75000"/>
+                </a:prstClr>
+              </a:solidFill>
+              <a:latin typeface="Calibri" panose="020F0502020204030204"/>
+              <a:ea typeface="+mn-ea"/>
+              <a:cs typeface="+mn-cs"/>
+            </a:endParaRPr>
           </a:p>
         </p:txBody>
       </p:sp>
     </p:spTree>
     <p:extLst>
       <p:ext uri="{BB962C8B-B14F-4D97-AF65-F5344CB8AC3E}">
-        <p14:creationId xmlns:p14="http://schemas.microsoft.com/office/powerpoint/2010/main" val="3251706774"/>
+        <p14:creationId xmlns:p14="http://schemas.microsoft.com/office/powerpoint/2010/main" val="2426642838"/>
       </p:ext>
     </p:extLst>
   </p:cSld>
@@ -7682,6 +8154,12 @@
             <a:r>
               <a:rPr lang="en-US" dirty="0"/>
               <a:t>Basic Concepts</a:t>
+            </a:r>
+          </a:p>
+          <a:p>
+            <a:r>
+              <a:rPr lang="en-US" dirty="0"/>
+              <a:t>Key-Value Protocols</a:t>
             </a:r>
           </a:p>
           <a:p>

--- a/CS-6223/hw/Grad_Project/Final Documents/PrivKV Differential Privacy for Key Value Structured Data.pptx
+++ b/CS-6223/hw/Grad_Project/Final Documents/PrivKV Differential Privacy for Key Value Structured Data.pptx
@@ -851,12 +851,42 @@
             </a:r>
           </a:p>
           <a:p>
-            <a:endParaRPr lang="en-US" dirty="0"/>
-          </a:p>
-          <a:p>
+            <a:pPr marL="0" marR="0" lvl="0" indent="0" algn="l" defTabSz="914400" rtl="0" eaLnBrk="1" fontAlgn="auto" latinLnBrk="0" hangingPunct="1">
+              <a:lnSpc>
+                <a:spcPct val="100000"/>
+              </a:lnSpc>
+              <a:spcBef>
+                <a:spcPts val="0"/>
+              </a:spcBef>
+              <a:spcAft>
+                <a:spcPts val="0"/>
+              </a:spcAft>
+              <a:buClrTx/>
+              <a:buSzTx/>
+              <a:buFontTx/>
+              <a:buNone/>
+              <a:tabLst/>
+              <a:defRPr/>
+            </a:pPr>
             <a:r>
               <a:rPr lang="en-US" dirty="0"/>
-              <a:t>Don’t get too caught up in the math, just know the basic concept.</a:t>
+              <a:t>- </a:t>
+            </a:r>
+            <a:r>
+              <a:rPr lang="en-US" b="1" dirty="0"/>
+              <a:t>NOTE: “Absolute” means a question with an obvious answer that responder will always say yes or no too. Like “Is the sky blue?” “Is this a picture of a triangle?”</a:t>
+            </a:r>
+          </a:p>
+          <a:p>
+            <a:r>
+              <a:rPr lang="en-US" dirty="0"/>
+              <a:t>- Don’t get too caught up in the math, just know the basic concept.</a:t>
+            </a:r>
+          </a:p>
+          <a:p>
+            <a:r>
+              <a:rPr lang="en-US" dirty="0"/>
+              <a:t>- Important that responder answers truthfully.</a:t>
             </a:r>
           </a:p>
         </p:txBody>
@@ -1153,7 +1183,7 @@
           <a:p>
             <a:r>
               <a:rPr lang="en-US" b="1" dirty="0"/>
-              <a:t>- NOTE: Values will be only 1 or -1, no .9 or anything.</a:t>
+              <a:t>- NOTE: Values will be only 1 or -1, no .9 or anything. Also, this does nothing to key k.</a:t>
             </a:r>
           </a:p>
           <a:p>
@@ -1264,7 +1294,7 @@
             </a:r>
             <a:r>
               <a:rPr lang="en-US" b="1" dirty="0"/>
-              <a:t>.</a:t>
+              <a:t>. Also, key k is not changed.</a:t>
             </a:r>
           </a:p>
           <a:p>
@@ -1320,13 +1350,8 @@
             </a:pPr>
             <a:r>
               <a:rPr lang="en-US" b="0" dirty="0"/>
-              <a:t>If N users have the same key, they can perturb values together. However, the mean estimation will maybe be biased, but will improve accuracy (especially with small </a:t>
-            </a:r>
-            <a:r>
-              <a:rPr lang="en-US" b="0"/>
-              <a:t>privacy budget).</a:t>
-            </a:r>
-            <a:endParaRPr lang="en-US" b="0" dirty="0"/>
+              <a:t>If N users have the same key, they can perturb values together. However, the mean estimation will maybe be biased, but will improve accuracy (especially with small privacy budget).</a:t>
+            </a:r>
           </a:p>
           <a:p>
             <a:pPr marL="628650" lvl="1" indent="-171450">
@@ -1394,44 +1419,48 @@
           <a:bodyPr/>
           <a:lstStyle/>
           <a:p>
-            <a:r>
-              <a:rPr lang="en-US" b="1" dirty="0"/>
-              <a:t>- NOTE: Values will be only 1 or -1, no .9 or anything.</a:t>
-            </a:r>
-          </a:p>
-          <a:p>
+            <a:pPr marL="171450" indent="-171450">
+              <a:buFontTx/>
+              <a:buChar char="-"/>
+            </a:pPr>
             <a:r>
               <a:rPr lang="en-US" dirty="0"/>
-              <a:t>- “</a:t>
-            </a:r>
-            <a:r>
-              <a:rPr lang="en-US" sz="1200" kern="1200" dirty="0">
-                <a:solidFill>
-                  <a:schemeClr val="tx1"/>
-                </a:solidFill>
-                <a:effectLst/>
-                <a:latin typeface="+mn-lt"/>
-                <a:ea typeface="+mn-ea"/>
-                <a:cs typeface="+mn-cs"/>
-              </a:rPr>
-              <a:t>Each perturbed value in Harmony is simply scaled d times to counterbalance the effect of sampling, which may</a:t>
-            </a:r>
-          </a:p>
-          <a:p>
-            <a:r>
-              <a:rPr lang="en-US" sz="1200" kern="1200" dirty="0">
-                <a:solidFill>
-                  <a:schemeClr val="tx1"/>
-                </a:solidFill>
-                <a:effectLst/>
-                <a:latin typeface="+mn-lt"/>
-                <a:ea typeface="+mn-ea"/>
-                <a:cs typeface="+mn-cs"/>
-              </a:rPr>
-              <a:t>also cause bias.”</a:t>
-            </a:r>
-          </a:p>
-          <a:p>
+              <a:t>To reduce communication cost to O(1), Line 2 does random sample of keys to report to data collector.</a:t>
+            </a:r>
+          </a:p>
+          <a:p>
+            <a:pPr marL="171450" indent="-171450">
+              <a:buFontTx/>
+              <a:buChar char="-"/>
+            </a:pPr>
+            <a:r>
+              <a:rPr lang="en-US" dirty="0"/>
+              <a:t>&lt;</a:t>
+            </a:r>
+            <a:r>
+              <a:rPr lang="en-US" dirty="0" err="1"/>
+              <a:t>k,v</a:t>
+            </a:r>
+            <a:r>
+              <a:rPr lang="en-US" dirty="0"/>
+              <a:t>&gt; to  (4)&lt;k, v*&gt; to (5)&lt;1,v*&gt; or &lt;0,0&gt; , remember doesn’t affect mean estimation because we calibrate the values</a:t>
+            </a:r>
+          </a:p>
+          <a:p>
+            <a:pPr marL="171450" indent="-171450">
+              <a:buFontTx/>
+              <a:buChar char="-"/>
+            </a:pPr>
+            <a:r>
+              <a:rPr lang="en-US" dirty="0"/>
+              <a:t>For the user DNE case, give the marijuana card example.</a:t>
+            </a:r>
+          </a:p>
+          <a:p>
+            <a:pPr marL="0" indent="0">
+              <a:buFontTx/>
+              <a:buNone/>
+            </a:pPr>
             <a:endParaRPr lang="en-US" dirty="0"/>
           </a:p>
         </p:txBody>
@@ -7413,9 +7442,7 @@
           <a:lstStyle/>
           <a:p>
             <a:r>
-              <a:rPr lang="en-US" sz="4400">
-                <a:latin typeface="+mj-lt"/>
-              </a:rPr>
+              <a:rPr lang="en-US" sz="4400" dirty="0"/>
               <a:t>Proper Perturbation</a:t>
             </a:r>
           </a:p>
@@ -7450,79 +7477,52 @@
           <a:lstStyle/>
           <a:p>
             <a:r>
-              <a:rPr lang="en-US" sz="1600" dirty="0">
-                <a:latin typeface="+mn-lt"/>
-                <a:cs typeface="+mn-cs"/>
-              </a:rPr>
+              <a:rPr lang="en-US" sz="1600" dirty="0"/>
               <a:t>Mainly relies on </a:t>
             </a:r>
             <a:r>
-              <a:rPr lang="en-US" sz="1600" i="1" dirty="0">
-                <a:latin typeface="+mn-lt"/>
-                <a:cs typeface="+mn-cs"/>
-              </a:rPr>
+              <a:rPr lang="en-US" sz="1600" i="1" dirty="0"/>
               <a:t>Harmony </a:t>
             </a:r>
           </a:p>
           <a:p>
             <a:pPr lvl="1"/>
             <a:r>
-              <a:rPr lang="en-US" sz="1600" dirty="0">
-                <a:latin typeface="+mn-lt"/>
-                <a:cs typeface="+mn-cs"/>
-              </a:rPr>
+              <a:rPr lang="en-US" sz="1600" dirty="0"/>
               <a:t>[31] T. T. </a:t>
             </a:r>
             <a:r>
-              <a:rPr lang="en-US" sz="1600" dirty="0" err="1">
-                <a:latin typeface="+mn-lt"/>
-                <a:cs typeface="+mn-cs"/>
-              </a:rPr>
+              <a:rPr lang="en-US" sz="1600" dirty="0" err="1"/>
               <a:t>Nguyˆen</a:t>
             </a:r>
             <a:r>
-              <a:rPr lang="en-US" sz="1600" dirty="0">
-                <a:latin typeface="+mn-lt"/>
-                <a:cs typeface="+mn-cs"/>
-              </a:rPr>
+              <a:rPr lang="en-US" sz="1600" dirty="0"/>
               <a:t>, X. Xiao, Y. Yang, S. C. Hui, H. Shin, and J. Shin. Collecting and analyzing data from smart device users with local differential privacy. arXiv:1606.05053, 2016</a:t>
             </a:r>
           </a:p>
           <a:p>
             <a:r>
-              <a:rPr lang="en-US" sz="1600" dirty="0">
-                <a:latin typeface="+mn-lt"/>
-                <a:cs typeface="+mn-cs"/>
-              </a:rPr>
+              <a:rPr lang="en-US" sz="1600" dirty="0"/>
               <a:t>Converts numerical values in KV pairs to binary and perturb with RR.</a:t>
             </a:r>
           </a:p>
           <a:p>
             <a:pPr lvl="1"/>
             <a:r>
-              <a:rPr lang="en-US" sz="1600" dirty="0">
-                <a:latin typeface="+mn-lt"/>
-                <a:cs typeface="+mn-cs"/>
-              </a:rPr>
+              <a:rPr lang="en-US" sz="1600" dirty="0"/>
               <a:t>Values will be either -1 or 1 (discrete); d is the set of natural numbers {0, 1, 2…}</a:t>
             </a:r>
           </a:p>
           <a:p>
             <a:pPr lvl="1"/>
             <a:r>
-              <a:rPr lang="en-US" sz="1600" dirty="0">
-                <a:latin typeface="+mn-lt"/>
-                <a:cs typeface="+mn-cs"/>
-              </a:rPr>
+              <a:rPr lang="en-US" sz="1600" dirty="0"/>
               <a:t>However, mean will be biased, so we will need to calculate the bias via a calibration which can be done by the data collector or data producer.</a:t>
             </a:r>
           </a:p>
           <a:p>
             <a:pPr lvl="1"/>
-            <a:endParaRPr lang="en-US" sz="1600" dirty="0">
-              <a:latin typeface="+mn-lt"/>
-              <a:cs typeface="+mn-cs"/>
-            </a:endParaRPr>
+            <a:endParaRPr lang="en-US" sz="1600" dirty="0"/>
           </a:p>
         </p:txBody>
       </p:sp>
@@ -7856,119 +7856,143 @@
           <a:lstStyle/>
           <a:p>
             <a:r>
-              <a:rPr lang="en-US" sz="4400">
-                <a:latin typeface="+mj-lt"/>
-              </a:rPr>
-              <a:t>Local Pertubation Protocol</a:t>
-            </a:r>
-          </a:p>
-        </p:txBody>
-      </p:sp>
-      <p:sp>
-        <p:nvSpPr>
-          <p:cNvPr id="3" name="Content Placeholder 2">
-            <a:extLst>
-              <a:ext uri="{FF2B5EF4-FFF2-40B4-BE49-F238E27FC236}">
-                <a16:creationId xmlns:a16="http://schemas.microsoft.com/office/drawing/2014/main" id="{DE60B5A1-B819-44B7-BA56-B7BC3E4EE353}"/>
-              </a:ext>
-            </a:extLst>
-          </p:cNvPr>
-          <p:cNvSpPr>
-            <a:spLocks noGrp="1"/>
-          </p:cNvSpPr>
-          <p:nvPr>
-            <p:ph sz="half" idx="1"/>
-          </p:nvPr>
-        </p:nvSpPr>
-        <p:spPr>
-          <a:xfrm>
-            <a:off x="648930" y="2438400"/>
-            <a:ext cx="5127029" cy="3785419"/>
-          </a:xfrm>
-        </p:spPr>
-        <p:txBody>
-          <a:bodyPr vert="horz" lIns="91440" tIns="45720" rIns="91440" bIns="45720" rtlCol="0">
-            <a:normAutofit/>
-          </a:bodyPr>
-          <a:lstStyle/>
-          <a:p>
-            <a:r>
-              <a:rPr lang="en-US" sz="1600" dirty="0">
-                <a:latin typeface="+mn-lt"/>
-                <a:cs typeface="+mn-cs"/>
-              </a:rPr>
-              <a:t>Mainly relies on </a:t>
-            </a:r>
-            <a:r>
-              <a:rPr lang="en-US" sz="1600" i="1" dirty="0">
-                <a:latin typeface="+mn-lt"/>
-                <a:cs typeface="+mn-cs"/>
-              </a:rPr>
-              <a:t>Harmony </a:t>
-            </a:r>
-          </a:p>
-          <a:p>
-            <a:pPr lvl="1"/>
-            <a:r>
-              <a:rPr lang="en-US" sz="1600" dirty="0">
-                <a:latin typeface="+mn-lt"/>
-                <a:cs typeface="+mn-cs"/>
-              </a:rPr>
-              <a:t>[31] T. T. </a:t>
-            </a:r>
-            <a:r>
-              <a:rPr lang="en-US" sz="1600" dirty="0" err="1">
-                <a:latin typeface="+mn-lt"/>
-                <a:cs typeface="+mn-cs"/>
-              </a:rPr>
-              <a:t>Nguyˆen</a:t>
-            </a:r>
-            <a:r>
-              <a:rPr lang="en-US" sz="1600" dirty="0">
-                <a:latin typeface="+mn-lt"/>
-                <a:cs typeface="+mn-cs"/>
-              </a:rPr>
-              <a:t>, X. Xiao, Y. Yang, S. C. Hui, H. Shin, and J. Shin. Collecting and analyzing data from smart device users with local differential privacy. arXiv:1606.05053, 2016</a:t>
-            </a:r>
-          </a:p>
-          <a:p>
-            <a:r>
-              <a:rPr lang="en-US" sz="1600" dirty="0">
-                <a:latin typeface="+mn-lt"/>
-                <a:cs typeface="+mn-cs"/>
-              </a:rPr>
-              <a:t>Converts numerical values in KV pairs to binary and perturb with RR.</a:t>
-            </a:r>
-          </a:p>
-          <a:p>
-            <a:pPr lvl="1"/>
-            <a:r>
-              <a:rPr lang="en-US" sz="1600" dirty="0">
-                <a:latin typeface="+mn-lt"/>
-                <a:cs typeface="+mn-cs"/>
-              </a:rPr>
-              <a:t>Values will be either -1 or 1 (discrete); d is the set of natural numbers {0, 1, 2…}</a:t>
-            </a:r>
-          </a:p>
-          <a:p>
-            <a:pPr lvl="1"/>
-            <a:r>
-              <a:rPr lang="en-US" sz="1600" dirty="0">
-                <a:latin typeface="+mn-lt"/>
-                <a:cs typeface="+mn-cs"/>
-              </a:rPr>
-              <a:t>However, mean will be biased, so we will need to calculate the bias via a calibration which can be done by the data collector or data producer.</a:t>
-            </a:r>
-          </a:p>
-          <a:p>
-            <a:pPr lvl="1"/>
-            <a:endParaRPr lang="en-US" sz="1600" dirty="0">
-              <a:latin typeface="+mn-lt"/>
-              <a:cs typeface="+mn-cs"/>
-            </a:endParaRPr>
-          </a:p>
-        </p:txBody>
-      </p:sp>
+              <a:rPr lang="en-US" sz="4400" dirty="0"/>
+              <a:t>Local </a:t>
+            </a:r>
+            <a:r>
+              <a:rPr lang="en-US" sz="4400" dirty="0" err="1"/>
+              <a:t>Pertubation</a:t>
+            </a:r>
+            <a:r>
+              <a:rPr lang="en-US" sz="4400" dirty="0"/>
+              <a:t> Protocol</a:t>
+            </a:r>
+          </a:p>
+        </p:txBody>
+      </p:sp>
+      <mc:AlternateContent xmlns:mc="http://schemas.openxmlformats.org/markup-compatibility/2006">
+        <mc:Choice xmlns:a14="http://schemas.microsoft.com/office/drawing/2010/main" Requires="a14">
+          <p:sp>
+            <p:nvSpPr>
+              <p:cNvPr id="3" name="Content Placeholder 2">
+                <a:extLst>
+                  <a:ext uri="{FF2B5EF4-FFF2-40B4-BE49-F238E27FC236}">
+                    <a16:creationId xmlns:a16="http://schemas.microsoft.com/office/drawing/2014/main" id="{DE60B5A1-B819-44B7-BA56-B7BC3E4EE353}"/>
+                  </a:ext>
+                </a:extLst>
+              </p:cNvPr>
+              <p:cNvSpPr>
+                <a:spLocks noGrp="1"/>
+              </p:cNvSpPr>
+              <p:nvPr>
+                <p:ph sz="half" idx="1"/>
+              </p:nvPr>
+            </p:nvSpPr>
+            <p:spPr>
+              <a:xfrm>
+                <a:off x="648930" y="2438400"/>
+                <a:ext cx="5127029" cy="3785419"/>
+              </a:xfrm>
+            </p:spPr>
+            <p:txBody>
+              <a:bodyPr vert="horz" lIns="91440" tIns="45720" rIns="91440" bIns="45720" rtlCol="0">
+                <a:normAutofit/>
+              </a:bodyPr>
+              <a:lstStyle/>
+              <a:p>
+                <a:r>
+                  <a:rPr lang="en-US" sz="1600" dirty="0"/>
+                  <a:t>Combining VPP and </a:t>
+                </a:r>
+                <a:r>
+                  <a:rPr lang="en-US" sz="1600" i="1" dirty="0"/>
+                  <a:t>Harmony</a:t>
+                </a:r>
+                <a:r>
+                  <a:rPr lang="en-US" sz="1600" dirty="0"/>
+                  <a:t> implementation with privacy budgets to provide (</a:t>
+                </a:r>
+                <a14:m>
+                  <m:oMath xmlns:m="http://schemas.openxmlformats.org/officeDocument/2006/math">
+                    <m:r>
+                      <a:rPr lang="en-US" sz="1600" i="1">
+                        <a:latin typeface="Cambria Math" panose="02040503050406030204" pitchFamily="18" charset="0"/>
+                        <a:ea typeface="Cambria Math" panose="02040503050406030204" pitchFamily="18" charset="0"/>
+                      </a:rPr>
+                      <m:t>𝜀</m:t>
+                    </m:r>
+                  </m:oMath>
+                </a14:m>
+                <a:r>
+                  <a:rPr lang="en-US" sz="1600" dirty="0"/>
+                  <a:t>-LDP).</a:t>
+                </a:r>
+              </a:p>
+              <a:p>
+                <a:r>
+                  <a:rPr lang="en-US" sz="1600" dirty="0"/>
+                  <a:t>Returns a perturbed KV pair and its index j.</a:t>
+                </a:r>
+              </a:p>
+              <a:p>
+                <a:r>
+                  <a:rPr lang="en-US" sz="1600" dirty="0"/>
+                  <a:t>If user has the key, then we can perturb the value by VPP and the key by RR.</a:t>
+                </a:r>
+              </a:p>
+              <a:p>
+                <a:r>
+                  <a:rPr lang="en-US" sz="1600" dirty="0"/>
+                  <a:t>If user does not have the key, we still perturb the value by some random number from [-1,1] (continuous) and the opposite cases and probability of RR. </a:t>
+                </a:r>
+              </a:p>
+            </p:txBody>
+          </p:sp>
+        </mc:Choice>
+        <mc:Fallback>
+          <p:sp>
+            <p:nvSpPr>
+              <p:cNvPr id="3" name="Content Placeholder 2">
+                <a:extLst>
+                  <a:ext uri="{FF2B5EF4-FFF2-40B4-BE49-F238E27FC236}">
+                    <a16:creationId xmlns:a16="http://schemas.microsoft.com/office/drawing/2014/main" id="{DE60B5A1-B819-44B7-BA56-B7BC3E4EE353}"/>
+                  </a:ext>
+                </a:extLst>
+              </p:cNvPr>
+              <p:cNvSpPr>
+                <a:spLocks noGrp="1" noRot="1" noChangeAspect="1" noMove="1" noResize="1" noEditPoints="1" noAdjustHandles="1" noChangeArrowheads="1" noChangeShapeType="1" noTextEdit="1"/>
+              </p:cNvSpPr>
+              <p:nvPr>
+                <p:ph sz="half" idx="1"/>
+              </p:nvPr>
+            </p:nvSpPr>
+            <p:spPr>
+              <a:xfrm>
+                <a:off x="648930" y="2438400"/>
+                <a:ext cx="5127029" cy="3785419"/>
+              </a:xfrm>
+              <a:blipFill>
+                <a:blip r:embed="rId3"/>
+                <a:stretch>
+                  <a:fillRect l="-476" t="-1127" r="-1665"/>
+                </a:stretch>
+              </a:blipFill>
+            </p:spPr>
+            <p:txBody>
+              <a:bodyPr/>
+              <a:lstStyle/>
+              <a:p>
+                <a:r>
+                  <a:rPr lang="en-US">
+                    <a:noFill/>
+                  </a:rPr>
+                  <a:t> </a:t>
+                </a:r>
+              </a:p>
+            </p:txBody>
+          </p:sp>
+        </mc:Fallback>
+      </mc:AlternateContent>
       <p:pic>
         <p:nvPicPr>
           <p:cNvPr id="9" name="Content Placeholder 8" descr="A screenshot of a cell phone&#10;&#10;Description automatically generated">
@@ -7986,7 +8010,7 @@
           </p:nvPr>
         </p:nvPicPr>
         <p:blipFill rotWithShape="1">
-          <a:blip r:embed="rId3">
+          <a:blip r:embed="rId4">
             <a:extLst>
               <a:ext uri="{28A0092B-C50C-407E-A947-70E740481C1C}">
                 <a14:useLocalDpi xmlns:a14="http://schemas.microsoft.com/office/drawing/2010/main" val="0"/>
@@ -9162,8 +9186,8 @@
           </a:p>
         </p:txBody>
       </p:sp>
-      <mc:AlternateContent xmlns:mc="http://schemas.openxmlformats.org/markup-compatibility/2006" xmlns:a14="http://schemas.microsoft.com/office/drawing/2010/main">
-        <mc:Choice Requires="a14">
+      <mc:AlternateContent xmlns:mc="http://schemas.openxmlformats.org/markup-compatibility/2006">
+        <mc:Choice xmlns:a14="http://schemas.microsoft.com/office/drawing/2010/main" Requires="a14">
           <p:sp>
             <p:nvSpPr>
               <p:cNvPr id="3" name="Content Placeholder 2">
@@ -9200,7 +9224,22 @@
                 </a14:m>
                 <a:r>
                   <a:rPr lang="en-US" sz="2400" dirty="0"/>
-                  <a:t>-local differential privacy:</a:t>
+                  <a:t>-local differential privacy (</a:t>
+                </a:r>
+                <a14:m>
+                  <m:oMath xmlns:m="http://schemas.openxmlformats.org/officeDocument/2006/math">
+                    <m:r>
+                      <a:rPr lang="en-US" sz="2400" i="1">
+                        <a:latin typeface="Cambria Math" panose="02040503050406030204" pitchFamily="18" charset="0"/>
+                        <a:ea typeface="Cambria Math" panose="02040503050406030204" pitchFamily="18" charset="0"/>
+                      </a:rPr>
+                      <m:t>𝜀</m:t>
+                    </m:r>
+                  </m:oMath>
+                </a14:m>
+                <a:r>
+                  <a:rPr lang="en-US" sz="2400" dirty="0"/>
+                  <a:t>-LDP):</a:t>
                 </a:r>
               </a:p>
               <a:p>
@@ -9706,7 +9745,7 @@
             </p:txBody>
           </p:sp>
         </mc:Choice>
-        <mc:Fallback xmlns="">
+        <mc:Fallback>
           <p:sp>
             <p:nvSpPr>
               <p:cNvPr id="3" name="Content Placeholder 2">
@@ -10503,7 +10542,7 @@
         </p:nvSpPr>
         <p:spPr>
           <a:xfrm>
-            <a:off x="3483746" y="4273611"/>
+            <a:off x="2494042" y="4273611"/>
             <a:ext cx="4142172" cy="1754326"/>
           </a:xfrm>
           <a:prstGeom prst="rect">
@@ -10572,6 +10611,132 @@
                 <a:cs typeface="Times New Roman" panose="02020603050405020304" pitchFamily="18" charset="0"/>
               </a:rPr>
               <a:t>21 No / 250 = .084 = 8.4 %</a:t>
+            </a:r>
+          </a:p>
+        </p:txBody>
+      </p:sp>
+      <p:sp>
+        <p:nvSpPr>
+          <p:cNvPr id="6" name="TextBox 5">
+            <a:extLst>
+              <a:ext uri="{FF2B5EF4-FFF2-40B4-BE49-F238E27FC236}">
+                <a16:creationId xmlns:a16="http://schemas.microsoft.com/office/drawing/2014/main" id="{1C012255-9369-45EF-A676-503E7B34E1BB}"/>
+              </a:ext>
+            </a:extLst>
+          </p:cNvPr>
+          <p:cNvSpPr txBox="1"/>
+          <p:nvPr/>
+        </p:nvSpPr>
+        <p:spPr>
+          <a:xfrm>
+            <a:off x="7211628" y="3771026"/>
+            <a:ext cx="4142172" cy="2585323"/>
+          </a:xfrm>
+          <a:prstGeom prst="rect">
+            <a:avLst/>
+          </a:prstGeom>
+          <a:noFill/>
+          <a:ln>
+            <a:solidFill>
+              <a:schemeClr val="tx1"/>
+            </a:solidFill>
+          </a:ln>
+        </p:spPr>
+        <p:txBody>
+          <a:bodyPr wrap="square" rtlCol="0">
+            <a:spAutoFit/>
+          </a:bodyPr>
+          <a:lstStyle/>
+          <a:p>
+            <a:pPr algn="ctr"/>
+            <a:r>
+              <a:rPr lang="en-US" i="1" u="sng" dirty="0">
+                <a:latin typeface="Times New Roman" panose="02020603050405020304" pitchFamily="18" charset="0"/>
+                <a:cs typeface="Times New Roman" panose="02020603050405020304" pitchFamily="18" charset="0"/>
+              </a:rPr>
+              <a:t>Actual Scenario Question (p=⅓)</a:t>
+            </a:r>
+          </a:p>
+          <a:p>
+            <a:r>
+              <a:rPr lang="en-US" dirty="0">
+                <a:latin typeface="Times New Roman" panose="02020603050405020304" pitchFamily="18" charset="0"/>
+                <a:cs typeface="Times New Roman" panose="02020603050405020304" pitchFamily="18" charset="0"/>
+              </a:rPr>
+              <a:t>3 cards: one with question, one with absolute no, one with absolute yes</a:t>
+            </a:r>
+          </a:p>
+          <a:p>
+            <a:r>
+              <a:rPr lang="en-US" dirty="0">
+                <a:latin typeface="Times New Roman" panose="02020603050405020304" pitchFamily="18" charset="0"/>
+                <a:cs typeface="Times New Roman" panose="02020603050405020304" pitchFamily="18" charset="0"/>
+              </a:rPr>
+              <a:t>Probability </a:t>
+            </a:r>
+            <a:r>
+              <a:rPr lang="en-US" i="1" dirty="0">
+                <a:latin typeface="Times New Roman" panose="02020603050405020304" pitchFamily="18" charset="0"/>
+                <a:cs typeface="Times New Roman" panose="02020603050405020304" pitchFamily="18" charset="0"/>
+              </a:rPr>
+              <a:t>⅓</a:t>
+            </a:r>
+            <a:r>
+              <a:rPr lang="en-US" dirty="0">
+                <a:latin typeface="Times New Roman" panose="02020603050405020304" pitchFamily="18" charset="0"/>
+                <a:cs typeface="Times New Roman" panose="02020603050405020304" pitchFamily="18" charset="0"/>
+              </a:rPr>
+              <a:t> to answer question.</a:t>
+            </a:r>
+          </a:p>
+          <a:p>
+            <a:r>
+              <a:rPr lang="en-US" dirty="0">
+                <a:latin typeface="Times New Roman" panose="02020603050405020304" pitchFamily="18" charset="0"/>
+                <a:cs typeface="Times New Roman" panose="02020603050405020304" pitchFamily="18" charset="0"/>
+              </a:rPr>
+              <a:t>Probability ⅔ to answer yes or no.</a:t>
+            </a:r>
+          </a:p>
+          <a:p>
+            <a:r>
+              <a:rPr lang="en-US" dirty="0">
+                <a:latin typeface="Times New Roman" panose="02020603050405020304" pitchFamily="18" charset="0"/>
+                <a:cs typeface="Times New Roman" panose="02020603050405020304" pitchFamily="18" charset="0"/>
+              </a:rPr>
+              <a:t>So absolute yes and no cancel out. Yes minus no gives 3 times the actual answers.</a:t>
+            </a:r>
+          </a:p>
+          <a:p>
+            <a:r>
+              <a:rPr lang="en-US" dirty="0">
+                <a:latin typeface="Times New Roman" panose="02020603050405020304" pitchFamily="18" charset="0"/>
+                <a:cs typeface="Times New Roman" panose="02020603050405020304" pitchFamily="18" charset="0"/>
+              </a:rPr>
+              <a:t>100 r</a:t>
+            </a:r>
+            <a:r>
+              <a:rPr lang="en-US">
+                <a:latin typeface="Times New Roman" panose="02020603050405020304" pitchFamily="18" charset="0"/>
+                <a:cs typeface="Times New Roman" panose="02020603050405020304" pitchFamily="18" charset="0"/>
+              </a:rPr>
+              <a:t>eponses</a:t>
+            </a:r>
+            <a:r>
+              <a:rPr lang="en-US" dirty="0">
+                <a:latin typeface="Times New Roman" panose="02020603050405020304" pitchFamily="18" charset="0"/>
+                <a:cs typeface="Times New Roman" panose="02020603050405020304" pitchFamily="18" charset="0"/>
+              </a:rPr>
+              <a:t>, 20 yes, 80 no.</a:t>
+            </a:r>
+          </a:p>
+          <a:p>
+            <a:r>
+              <a:rPr lang="en-US" dirty="0">
+                <a:latin typeface="Times New Roman" panose="02020603050405020304" pitchFamily="18" charset="0"/>
+                <a:cs typeface="Times New Roman" panose="02020603050405020304" pitchFamily="18" charset="0"/>
+              </a:rPr>
+              <a:t>80 – 20 = 60, so 60%</a:t>
             </a:r>
           </a:p>
         </p:txBody>

--- a/CS-6223/hw/Grad_Project/Final Documents/PrivKV Differential Privacy for Key Value Structured Data.pptx
+++ b/CS-6223/hw/Grad_Project/Final Documents/PrivKV Differential Privacy for Key Value Structured Data.pptx
@@ -5375,8 +5375,8 @@
           </a:p>
         </p:txBody>
       </p:sp>
-      <mc:AlternateContent xmlns:mc="http://schemas.openxmlformats.org/markup-compatibility/2006">
-        <mc:Choice xmlns:a14="http://schemas.microsoft.com/office/drawing/2010/main" Requires="a14">
+      <mc:AlternateContent xmlns:mc="http://schemas.openxmlformats.org/markup-compatibility/2006" xmlns:a14="http://schemas.microsoft.com/office/drawing/2010/main">
+        <mc:Choice Requires="a14">
           <p:sp>
             <p:nvSpPr>
               <p:cNvPr id="7" name="TextBox 6">
@@ -5653,7 +5653,7 @@
             </p:txBody>
           </p:sp>
         </mc:Choice>
-        <mc:Fallback>
+        <mc:Fallback xmlns="">
           <p:sp>
             <p:nvSpPr>
               <p:cNvPr id="7" name="TextBox 6">
@@ -6709,8 +6709,8 @@
           </a:p>
         </p:txBody>
       </p:sp>
-      <mc:AlternateContent xmlns:mc="http://schemas.openxmlformats.org/markup-compatibility/2006">
-        <mc:Choice xmlns:a14="http://schemas.microsoft.com/office/drawing/2010/main" Requires="a14">
+      <mc:AlternateContent xmlns:mc="http://schemas.openxmlformats.org/markup-compatibility/2006" xmlns:a14="http://schemas.microsoft.com/office/drawing/2010/main">
+        <mc:Choice Requires="a14">
           <p:sp>
             <p:nvSpPr>
               <p:cNvPr id="3" name="Content Placeholder 2">
@@ -6788,7 +6788,7 @@
             </p:txBody>
           </p:sp>
         </mc:Choice>
-        <mc:Fallback>
+        <mc:Fallback xmlns="">
           <p:sp>
             <p:nvSpPr>
               <p:cNvPr id="3" name="Content Placeholder 2">
@@ -7901,6 +7901,20 @@
               <a:rPr lang="en-US" dirty="0"/>
               <a:t>Key-Value Protocols</a:t>
             </a:r>
+          </a:p>
+          <a:p>
+            <a:r>
+              <a:rPr lang="en-US" dirty="0" err="1"/>
+              <a:t>PrivKV</a:t>
+            </a:r>
+            <a:endParaRPr lang="en-US" dirty="0"/>
+          </a:p>
+          <a:p>
+            <a:r>
+              <a:rPr lang="en-US"/>
+              <a:t>Experiments</a:t>
+            </a:r>
+            <a:endParaRPr lang="en-US" dirty="0"/>
           </a:p>
           <a:p>
             <a:endParaRPr lang="en-US" dirty="0"/>
@@ -9140,8 +9154,8 @@
           </a:p>
         </p:txBody>
       </p:sp>
-      <mc:AlternateContent xmlns:mc="http://schemas.openxmlformats.org/markup-compatibility/2006">
-        <mc:Choice xmlns:a14="http://schemas.microsoft.com/office/drawing/2010/main" Requires="a14">
+      <mc:AlternateContent xmlns:mc="http://schemas.openxmlformats.org/markup-compatibility/2006" xmlns:a14="http://schemas.microsoft.com/office/drawing/2010/main">
+        <mc:Choice Requires="a14">
           <p:sp>
             <p:nvSpPr>
               <p:cNvPr id="3" name="Content Placeholder 2">
@@ -9699,7 +9713,7 @@
             </p:txBody>
           </p:sp>
         </mc:Choice>
-        <mc:Fallback>
+        <mc:Fallback xmlns="">
           <p:sp>
             <p:nvSpPr>
               <p:cNvPr id="3" name="Content Placeholder 2">
@@ -9764,8 +9778,8 @@
           </a:p>
         </p:txBody>
       </p:sp>
-      <mc:AlternateContent xmlns:mc="http://schemas.openxmlformats.org/markup-compatibility/2006">
-        <mc:Choice xmlns:a14="http://schemas.microsoft.com/office/drawing/2010/main" Requires="a14">
+      <mc:AlternateContent xmlns:mc="http://schemas.openxmlformats.org/markup-compatibility/2006" xmlns:a14="http://schemas.microsoft.com/office/drawing/2010/main">
+        <mc:Choice Requires="a14">
           <p:sp>
             <p:nvSpPr>
               <p:cNvPr id="7" name="TextBox 6">
@@ -10048,7 +10062,7 @@
             </p:txBody>
           </p:sp>
         </mc:Choice>
-        <mc:Fallback>
+        <mc:Fallback xmlns="">
           <p:sp>
             <p:nvSpPr>
               <p:cNvPr id="7" name="TextBox 6">
@@ -10151,8 +10165,8 @@
           </a:p>
         </p:txBody>
       </p:sp>
-      <mc:AlternateContent xmlns:mc="http://schemas.openxmlformats.org/markup-compatibility/2006">
-        <mc:Choice xmlns:a14="http://schemas.microsoft.com/office/drawing/2010/main" Requires="a14">
+      <mc:AlternateContent xmlns:mc="http://schemas.openxmlformats.org/markup-compatibility/2006" xmlns:a14="http://schemas.microsoft.com/office/drawing/2010/main">
+        <mc:Choice Requires="a14">
           <p:sp>
             <p:nvSpPr>
               <p:cNvPr id="3" name="Content Placeholder 2">
@@ -10298,7 +10312,7 @@
             </p:txBody>
           </p:sp>
         </mc:Choice>
-        <mc:Fallback>
+        <mc:Fallback xmlns="">
           <p:sp>
             <p:nvSpPr>
               <p:cNvPr id="3" name="Content Placeholder 2">
@@ -10781,8 +10795,8 @@
           </a:p>
         </p:txBody>
       </p:sp>
-      <mc:AlternateContent xmlns:mc="http://schemas.openxmlformats.org/markup-compatibility/2006">
-        <mc:Choice xmlns:a14="http://schemas.microsoft.com/office/drawing/2010/main" Requires="a14">
+      <mc:AlternateContent xmlns:mc="http://schemas.openxmlformats.org/markup-compatibility/2006" xmlns:a14="http://schemas.microsoft.com/office/drawing/2010/main">
+        <mc:Choice Requires="a14">
           <p:sp>
             <p:nvSpPr>
               <p:cNvPr id="5" name="TextBox 4">
@@ -10922,7 +10936,7 @@
             </p:txBody>
           </p:sp>
         </mc:Choice>
-        <mc:Fallback>
+        <mc:Fallback xmlns="">
           <p:sp>
             <p:nvSpPr>
               <p:cNvPr id="5" name="TextBox 4">
@@ -10972,8 +10986,8 @@
           </p:sp>
         </mc:Fallback>
       </mc:AlternateContent>
-      <mc:AlternateContent xmlns:mc="http://schemas.openxmlformats.org/markup-compatibility/2006">
-        <mc:Choice xmlns:a14="http://schemas.microsoft.com/office/drawing/2010/main" Requires="a14">
+      <mc:AlternateContent xmlns:mc="http://schemas.openxmlformats.org/markup-compatibility/2006" xmlns:a14="http://schemas.microsoft.com/office/drawing/2010/main">
+        <mc:Choice Requires="a14">
           <p:sp>
             <p:nvSpPr>
               <p:cNvPr id="6" name="TextBox 5">
@@ -11105,7 +11119,7 @@
             </p:txBody>
           </p:sp>
         </mc:Choice>
-        <mc:Fallback>
+        <mc:Fallback xmlns="">
           <p:sp>
             <p:nvSpPr>
               <p:cNvPr id="6" name="TextBox 5">
@@ -11213,8 +11227,8 @@
           </a:p>
         </p:txBody>
       </p:sp>
-      <mc:AlternateContent xmlns:mc="http://schemas.openxmlformats.org/markup-compatibility/2006">
-        <mc:Choice xmlns:a14="http://schemas.microsoft.com/office/drawing/2010/main" Requires="a14">
+      <mc:AlternateContent xmlns:mc="http://schemas.openxmlformats.org/markup-compatibility/2006" xmlns:a14="http://schemas.microsoft.com/office/drawing/2010/main">
+        <mc:Choice Requires="a14">
           <p:sp>
             <p:nvSpPr>
               <p:cNvPr id="3" name="Content Placeholder 2">
@@ -11581,7 +11595,7 @@
             </p:txBody>
           </p:sp>
         </mc:Choice>
-        <mc:Fallback>
+        <mc:Fallback xmlns="">
           <p:sp>
             <p:nvSpPr>
               <p:cNvPr id="3" name="Content Placeholder 2">
@@ -11646,8 +11660,8 @@
           </a:p>
         </p:txBody>
       </p:sp>
-      <mc:AlternateContent xmlns:mc="http://schemas.openxmlformats.org/markup-compatibility/2006">
-        <mc:Choice xmlns:a14="http://schemas.microsoft.com/office/drawing/2010/main" Requires="a14">
+      <mc:AlternateContent xmlns:mc="http://schemas.openxmlformats.org/markup-compatibility/2006" xmlns:a14="http://schemas.microsoft.com/office/drawing/2010/main">
+        <mc:Choice Requires="a14">
           <p:sp>
             <p:nvSpPr>
               <p:cNvPr id="5" name="TextBox 4">
@@ -11875,7 +11889,7 @@
             </p:txBody>
           </p:sp>
         </mc:Choice>
-        <mc:Fallback>
+        <mc:Fallback xmlns="">
           <p:sp>
             <p:nvSpPr>
               <p:cNvPr id="5" name="TextBox 4">
@@ -11925,8 +11939,8 @@
           </p:sp>
         </mc:Fallback>
       </mc:AlternateContent>
-      <mc:AlternateContent xmlns:mc="http://schemas.openxmlformats.org/markup-compatibility/2006">
-        <mc:Choice xmlns:a14="http://schemas.microsoft.com/office/drawing/2010/main" Requires="a14">
+      <mc:AlternateContent xmlns:mc="http://schemas.openxmlformats.org/markup-compatibility/2006" xmlns:a14="http://schemas.microsoft.com/office/drawing/2010/main">
+        <mc:Choice Requires="a14">
           <p:sp>
             <p:nvSpPr>
               <p:cNvPr id="6" name="TextBox 5">
@@ -12214,7 +12228,7 @@
             </p:txBody>
           </p:sp>
         </mc:Choice>
-        <mc:Fallback>
+        <mc:Fallback xmlns="">
           <p:sp>
             <p:nvSpPr>
               <p:cNvPr id="6" name="TextBox 5">
@@ -12264,8 +12278,8 @@
           </p:sp>
         </mc:Fallback>
       </mc:AlternateContent>
-      <mc:AlternateContent xmlns:mc="http://schemas.openxmlformats.org/markup-compatibility/2006">
-        <mc:Choice xmlns:a14="http://schemas.microsoft.com/office/drawing/2010/main" Requires="a14">
+      <mc:AlternateContent xmlns:mc="http://schemas.openxmlformats.org/markup-compatibility/2006" xmlns:a14="http://schemas.microsoft.com/office/drawing/2010/main">
+        <mc:Choice Requires="a14">
           <p:sp>
             <p:nvSpPr>
               <p:cNvPr id="7" name="TextBox 6">
@@ -12299,6 +12313,7 @@
               </a:bodyPr>
               <a:lstStyle/>
               <a:p>
+                <a:pPr/>
                 <a14:m>
                   <m:oMathPara xmlns:m="http://schemas.openxmlformats.org/officeDocument/2006/math">
                     <m:oMathParaPr>
@@ -12484,7 +12499,7 @@
             </p:txBody>
           </p:sp>
         </mc:Choice>
-        <mc:Fallback>
+        <mc:Fallback xmlns="">
           <p:sp>
             <p:nvSpPr>
               <p:cNvPr id="7" name="TextBox 6">
